--- a/day_02/day_02_lecture_linear_models.pptx
+++ b/day_02/day_02_lecture_linear_models.pptx
@@ -5,63 +5,64 @@
     <p:sldMasterId id="2147483659" r:id="rId1"/>
   </p:sldMasterIdLst>
   <p:notesMasterIdLst>
-    <p:notesMasterId r:id="rId47"/>
+    <p:notesMasterId r:id="rId48"/>
   </p:notesMasterIdLst>
   <p:sldIdLst>
     <p:sldId id="256" r:id="rId2"/>
-    <p:sldId id="257" r:id="rId3"/>
-    <p:sldId id="258" r:id="rId4"/>
-    <p:sldId id="259" r:id="rId5"/>
-    <p:sldId id="260" r:id="rId6"/>
-    <p:sldId id="261" r:id="rId7"/>
-    <p:sldId id="262" r:id="rId8"/>
-    <p:sldId id="263" r:id="rId9"/>
-    <p:sldId id="264" r:id="rId10"/>
-    <p:sldId id="265" r:id="rId11"/>
-    <p:sldId id="266" r:id="rId12"/>
-    <p:sldId id="267" r:id="rId13"/>
-    <p:sldId id="268" r:id="rId14"/>
-    <p:sldId id="269" r:id="rId15"/>
-    <p:sldId id="270" r:id="rId16"/>
-    <p:sldId id="271" r:id="rId17"/>
-    <p:sldId id="272" r:id="rId18"/>
-    <p:sldId id="273" r:id="rId19"/>
-    <p:sldId id="274" r:id="rId20"/>
-    <p:sldId id="275" r:id="rId21"/>
-    <p:sldId id="276" r:id="rId22"/>
-    <p:sldId id="277" r:id="rId23"/>
-    <p:sldId id="278" r:id="rId24"/>
-    <p:sldId id="279" r:id="rId25"/>
-    <p:sldId id="280" r:id="rId26"/>
-    <p:sldId id="281" r:id="rId27"/>
-    <p:sldId id="282" r:id="rId28"/>
-    <p:sldId id="283" r:id="rId29"/>
-    <p:sldId id="284" r:id="rId30"/>
-    <p:sldId id="285" r:id="rId31"/>
-    <p:sldId id="286" r:id="rId32"/>
-    <p:sldId id="287" r:id="rId33"/>
-    <p:sldId id="288" r:id="rId34"/>
-    <p:sldId id="289" r:id="rId35"/>
-    <p:sldId id="290" r:id="rId36"/>
-    <p:sldId id="291" r:id="rId37"/>
-    <p:sldId id="292" r:id="rId38"/>
-    <p:sldId id="293" r:id="rId39"/>
-    <p:sldId id="294" r:id="rId40"/>
-    <p:sldId id="295" r:id="rId41"/>
-    <p:sldId id="296" r:id="rId42"/>
-    <p:sldId id="297" r:id="rId43"/>
-    <p:sldId id="298" r:id="rId44"/>
-    <p:sldId id="299" r:id="rId45"/>
-    <p:sldId id="300" r:id="rId46"/>
+    <p:sldId id="301" r:id="rId3"/>
+    <p:sldId id="257" r:id="rId4"/>
+    <p:sldId id="258" r:id="rId5"/>
+    <p:sldId id="259" r:id="rId6"/>
+    <p:sldId id="260" r:id="rId7"/>
+    <p:sldId id="261" r:id="rId8"/>
+    <p:sldId id="262" r:id="rId9"/>
+    <p:sldId id="263" r:id="rId10"/>
+    <p:sldId id="264" r:id="rId11"/>
+    <p:sldId id="265" r:id="rId12"/>
+    <p:sldId id="266" r:id="rId13"/>
+    <p:sldId id="267" r:id="rId14"/>
+    <p:sldId id="268" r:id="rId15"/>
+    <p:sldId id="269" r:id="rId16"/>
+    <p:sldId id="270" r:id="rId17"/>
+    <p:sldId id="271" r:id="rId18"/>
+    <p:sldId id="272" r:id="rId19"/>
+    <p:sldId id="273" r:id="rId20"/>
+    <p:sldId id="274" r:id="rId21"/>
+    <p:sldId id="275" r:id="rId22"/>
+    <p:sldId id="276" r:id="rId23"/>
+    <p:sldId id="277" r:id="rId24"/>
+    <p:sldId id="278" r:id="rId25"/>
+    <p:sldId id="279" r:id="rId26"/>
+    <p:sldId id="280" r:id="rId27"/>
+    <p:sldId id="281" r:id="rId28"/>
+    <p:sldId id="282" r:id="rId29"/>
+    <p:sldId id="283" r:id="rId30"/>
+    <p:sldId id="284" r:id="rId31"/>
+    <p:sldId id="285" r:id="rId32"/>
+    <p:sldId id="286" r:id="rId33"/>
+    <p:sldId id="287" r:id="rId34"/>
+    <p:sldId id="288" r:id="rId35"/>
+    <p:sldId id="289" r:id="rId36"/>
+    <p:sldId id="290" r:id="rId37"/>
+    <p:sldId id="291" r:id="rId38"/>
+    <p:sldId id="292" r:id="rId39"/>
+    <p:sldId id="293" r:id="rId40"/>
+    <p:sldId id="294" r:id="rId41"/>
+    <p:sldId id="295" r:id="rId42"/>
+    <p:sldId id="296" r:id="rId43"/>
+    <p:sldId id="297" r:id="rId44"/>
+    <p:sldId id="298" r:id="rId45"/>
+    <p:sldId id="299" r:id="rId46"/>
+    <p:sldId id="300" r:id="rId47"/>
   </p:sldIdLst>
   <p:sldSz cx="9144000" cy="5143500" type="screen16x9"/>
   <p:notesSz cx="6858000" cy="9144000"/>
   <p:embeddedFontLst>
     <p:embeddedFont>
       <p:font typeface="Old Standard TT" pitchFamily="2" charset="77"/>
-      <p:regular r:id="rId48"/>
-      <p:bold r:id="rId49"/>
-      <p:italic r:id="rId50"/>
+      <p:regular r:id="rId49"/>
+      <p:bold r:id="rId50"/>
+      <p:italic r:id="rId51"/>
     </p:embeddedFont>
   </p:embeddedFontLst>
   <p:defaultTextStyle>
@@ -12552,6 +12553,116 @@
   <p:cSld>
     <p:spTree>
       <p:nvGrpSpPr>
+        <p:cNvPr id="1" name="Shape 128"/>
+        <p:cNvGrpSpPr/>
+        <p:nvPr/>
+      </p:nvGrpSpPr>
+      <p:grpSpPr>
+        <a:xfrm>
+          <a:off x="0" y="0"/>
+          <a:ext cx="0" cy="0"/>
+          <a:chOff x="0" y="0"/>
+          <a:chExt cx="0" cy="0"/>
+        </a:xfrm>
+      </p:grpSpPr>
+      <p:sp>
+        <p:nvSpPr>
+          <p:cNvPr id="129" name="Google Shape;129;p21"/>
+          <p:cNvSpPr txBox="1">
+            <a:spLocks noGrp="1"/>
+          </p:cNvSpPr>
+          <p:nvPr>
+            <p:ph type="title"/>
+          </p:nvPr>
+        </p:nvSpPr>
+        <p:spPr>
+          <a:xfrm>
+            <a:off x="311700" y="445025"/>
+            <a:ext cx="8520600" cy="613200"/>
+          </a:xfrm>
+          <a:prstGeom prst="rect">
+            <a:avLst/>
+          </a:prstGeom>
+        </p:spPr>
+        <p:txBody>
+          <a:bodyPr spcFirstLastPara="1" wrap="square" lIns="91425" tIns="91425" rIns="91425" bIns="91425" anchor="t" anchorCtr="0">
+            <a:normAutofit fontScale="90000"/>
+          </a:bodyPr>
+          <a:lstStyle/>
+          <a:p>
+            <a:pPr marL="0" lvl="0" indent="0" algn="l" rtl="0">
+              <a:spcBef>
+                <a:spcPts val="0"/>
+              </a:spcBef>
+              <a:spcAft>
+                <a:spcPts val="0"/>
+              </a:spcAft>
+              <a:buNone/>
+            </a:pPr>
+            <a:r>
+              <a:rPr lang="ru"/>
+              <a:t>Линейная регрессия</a:t>
+            </a:r>
+            <a:endParaRPr/>
+          </a:p>
+        </p:txBody>
+      </p:sp>
+      <p:sp>
+        <p:nvSpPr>
+          <p:cNvPr id="130" name="Google Shape;130;p21"/>
+          <p:cNvSpPr txBox="1">
+            <a:spLocks noGrp="1"/>
+          </p:cNvSpPr>
+          <p:nvPr>
+            <p:ph type="body" idx="1"/>
+          </p:nvPr>
+        </p:nvSpPr>
+        <p:spPr>
+          <a:xfrm>
+            <a:off x="311700" y="1171600"/>
+            <a:ext cx="8520600" cy="3397200"/>
+          </a:xfrm>
+          <a:prstGeom prst="rect">
+            <a:avLst/>
+          </a:prstGeom>
+        </p:spPr>
+        <p:txBody>
+          <a:bodyPr spcFirstLastPara="1" wrap="square" lIns="91425" tIns="91425" rIns="91425" bIns="91425" anchor="t" anchorCtr="0">
+            <a:normAutofit/>
+          </a:bodyPr>
+          <a:lstStyle/>
+          <a:p>
+            <a:pPr marL="457200" lvl="0" indent="-342900" algn="l" rtl="0">
+              <a:spcBef>
+                <a:spcPts val="0"/>
+              </a:spcBef>
+              <a:spcAft>
+                <a:spcPts val="0"/>
+              </a:spcAft>
+              <a:buSzPts val="1800"/>
+              <a:buChar char="●"/>
+            </a:pPr>
+            <a:r>
+              <a:rPr lang="ru"/>
+              <a:t>Линейная регрессия — один из алгоритмов построения регрессии, строящий линейную зависимость в данных</a:t>
+            </a:r>
+            <a:endParaRPr/>
+          </a:p>
+        </p:txBody>
+      </p:sp>
+    </p:spTree>
+  </p:cSld>
+  <p:clrMapOvr>
+    <a:masterClrMapping/>
+  </p:clrMapOvr>
+</p:sld>
+</file>
+
+<file path=ppt/slides/slide11.xml><?xml version="1.0" encoding="utf-8"?>
+<p:sld xmlns:a="http://schemas.openxmlformats.org/drawingml/2006/main" xmlns:r="http://schemas.openxmlformats.org/officeDocument/2006/relationships" xmlns:p="http://schemas.openxmlformats.org/presentationml/2006/main">
+  <p:cSld>
+    <p:spTree>
+      <p:nvGrpSpPr>
         <p:cNvPr id="1" name="Shape 134"/>
         <p:cNvGrpSpPr/>
         <p:nvPr/>
@@ -12920,7 +13031,7 @@
 </p:sld>
 </file>
 
-<file path=ppt/slides/slide11.xml><?xml version="1.0" encoding="utf-8"?>
+<file path=ppt/slides/slide12.xml><?xml version="1.0" encoding="utf-8"?>
 <p:sld xmlns:a="http://schemas.openxmlformats.org/drawingml/2006/main" xmlns:r="http://schemas.openxmlformats.org/officeDocument/2006/relationships" xmlns:p="http://schemas.openxmlformats.org/presentationml/2006/main">
   <p:cSld>
     <p:spTree>
@@ -13386,7 +13497,7 @@
 </p:sld>
 </file>
 
-<file path=ppt/slides/slide12.xml><?xml version="1.0" encoding="utf-8"?>
+<file path=ppt/slides/slide13.xml><?xml version="1.0" encoding="utf-8"?>
 <p:sld xmlns:a="http://schemas.openxmlformats.org/drawingml/2006/main" xmlns:r="http://schemas.openxmlformats.org/officeDocument/2006/relationships" xmlns:p="http://schemas.openxmlformats.org/presentationml/2006/main">
   <p:cSld>
     <p:spTree>
@@ -13575,7 +13686,7 @@
 </p:sld>
 </file>
 
-<file path=ppt/slides/slide13.xml><?xml version="1.0" encoding="utf-8"?>
+<file path=ppt/slides/slide14.xml><?xml version="1.0" encoding="utf-8"?>
 <p:sld xmlns:a="http://schemas.openxmlformats.org/drawingml/2006/main" xmlns:r="http://schemas.openxmlformats.org/officeDocument/2006/relationships" xmlns:p="http://schemas.openxmlformats.org/presentationml/2006/main">
   <p:cSld>
     <p:spTree>
@@ -13770,7 +13881,7 @@
 </p:sld>
 </file>
 
-<file path=ppt/slides/slide14.xml><?xml version="1.0" encoding="utf-8"?>
+<file path=ppt/slides/slide15.xml><?xml version="1.0" encoding="utf-8"?>
 <p:sld xmlns:a="http://schemas.openxmlformats.org/drawingml/2006/main" xmlns:r="http://schemas.openxmlformats.org/officeDocument/2006/relationships" xmlns:p="http://schemas.openxmlformats.org/presentationml/2006/main">
   <p:cSld>
     <p:spTree>
@@ -14022,7 +14133,7 @@
 </p:sld>
 </file>
 
-<file path=ppt/slides/slide15.xml><?xml version="1.0" encoding="utf-8"?>
+<file path=ppt/slides/slide16.xml><?xml version="1.0" encoding="utf-8"?>
 <p:sld xmlns:a="http://schemas.openxmlformats.org/drawingml/2006/main" xmlns:r="http://schemas.openxmlformats.org/officeDocument/2006/relationships" xmlns:p="http://schemas.openxmlformats.org/presentationml/2006/main">
   <p:cSld>
     <p:spTree>
@@ -14323,7 +14434,7 @@
 </p:sld>
 </file>
 
-<file path=ppt/slides/slide16.xml><?xml version="1.0" encoding="utf-8"?>
+<file path=ppt/slides/slide17.xml><?xml version="1.0" encoding="utf-8"?>
 <p:sld xmlns:a="http://schemas.openxmlformats.org/drawingml/2006/main" xmlns:r="http://schemas.openxmlformats.org/officeDocument/2006/relationships" xmlns:p="http://schemas.openxmlformats.org/presentationml/2006/main">
   <p:cSld>
     <p:spTree>
@@ -14491,7 +14602,7 @@
 </p:sld>
 </file>
 
-<file path=ppt/slides/slide17.xml><?xml version="1.0" encoding="utf-8"?>
+<file path=ppt/slides/slide18.xml><?xml version="1.0" encoding="utf-8"?>
 <p:sld xmlns:a="http://schemas.openxmlformats.org/drawingml/2006/main" xmlns:r="http://schemas.openxmlformats.org/officeDocument/2006/relationships" xmlns:p="http://schemas.openxmlformats.org/presentationml/2006/main">
   <p:cSld>
     <p:spTree>
@@ -14559,7 +14670,7 @@
 </p:sld>
 </file>
 
-<file path=ppt/slides/slide18.xml><?xml version="1.0" encoding="utf-8"?>
+<file path=ppt/slides/slide19.xml><?xml version="1.0" encoding="utf-8"?>
 <p:sld xmlns:a="http://schemas.openxmlformats.org/drawingml/2006/main" xmlns:r="http://schemas.openxmlformats.org/officeDocument/2006/relationships" xmlns:p="http://schemas.openxmlformats.org/presentationml/2006/main">
   <p:cSld>
     <p:spTree>
@@ -14738,7 +14849,150 @@
 </p:sld>
 </file>
 
-<file path=ppt/slides/slide19.xml><?xml version="1.0" encoding="utf-8"?>
+<file path=ppt/slides/slide2.xml><?xml version="1.0" encoding="utf-8"?>
+<p:sld xmlns:a="http://schemas.openxmlformats.org/drawingml/2006/main" xmlns:r="http://schemas.openxmlformats.org/officeDocument/2006/relationships" xmlns:p="http://schemas.openxmlformats.org/presentationml/2006/main">
+  <p:cSld>
+    <p:spTree>
+      <p:nvGrpSpPr>
+        <p:cNvPr id="1" name=""/>
+        <p:cNvGrpSpPr/>
+        <p:nvPr/>
+      </p:nvGrpSpPr>
+      <p:grpSpPr>
+        <a:xfrm>
+          <a:off x="0" y="0"/>
+          <a:ext cx="0" cy="0"/>
+          <a:chOff x="0" y="0"/>
+          <a:chExt cx="0" cy="0"/>
+        </a:xfrm>
+      </p:grpSpPr>
+      <p:sp>
+        <p:nvSpPr>
+          <p:cNvPr id="2" name="Title 1">
+            <a:extLst>
+              <a:ext uri="{FF2B5EF4-FFF2-40B4-BE49-F238E27FC236}">
+                <a16:creationId xmlns:a16="http://schemas.microsoft.com/office/drawing/2014/main" id="{302EB519-C3BA-6A45-85C1-90C1063E7FFC}"/>
+              </a:ext>
+            </a:extLst>
+          </p:cNvPr>
+          <p:cNvSpPr>
+            <a:spLocks noGrp="1"/>
+          </p:cNvSpPr>
+          <p:nvPr>
+            <p:ph type="title"/>
+          </p:nvPr>
+        </p:nvSpPr>
+        <p:spPr/>
+        <p:txBody>
+          <a:bodyPr>
+            <a:normAutofit fontScale="90000"/>
+          </a:bodyPr>
+          <a:lstStyle/>
+          <a:p>
+            <a:r>
+              <a:rPr lang="ru-RU" dirty="0" err="1"/>
+              <a:t>Репозиторий</a:t>
+            </a:r>
+            <a:r>
+              <a:rPr lang="ru-RU"/>
+              <a:t> курса</a:t>
+            </a:r>
+            <a:endParaRPr lang="en-RU" dirty="0"/>
+          </a:p>
+        </p:txBody>
+      </p:sp>
+      <p:sp>
+        <p:nvSpPr>
+          <p:cNvPr id="3" name="Text Placeholder 2">
+            <a:extLst>
+              <a:ext uri="{FF2B5EF4-FFF2-40B4-BE49-F238E27FC236}">
+                <a16:creationId xmlns:a16="http://schemas.microsoft.com/office/drawing/2014/main" id="{6492F678-23F9-ED42-8EDF-A0F51535DA5C}"/>
+              </a:ext>
+            </a:extLst>
+          </p:cNvPr>
+          <p:cNvSpPr>
+            <a:spLocks noGrp="1"/>
+          </p:cNvSpPr>
+          <p:nvPr>
+            <p:ph type="body" idx="1"/>
+          </p:nvPr>
+        </p:nvSpPr>
+        <p:spPr/>
+        <p:txBody>
+          <a:bodyPr/>
+          <a:lstStyle/>
+          <a:p>
+            <a:pPr marL="114300" indent="0">
+              <a:buNone/>
+            </a:pPr>
+            <a:r>
+              <a:rPr lang="en-GB" dirty="0"/>
+              <a:t>https://</a:t>
+            </a:r>
+            <a:r>
+              <a:rPr lang="en-GB" dirty="0" err="1"/>
+              <a:t>github.com</a:t>
+            </a:r>
+            <a:r>
+              <a:rPr lang="en-GB" dirty="0"/>
+              <a:t>/</a:t>
+            </a:r>
+            <a:r>
+              <a:rPr lang="en-GB" dirty="0" err="1"/>
+              <a:t>Podidiving</a:t>
+            </a:r>
+            <a:r>
+              <a:rPr lang="en-GB" dirty="0"/>
+              <a:t>/dls_intro_to_ml_2021</a:t>
+            </a:r>
+            <a:endParaRPr lang="en-RU" dirty="0"/>
+          </a:p>
+        </p:txBody>
+      </p:sp>
+      <p:pic>
+        <p:nvPicPr>
+          <p:cNvPr id="4" name="Picture 3">
+            <a:extLst>
+              <a:ext uri="{FF2B5EF4-FFF2-40B4-BE49-F238E27FC236}">
+                <a16:creationId xmlns:a16="http://schemas.microsoft.com/office/drawing/2014/main" id="{67533C3F-07AC-4E44-99C3-322C41E3FB7C}"/>
+              </a:ext>
+            </a:extLst>
+          </p:cNvPr>
+          <p:cNvPicPr>
+            <a:picLocks noChangeAspect="1"/>
+          </p:cNvPicPr>
+          <p:nvPr/>
+        </p:nvPicPr>
+        <p:blipFill>
+          <a:blip r:embed="rId2"/>
+          <a:stretch>
+            <a:fillRect/>
+          </a:stretch>
+        </p:blipFill>
+        <p:spPr>
+          <a:xfrm>
+            <a:off x="5926344" y="1650569"/>
+            <a:ext cx="3217656" cy="3217656"/>
+          </a:xfrm>
+          <a:prstGeom prst="rect">
+            <a:avLst/>
+          </a:prstGeom>
+        </p:spPr>
+      </p:pic>
+    </p:spTree>
+    <p:extLst>
+      <p:ext uri="{BB962C8B-B14F-4D97-AF65-F5344CB8AC3E}">
+        <p14:creationId xmlns:p14="http://schemas.microsoft.com/office/powerpoint/2010/main" val="3746478047"/>
+      </p:ext>
+    </p:extLst>
+  </p:cSld>
+  <p:clrMapOvr>
+    <a:masterClrMapping/>
+  </p:clrMapOvr>
+</p:sld>
+</file>
+
+<file path=ppt/slides/slide20.xml><?xml version="1.0" encoding="utf-8"?>
 <p:sld xmlns:a="http://schemas.openxmlformats.org/drawingml/2006/main" xmlns:r="http://schemas.openxmlformats.org/officeDocument/2006/relationships" xmlns:p="http://schemas.openxmlformats.org/presentationml/2006/main">
   <p:cSld>
     <p:spTree>
@@ -14994,7 +15248,1261 @@
 </p:sld>
 </file>
 
-<file path=ppt/slides/slide2.xml><?xml version="1.0" encoding="utf-8"?>
+<file path=ppt/slides/slide21.xml><?xml version="1.0" encoding="utf-8"?>
+<p:sld xmlns:a="http://schemas.openxmlformats.org/drawingml/2006/main" xmlns:r="http://schemas.openxmlformats.org/officeDocument/2006/relationships" xmlns:p="http://schemas.openxmlformats.org/presentationml/2006/main">
+  <p:cSld>
+    <p:spTree>
+      <p:nvGrpSpPr>
+        <p:cNvPr id="1" name="Shape 222"/>
+        <p:cNvGrpSpPr/>
+        <p:nvPr/>
+      </p:nvGrpSpPr>
+      <p:grpSpPr>
+        <a:xfrm>
+          <a:off x="0" y="0"/>
+          <a:ext cx="0" cy="0"/>
+          <a:chOff x="0" y="0"/>
+          <a:chExt cx="0" cy="0"/>
+        </a:xfrm>
+      </p:grpSpPr>
+      <p:sp>
+        <p:nvSpPr>
+          <p:cNvPr id="223" name="Google Shape;223;p32"/>
+          <p:cNvSpPr txBox="1">
+            <a:spLocks noGrp="1"/>
+          </p:cNvSpPr>
+          <p:nvPr>
+            <p:ph type="title"/>
+          </p:nvPr>
+        </p:nvSpPr>
+        <p:spPr>
+          <a:xfrm>
+            <a:off x="311700" y="445025"/>
+            <a:ext cx="8520600" cy="613200"/>
+          </a:xfrm>
+          <a:prstGeom prst="rect">
+            <a:avLst/>
+          </a:prstGeom>
+        </p:spPr>
+        <p:txBody>
+          <a:bodyPr spcFirstLastPara="1" wrap="square" lIns="91425" tIns="91425" rIns="91425" bIns="91425" anchor="t" anchorCtr="0">
+            <a:normAutofit fontScale="90000"/>
+          </a:bodyPr>
+          <a:lstStyle/>
+          <a:p>
+            <a:pPr marL="0" lvl="0" indent="0" algn="l" rtl="0">
+              <a:spcBef>
+                <a:spcPts val="0"/>
+              </a:spcBef>
+              <a:spcAft>
+                <a:spcPts val="0"/>
+              </a:spcAft>
+              <a:buNone/>
+            </a:pPr>
+            <a:r>
+              <a:rPr lang="ru"/>
+              <a:t>Выбор функции a(</a:t>
+            </a:r>
+            <a:r>
+              <a:rPr lang="ru" b="1"/>
+              <a:t>x</a:t>
+            </a:r>
+            <a:r>
+              <a:rPr lang="ru"/>
+              <a:t>)</a:t>
+            </a:r>
+            <a:endParaRPr/>
+          </a:p>
+        </p:txBody>
+      </p:sp>
+      <p:pic>
+        <p:nvPicPr>
+          <p:cNvPr id="224" name="Google Shape;224;p32"/>
+          <p:cNvPicPr preferRelativeResize="0"/>
+          <p:nvPr/>
+        </p:nvPicPr>
+        <p:blipFill>
+          <a:blip r:embed="rId3">
+            <a:alphaModFix/>
+          </a:blip>
+          <a:stretch>
+            <a:fillRect/>
+          </a:stretch>
+        </p:blipFill>
+        <p:spPr>
+          <a:xfrm>
+            <a:off x="3407939" y="1908825"/>
+            <a:ext cx="2328084" cy="410447"/>
+          </a:xfrm>
+          <a:prstGeom prst="rect">
+            <a:avLst/>
+          </a:prstGeom>
+          <a:noFill/>
+          <a:ln>
+            <a:noFill/>
+          </a:ln>
+        </p:spPr>
+      </p:pic>
+      <p:pic>
+        <p:nvPicPr>
+          <p:cNvPr id="225" name="Google Shape;225;p32"/>
+          <p:cNvPicPr preferRelativeResize="0"/>
+          <p:nvPr/>
+        </p:nvPicPr>
+        <p:blipFill>
+          <a:blip r:embed="rId4">
+            <a:alphaModFix/>
+          </a:blip>
+          <a:stretch>
+            <a:fillRect/>
+          </a:stretch>
+        </p:blipFill>
+        <p:spPr>
+          <a:xfrm>
+            <a:off x="2208826" y="2565053"/>
+            <a:ext cx="4726350" cy="410447"/>
+          </a:xfrm>
+          <a:prstGeom prst="rect">
+            <a:avLst/>
+          </a:prstGeom>
+          <a:noFill/>
+          <a:ln>
+            <a:noFill/>
+          </a:ln>
+        </p:spPr>
+      </p:pic>
+    </p:spTree>
+  </p:cSld>
+  <p:clrMapOvr>
+    <a:masterClrMapping/>
+  </p:clrMapOvr>
+</p:sld>
+</file>
+
+<file path=ppt/slides/slide22.xml><?xml version="1.0" encoding="utf-8"?>
+<p:sld xmlns:a="http://schemas.openxmlformats.org/drawingml/2006/main" xmlns:r="http://schemas.openxmlformats.org/officeDocument/2006/relationships" xmlns:p="http://schemas.openxmlformats.org/presentationml/2006/main">
+  <p:cSld>
+    <p:spTree>
+      <p:nvGrpSpPr>
+        <p:cNvPr id="1" name="Shape 229"/>
+        <p:cNvGrpSpPr/>
+        <p:nvPr/>
+      </p:nvGrpSpPr>
+      <p:grpSpPr>
+        <a:xfrm>
+          <a:off x="0" y="0"/>
+          <a:ext cx="0" cy="0"/>
+          <a:chOff x="0" y="0"/>
+          <a:chExt cx="0" cy="0"/>
+        </a:xfrm>
+      </p:grpSpPr>
+      <p:sp>
+        <p:nvSpPr>
+          <p:cNvPr id="230" name="Google Shape;230;p33"/>
+          <p:cNvSpPr txBox="1">
+            <a:spLocks noGrp="1"/>
+          </p:cNvSpPr>
+          <p:nvPr>
+            <p:ph type="title"/>
+          </p:nvPr>
+        </p:nvSpPr>
+        <p:spPr>
+          <a:xfrm>
+            <a:off x="311700" y="445025"/>
+            <a:ext cx="8520600" cy="613200"/>
+          </a:xfrm>
+          <a:prstGeom prst="rect">
+            <a:avLst/>
+          </a:prstGeom>
+        </p:spPr>
+        <p:txBody>
+          <a:bodyPr spcFirstLastPara="1" wrap="square" lIns="91425" tIns="91425" rIns="91425" bIns="91425" anchor="t" anchorCtr="0">
+            <a:normAutofit fontScale="90000"/>
+          </a:bodyPr>
+          <a:lstStyle/>
+          <a:p>
+            <a:pPr marL="0" lvl="0" indent="0" algn="l" rtl="0">
+              <a:spcBef>
+                <a:spcPts val="0"/>
+              </a:spcBef>
+              <a:spcAft>
+                <a:spcPts val="0"/>
+              </a:spcAft>
+              <a:buNone/>
+            </a:pPr>
+            <a:r>
+              <a:rPr lang="ru"/>
+              <a:t>Запись в кратком виде</a:t>
+            </a:r>
+            <a:endParaRPr/>
+          </a:p>
+        </p:txBody>
+      </p:sp>
+      <p:pic>
+        <p:nvPicPr>
+          <p:cNvPr id="231" name="Google Shape;231;p33"/>
+          <p:cNvPicPr preferRelativeResize="0"/>
+          <p:nvPr/>
+        </p:nvPicPr>
+        <p:blipFill>
+          <a:blip r:embed="rId3">
+            <a:alphaModFix/>
+          </a:blip>
+          <a:stretch>
+            <a:fillRect/>
+          </a:stretch>
+        </p:blipFill>
+        <p:spPr>
+          <a:xfrm>
+            <a:off x="2113438" y="1789675"/>
+            <a:ext cx="4917125" cy="432491"/>
+          </a:xfrm>
+          <a:prstGeom prst="rect">
+            <a:avLst/>
+          </a:prstGeom>
+          <a:noFill/>
+          <a:ln>
+            <a:noFill/>
+          </a:ln>
+        </p:spPr>
+      </p:pic>
+      <p:pic>
+        <p:nvPicPr>
+          <p:cNvPr id="232" name="Google Shape;232;p33"/>
+          <p:cNvPicPr preferRelativeResize="0"/>
+          <p:nvPr/>
+        </p:nvPicPr>
+        <p:blipFill>
+          <a:blip r:embed="rId4">
+            <a:alphaModFix/>
+          </a:blip>
+          <a:stretch>
+            <a:fillRect/>
+          </a:stretch>
+        </p:blipFill>
+        <p:spPr>
+          <a:xfrm>
+            <a:off x="3333801" y="2397480"/>
+            <a:ext cx="2476344" cy="432491"/>
+          </a:xfrm>
+          <a:prstGeom prst="rect">
+            <a:avLst/>
+          </a:prstGeom>
+          <a:noFill/>
+          <a:ln>
+            <a:noFill/>
+          </a:ln>
+        </p:spPr>
+      </p:pic>
+      <p:pic>
+        <p:nvPicPr>
+          <p:cNvPr id="233" name="Google Shape;233;p33"/>
+          <p:cNvPicPr preferRelativeResize="0"/>
+          <p:nvPr/>
+        </p:nvPicPr>
+        <p:blipFill>
+          <a:blip r:embed="rId5">
+            <a:alphaModFix/>
+          </a:blip>
+          <a:stretch>
+            <a:fillRect/>
+          </a:stretch>
+        </p:blipFill>
+        <p:spPr>
+          <a:xfrm>
+            <a:off x="3755156" y="3005284"/>
+            <a:ext cx="1633714" cy="432491"/>
+          </a:xfrm>
+          <a:prstGeom prst="rect">
+            <a:avLst/>
+          </a:prstGeom>
+          <a:noFill/>
+          <a:ln>
+            <a:noFill/>
+          </a:ln>
+        </p:spPr>
+      </p:pic>
+    </p:spTree>
+  </p:cSld>
+  <p:clrMapOvr>
+    <a:masterClrMapping/>
+  </p:clrMapOvr>
+</p:sld>
+</file>
+
+<file path=ppt/slides/slide23.xml><?xml version="1.0" encoding="utf-8"?>
+<p:sld xmlns:a="http://schemas.openxmlformats.org/drawingml/2006/main" xmlns:r="http://schemas.openxmlformats.org/officeDocument/2006/relationships" xmlns:p="http://schemas.openxmlformats.org/presentationml/2006/main">
+  <p:cSld>
+    <p:spTree>
+      <p:nvGrpSpPr>
+        <p:cNvPr id="1" name="Shape 237"/>
+        <p:cNvGrpSpPr/>
+        <p:nvPr/>
+      </p:nvGrpSpPr>
+      <p:grpSpPr>
+        <a:xfrm>
+          <a:off x="0" y="0"/>
+          <a:ext cx="0" cy="0"/>
+          <a:chOff x="0" y="0"/>
+          <a:chExt cx="0" cy="0"/>
+        </a:xfrm>
+      </p:grpSpPr>
+      <p:sp>
+        <p:nvSpPr>
+          <p:cNvPr id="238" name="Google Shape;238;p34"/>
+          <p:cNvSpPr txBox="1">
+            <a:spLocks noGrp="1"/>
+          </p:cNvSpPr>
+          <p:nvPr>
+            <p:ph type="title"/>
+          </p:nvPr>
+        </p:nvSpPr>
+        <p:spPr>
+          <a:xfrm>
+            <a:off x="311700" y="445025"/>
+            <a:ext cx="8520600" cy="613200"/>
+          </a:xfrm>
+          <a:prstGeom prst="rect">
+            <a:avLst/>
+          </a:prstGeom>
+        </p:spPr>
+        <p:txBody>
+          <a:bodyPr spcFirstLastPara="1" wrap="square" lIns="91425" tIns="91425" rIns="91425" bIns="91425" anchor="t" anchorCtr="0">
+            <a:normAutofit fontScale="90000"/>
+          </a:bodyPr>
+          <a:lstStyle/>
+          <a:p>
+            <a:pPr marL="0" lvl="0" indent="0" algn="l" rtl="0">
+              <a:spcBef>
+                <a:spcPts val="0"/>
+              </a:spcBef>
+              <a:spcAft>
+                <a:spcPts val="0"/>
+              </a:spcAft>
+              <a:buNone/>
+            </a:pPr>
+            <a:r>
+              <a:rPr lang="ru"/>
+              <a:t>Задача оптимизации</a:t>
+            </a:r>
+            <a:endParaRPr/>
+          </a:p>
+        </p:txBody>
+      </p:sp>
+      <p:pic>
+        <p:nvPicPr>
+          <p:cNvPr id="239" name="Google Shape;239;p34"/>
+          <p:cNvPicPr preferRelativeResize="0"/>
+          <p:nvPr/>
+        </p:nvPicPr>
+        <p:blipFill>
+          <a:blip r:embed="rId3">
+            <a:alphaModFix/>
+          </a:blip>
+          <a:stretch>
+            <a:fillRect/>
+          </a:stretch>
+        </p:blipFill>
+        <p:spPr>
+          <a:xfrm>
+            <a:off x="3823638" y="1597050"/>
+            <a:ext cx="1856725" cy="483350"/>
+          </a:xfrm>
+          <a:prstGeom prst="rect">
+            <a:avLst/>
+          </a:prstGeom>
+          <a:noFill/>
+          <a:ln>
+            <a:noFill/>
+          </a:ln>
+        </p:spPr>
+      </p:pic>
+      <p:pic>
+        <p:nvPicPr>
+          <p:cNvPr id="240" name="Google Shape;240;p34"/>
+          <p:cNvPicPr preferRelativeResize="0"/>
+          <p:nvPr/>
+        </p:nvPicPr>
+        <p:blipFill>
+          <a:blip r:embed="rId4">
+            <a:alphaModFix/>
+          </a:blip>
+          <a:stretch>
+            <a:fillRect/>
+          </a:stretch>
+        </p:blipFill>
+        <p:spPr>
+          <a:xfrm>
+            <a:off x="2802036" y="2175200"/>
+            <a:ext cx="3539925" cy="1329175"/>
+          </a:xfrm>
+          <a:prstGeom prst="rect">
+            <a:avLst/>
+          </a:prstGeom>
+          <a:noFill/>
+          <a:ln>
+            <a:noFill/>
+          </a:ln>
+        </p:spPr>
+      </p:pic>
+      <p:pic>
+        <p:nvPicPr>
+          <p:cNvPr id="241" name="Google Shape;241;p34"/>
+          <p:cNvPicPr preferRelativeResize="0"/>
+          <p:nvPr/>
+        </p:nvPicPr>
+        <p:blipFill>
+          <a:blip r:embed="rId5">
+            <a:alphaModFix/>
+          </a:blip>
+          <a:stretch>
+            <a:fillRect/>
+          </a:stretch>
+        </p:blipFill>
+        <p:spPr>
+          <a:xfrm>
+            <a:off x="3739888" y="3417075"/>
+            <a:ext cx="2024245" cy="613200"/>
+          </a:xfrm>
+          <a:prstGeom prst="rect">
+            <a:avLst/>
+          </a:prstGeom>
+          <a:noFill/>
+          <a:ln>
+            <a:noFill/>
+          </a:ln>
+        </p:spPr>
+      </p:pic>
+    </p:spTree>
+  </p:cSld>
+  <p:clrMapOvr>
+    <a:masterClrMapping/>
+  </p:clrMapOvr>
+</p:sld>
+</file>
+
+<file path=ppt/slides/slide24.xml><?xml version="1.0" encoding="utf-8"?>
+<p:sld xmlns:a="http://schemas.openxmlformats.org/drawingml/2006/main" xmlns:r="http://schemas.openxmlformats.org/officeDocument/2006/relationships" xmlns:p="http://schemas.openxmlformats.org/presentationml/2006/main">
+  <p:cSld>
+    <p:spTree>
+      <p:nvGrpSpPr>
+        <p:cNvPr id="1" name="Shape 245"/>
+        <p:cNvGrpSpPr/>
+        <p:nvPr/>
+      </p:nvGrpSpPr>
+      <p:grpSpPr>
+        <a:xfrm>
+          <a:off x="0" y="0"/>
+          <a:ext cx="0" cy="0"/>
+          <a:chOff x="0" y="0"/>
+          <a:chExt cx="0" cy="0"/>
+        </a:xfrm>
+      </p:grpSpPr>
+      <p:sp>
+        <p:nvSpPr>
+          <p:cNvPr id="246" name="Google Shape;246;p35"/>
+          <p:cNvSpPr txBox="1">
+            <a:spLocks noGrp="1"/>
+          </p:cNvSpPr>
+          <p:nvPr>
+            <p:ph type="title"/>
+          </p:nvPr>
+        </p:nvSpPr>
+        <p:spPr>
+          <a:xfrm>
+            <a:off x="311700" y="445025"/>
+            <a:ext cx="8520600" cy="613200"/>
+          </a:xfrm>
+          <a:prstGeom prst="rect">
+            <a:avLst/>
+          </a:prstGeom>
+        </p:spPr>
+        <p:txBody>
+          <a:bodyPr spcFirstLastPara="1" wrap="square" lIns="91425" tIns="91425" rIns="91425" bIns="91425" anchor="t" anchorCtr="0">
+            <a:normAutofit fontScale="90000"/>
+          </a:bodyPr>
+          <a:lstStyle/>
+          <a:p>
+            <a:pPr marL="0" lvl="0" indent="0" algn="l" rtl="0">
+              <a:spcBef>
+                <a:spcPts val="0"/>
+              </a:spcBef>
+              <a:spcAft>
+                <a:spcPts val="0"/>
+              </a:spcAft>
+              <a:buNone/>
+            </a:pPr>
+            <a:r>
+              <a:rPr lang="ru"/>
+              <a:t>Почему нет свободного члена</a:t>
+            </a:r>
+            <a:endParaRPr/>
+          </a:p>
+        </p:txBody>
+      </p:sp>
+      <p:pic>
+        <p:nvPicPr>
+          <p:cNvPr id="247" name="Google Shape;247;p35"/>
+          <p:cNvPicPr preferRelativeResize="0"/>
+          <p:nvPr/>
+        </p:nvPicPr>
+        <p:blipFill>
+          <a:blip r:embed="rId3">
+            <a:alphaModFix/>
+          </a:blip>
+          <a:stretch>
+            <a:fillRect/>
+          </a:stretch>
+        </p:blipFill>
+        <p:spPr>
+          <a:xfrm>
+            <a:off x="2246799" y="1751800"/>
+            <a:ext cx="4650400" cy="500350"/>
+          </a:xfrm>
+          <a:prstGeom prst="rect">
+            <a:avLst/>
+          </a:prstGeom>
+          <a:noFill/>
+          <a:ln>
+            <a:noFill/>
+          </a:ln>
+        </p:spPr>
+      </p:pic>
+      <p:pic>
+        <p:nvPicPr>
+          <p:cNvPr id="248" name="Google Shape;248;p35"/>
+          <p:cNvPicPr preferRelativeResize="0"/>
+          <p:nvPr/>
+        </p:nvPicPr>
+        <p:blipFill>
+          <a:blip r:embed="rId4">
+            <a:alphaModFix/>
+          </a:blip>
+          <a:stretch>
+            <a:fillRect/>
+          </a:stretch>
+        </p:blipFill>
+        <p:spPr>
+          <a:xfrm>
+            <a:off x="2077613" y="2571750"/>
+            <a:ext cx="4988777" cy="500350"/>
+          </a:xfrm>
+          <a:prstGeom prst="rect">
+            <a:avLst/>
+          </a:prstGeom>
+          <a:noFill/>
+          <a:ln>
+            <a:noFill/>
+          </a:ln>
+        </p:spPr>
+      </p:pic>
+    </p:spTree>
+  </p:cSld>
+  <p:clrMapOvr>
+    <a:masterClrMapping/>
+  </p:clrMapOvr>
+</p:sld>
+</file>
+
+<file path=ppt/slides/slide25.xml><?xml version="1.0" encoding="utf-8"?>
+<p:sld xmlns:a="http://schemas.openxmlformats.org/drawingml/2006/main" xmlns:r="http://schemas.openxmlformats.org/officeDocument/2006/relationships" xmlns:p="http://schemas.openxmlformats.org/presentationml/2006/main">
+  <p:cSld>
+    <p:spTree>
+      <p:nvGrpSpPr>
+        <p:cNvPr id="1" name="Shape 252"/>
+        <p:cNvGrpSpPr/>
+        <p:nvPr/>
+      </p:nvGrpSpPr>
+      <p:grpSpPr>
+        <a:xfrm>
+          <a:off x="0" y="0"/>
+          <a:ext cx="0" cy="0"/>
+          <a:chOff x="0" y="0"/>
+          <a:chExt cx="0" cy="0"/>
+        </a:xfrm>
+      </p:grpSpPr>
+      <p:sp>
+        <p:nvSpPr>
+          <p:cNvPr id="253" name="Google Shape;253;p36"/>
+          <p:cNvSpPr txBox="1">
+            <a:spLocks noGrp="1"/>
+          </p:cNvSpPr>
+          <p:nvPr>
+            <p:ph type="title"/>
+          </p:nvPr>
+        </p:nvSpPr>
+        <p:spPr>
+          <a:xfrm>
+            <a:off x="311700" y="445025"/>
+            <a:ext cx="8520600" cy="613200"/>
+          </a:xfrm>
+          <a:prstGeom prst="rect">
+            <a:avLst/>
+          </a:prstGeom>
+        </p:spPr>
+        <p:txBody>
+          <a:bodyPr spcFirstLastPara="1" wrap="square" lIns="91425" tIns="91425" rIns="91425" bIns="91425" anchor="t" anchorCtr="0">
+            <a:normAutofit fontScale="90000"/>
+          </a:bodyPr>
+          <a:lstStyle/>
+          <a:p>
+            <a:pPr marL="0" lvl="0" indent="0" algn="l" rtl="0">
+              <a:spcBef>
+                <a:spcPts val="0"/>
+              </a:spcBef>
+              <a:spcAft>
+                <a:spcPts val="0"/>
+              </a:spcAft>
+              <a:buNone/>
+            </a:pPr>
+            <a:r>
+              <a:rPr lang="ru"/>
+              <a:t>Запись линейной регрессии в матричном виде</a:t>
+            </a:r>
+            <a:endParaRPr/>
+          </a:p>
+        </p:txBody>
+      </p:sp>
+      <p:pic>
+        <p:nvPicPr>
+          <p:cNvPr id="254" name="Google Shape;254;p36"/>
+          <p:cNvPicPr preferRelativeResize="0"/>
+          <p:nvPr/>
+        </p:nvPicPr>
+        <p:blipFill>
+          <a:blip r:embed="rId3">
+            <a:alphaModFix/>
+          </a:blip>
+          <a:stretch>
+            <a:fillRect/>
+          </a:stretch>
+        </p:blipFill>
+        <p:spPr>
+          <a:xfrm>
+            <a:off x="2371125" y="1096075"/>
+            <a:ext cx="2200875" cy="1338500"/>
+          </a:xfrm>
+          <a:prstGeom prst="rect">
+            <a:avLst/>
+          </a:prstGeom>
+          <a:noFill/>
+          <a:ln>
+            <a:noFill/>
+          </a:ln>
+        </p:spPr>
+      </p:pic>
+      <p:pic>
+        <p:nvPicPr>
+          <p:cNvPr id="255" name="Google Shape;255;p36"/>
+          <p:cNvPicPr preferRelativeResize="0"/>
+          <p:nvPr/>
+        </p:nvPicPr>
+        <p:blipFill>
+          <a:blip r:embed="rId4">
+            <a:alphaModFix/>
+          </a:blip>
+          <a:stretch>
+            <a:fillRect/>
+          </a:stretch>
+        </p:blipFill>
+        <p:spPr>
+          <a:xfrm>
+            <a:off x="5084975" y="1096075"/>
+            <a:ext cx="1223124" cy="1338500"/>
+          </a:xfrm>
+          <a:prstGeom prst="rect">
+            <a:avLst/>
+          </a:prstGeom>
+          <a:noFill/>
+          <a:ln>
+            <a:noFill/>
+          </a:ln>
+        </p:spPr>
+      </p:pic>
+    </p:spTree>
+  </p:cSld>
+  <p:clrMapOvr>
+    <a:masterClrMapping/>
+  </p:clrMapOvr>
+</p:sld>
+</file>
+
+<file path=ppt/slides/slide26.xml><?xml version="1.0" encoding="utf-8"?>
+<p:sld xmlns:a="http://schemas.openxmlformats.org/drawingml/2006/main" xmlns:r="http://schemas.openxmlformats.org/officeDocument/2006/relationships" xmlns:p="http://schemas.openxmlformats.org/presentationml/2006/main">
+  <p:cSld>
+    <p:spTree>
+      <p:nvGrpSpPr>
+        <p:cNvPr id="1" name="Shape 259"/>
+        <p:cNvGrpSpPr/>
+        <p:nvPr/>
+      </p:nvGrpSpPr>
+      <p:grpSpPr>
+        <a:xfrm>
+          <a:off x="0" y="0"/>
+          <a:ext cx="0" cy="0"/>
+          <a:chOff x="0" y="0"/>
+          <a:chExt cx="0" cy="0"/>
+        </a:xfrm>
+      </p:grpSpPr>
+      <p:sp>
+        <p:nvSpPr>
+          <p:cNvPr id="260" name="Google Shape;260;p37"/>
+          <p:cNvSpPr txBox="1">
+            <a:spLocks noGrp="1"/>
+          </p:cNvSpPr>
+          <p:nvPr>
+            <p:ph type="title"/>
+          </p:nvPr>
+        </p:nvSpPr>
+        <p:spPr>
+          <a:xfrm>
+            <a:off x="311700" y="445025"/>
+            <a:ext cx="8520600" cy="613200"/>
+          </a:xfrm>
+          <a:prstGeom prst="rect">
+            <a:avLst/>
+          </a:prstGeom>
+        </p:spPr>
+        <p:txBody>
+          <a:bodyPr spcFirstLastPara="1" wrap="square" lIns="91425" tIns="91425" rIns="91425" bIns="91425" anchor="t" anchorCtr="0">
+            <a:normAutofit fontScale="90000"/>
+          </a:bodyPr>
+          <a:lstStyle/>
+          <a:p>
+            <a:pPr marL="0" lvl="0" indent="0" algn="l" rtl="0">
+              <a:spcBef>
+                <a:spcPts val="0"/>
+              </a:spcBef>
+              <a:spcAft>
+                <a:spcPts val="0"/>
+              </a:spcAft>
+              <a:buNone/>
+            </a:pPr>
+            <a:r>
+              <a:rPr lang="ru"/>
+              <a:t>Запись линейной регрессии в матричном виде</a:t>
+            </a:r>
+            <a:endParaRPr/>
+          </a:p>
+        </p:txBody>
+      </p:sp>
+      <p:pic>
+        <p:nvPicPr>
+          <p:cNvPr id="261" name="Google Shape;261;p37"/>
+          <p:cNvPicPr preferRelativeResize="0"/>
+          <p:nvPr/>
+        </p:nvPicPr>
+        <p:blipFill>
+          <a:blip r:embed="rId3">
+            <a:alphaModFix/>
+          </a:blip>
+          <a:stretch>
+            <a:fillRect/>
+          </a:stretch>
+        </p:blipFill>
+        <p:spPr>
+          <a:xfrm>
+            <a:off x="2371125" y="1096075"/>
+            <a:ext cx="2200875" cy="1338500"/>
+          </a:xfrm>
+          <a:prstGeom prst="rect">
+            <a:avLst/>
+          </a:prstGeom>
+          <a:noFill/>
+          <a:ln>
+            <a:noFill/>
+          </a:ln>
+        </p:spPr>
+      </p:pic>
+      <p:pic>
+        <p:nvPicPr>
+          <p:cNvPr id="262" name="Google Shape;262;p37"/>
+          <p:cNvPicPr preferRelativeResize="0"/>
+          <p:nvPr/>
+        </p:nvPicPr>
+        <p:blipFill>
+          <a:blip r:embed="rId4">
+            <a:alphaModFix/>
+          </a:blip>
+          <a:stretch>
+            <a:fillRect/>
+          </a:stretch>
+        </p:blipFill>
+        <p:spPr>
+          <a:xfrm>
+            <a:off x="5084975" y="1096075"/>
+            <a:ext cx="1223124" cy="1338500"/>
+          </a:xfrm>
+          <a:prstGeom prst="rect">
+            <a:avLst/>
+          </a:prstGeom>
+          <a:noFill/>
+          <a:ln>
+            <a:noFill/>
+          </a:ln>
+        </p:spPr>
+      </p:pic>
+      <p:pic>
+        <p:nvPicPr>
+          <p:cNvPr id="263" name="Google Shape;263;p37"/>
+          <p:cNvPicPr preferRelativeResize="0"/>
+          <p:nvPr/>
+        </p:nvPicPr>
+        <p:blipFill rotWithShape="1">
+          <a:blip r:embed="rId5">
+            <a:alphaModFix/>
+          </a:blip>
+          <a:srcRect r="21679"/>
+          <a:stretch/>
+        </p:blipFill>
+        <p:spPr>
+          <a:xfrm>
+            <a:off x="1953225" y="2434575"/>
+            <a:ext cx="3845026" cy="1436925"/>
+          </a:xfrm>
+          <a:prstGeom prst="rect">
+            <a:avLst/>
+          </a:prstGeom>
+          <a:noFill/>
+          <a:ln>
+            <a:noFill/>
+          </a:ln>
+        </p:spPr>
+      </p:pic>
+    </p:spTree>
+  </p:cSld>
+  <p:clrMapOvr>
+    <a:masterClrMapping/>
+  </p:clrMapOvr>
+</p:sld>
+</file>
+
+<file path=ppt/slides/slide27.xml><?xml version="1.0" encoding="utf-8"?>
+<p:sld xmlns:a="http://schemas.openxmlformats.org/drawingml/2006/main" xmlns:r="http://schemas.openxmlformats.org/officeDocument/2006/relationships" xmlns:p="http://schemas.openxmlformats.org/presentationml/2006/main">
+  <p:cSld>
+    <p:spTree>
+      <p:nvGrpSpPr>
+        <p:cNvPr id="1" name="Shape 267"/>
+        <p:cNvGrpSpPr/>
+        <p:nvPr/>
+      </p:nvGrpSpPr>
+      <p:grpSpPr>
+        <a:xfrm>
+          <a:off x="0" y="0"/>
+          <a:ext cx="0" cy="0"/>
+          <a:chOff x="0" y="0"/>
+          <a:chExt cx="0" cy="0"/>
+        </a:xfrm>
+      </p:grpSpPr>
+      <p:sp>
+        <p:nvSpPr>
+          <p:cNvPr id="268" name="Google Shape;268;p38"/>
+          <p:cNvSpPr txBox="1">
+            <a:spLocks noGrp="1"/>
+          </p:cNvSpPr>
+          <p:nvPr>
+            <p:ph type="title"/>
+          </p:nvPr>
+        </p:nvSpPr>
+        <p:spPr>
+          <a:xfrm>
+            <a:off x="311700" y="445025"/>
+            <a:ext cx="8520600" cy="613200"/>
+          </a:xfrm>
+          <a:prstGeom prst="rect">
+            <a:avLst/>
+          </a:prstGeom>
+        </p:spPr>
+        <p:txBody>
+          <a:bodyPr spcFirstLastPara="1" wrap="square" lIns="91425" tIns="91425" rIns="91425" bIns="91425" anchor="t" anchorCtr="0">
+            <a:normAutofit fontScale="90000"/>
+          </a:bodyPr>
+          <a:lstStyle/>
+          <a:p>
+            <a:pPr marL="0" lvl="0" indent="0" algn="l" rtl="0">
+              <a:spcBef>
+                <a:spcPts val="0"/>
+              </a:spcBef>
+              <a:spcAft>
+                <a:spcPts val="0"/>
+              </a:spcAft>
+              <a:buNone/>
+            </a:pPr>
+            <a:r>
+              <a:rPr lang="ru"/>
+              <a:t>Запись линейной регрессии в матричном виде</a:t>
+            </a:r>
+            <a:endParaRPr/>
+          </a:p>
+        </p:txBody>
+      </p:sp>
+      <p:pic>
+        <p:nvPicPr>
+          <p:cNvPr id="269" name="Google Shape;269;p38"/>
+          <p:cNvPicPr preferRelativeResize="0"/>
+          <p:nvPr/>
+        </p:nvPicPr>
+        <p:blipFill>
+          <a:blip r:embed="rId3">
+            <a:alphaModFix/>
+          </a:blip>
+          <a:stretch>
+            <a:fillRect/>
+          </a:stretch>
+        </p:blipFill>
+        <p:spPr>
+          <a:xfrm>
+            <a:off x="2371125" y="1096075"/>
+            <a:ext cx="2200875" cy="1338500"/>
+          </a:xfrm>
+          <a:prstGeom prst="rect">
+            <a:avLst/>
+          </a:prstGeom>
+          <a:noFill/>
+          <a:ln>
+            <a:noFill/>
+          </a:ln>
+        </p:spPr>
+      </p:pic>
+      <p:pic>
+        <p:nvPicPr>
+          <p:cNvPr id="270" name="Google Shape;270;p38"/>
+          <p:cNvPicPr preferRelativeResize="0"/>
+          <p:nvPr/>
+        </p:nvPicPr>
+        <p:blipFill>
+          <a:blip r:embed="rId4">
+            <a:alphaModFix/>
+          </a:blip>
+          <a:stretch>
+            <a:fillRect/>
+          </a:stretch>
+        </p:blipFill>
+        <p:spPr>
+          <a:xfrm>
+            <a:off x="5084975" y="1096075"/>
+            <a:ext cx="1223124" cy="1338500"/>
+          </a:xfrm>
+          <a:prstGeom prst="rect">
+            <a:avLst/>
+          </a:prstGeom>
+          <a:noFill/>
+          <a:ln>
+            <a:noFill/>
+          </a:ln>
+        </p:spPr>
+      </p:pic>
+      <p:pic>
+        <p:nvPicPr>
+          <p:cNvPr id="271" name="Google Shape;271;p38"/>
+          <p:cNvPicPr preferRelativeResize="0"/>
+          <p:nvPr/>
+        </p:nvPicPr>
+        <p:blipFill>
+          <a:blip r:embed="rId5">
+            <a:alphaModFix/>
+          </a:blip>
+          <a:stretch>
+            <a:fillRect/>
+          </a:stretch>
+        </p:blipFill>
+        <p:spPr>
+          <a:xfrm>
+            <a:off x="1953225" y="2434569"/>
+            <a:ext cx="4909476" cy="1436932"/>
+          </a:xfrm>
+          <a:prstGeom prst="rect">
+            <a:avLst/>
+          </a:prstGeom>
+          <a:noFill/>
+          <a:ln>
+            <a:noFill/>
+          </a:ln>
+        </p:spPr>
+      </p:pic>
+    </p:spTree>
+  </p:cSld>
+  <p:clrMapOvr>
+    <a:masterClrMapping/>
+  </p:clrMapOvr>
+</p:sld>
+</file>
+
+<file path=ppt/slides/slide28.xml><?xml version="1.0" encoding="utf-8"?>
+<p:sld xmlns:a="http://schemas.openxmlformats.org/drawingml/2006/main" xmlns:r="http://schemas.openxmlformats.org/officeDocument/2006/relationships" xmlns:p="http://schemas.openxmlformats.org/presentationml/2006/main">
+  <p:cSld>
+    <p:spTree>
+      <p:nvGrpSpPr>
+        <p:cNvPr id="1" name="Shape 275"/>
+        <p:cNvGrpSpPr/>
+        <p:nvPr/>
+      </p:nvGrpSpPr>
+      <p:grpSpPr>
+        <a:xfrm>
+          <a:off x="0" y="0"/>
+          <a:ext cx="0" cy="0"/>
+          <a:chOff x="0" y="0"/>
+          <a:chExt cx="0" cy="0"/>
+        </a:xfrm>
+      </p:grpSpPr>
+      <p:sp>
+        <p:nvSpPr>
+          <p:cNvPr id="276" name="Google Shape;276;p39"/>
+          <p:cNvSpPr txBox="1">
+            <a:spLocks noGrp="1"/>
+          </p:cNvSpPr>
+          <p:nvPr>
+            <p:ph type="title"/>
+          </p:nvPr>
+        </p:nvSpPr>
+        <p:spPr>
+          <a:xfrm>
+            <a:off x="311700" y="445025"/>
+            <a:ext cx="8520600" cy="613200"/>
+          </a:xfrm>
+          <a:prstGeom prst="rect">
+            <a:avLst/>
+          </a:prstGeom>
+        </p:spPr>
+        <p:txBody>
+          <a:bodyPr spcFirstLastPara="1" wrap="square" lIns="91425" tIns="91425" rIns="91425" bIns="91425" anchor="t" anchorCtr="0">
+            <a:normAutofit fontScale="90000"/>
+          </a:bodyPr>
+          <a:lstStyle/>
+          <a:p>
+            <a:pPr marL="0" lvl="0" indent="0" algn="l" rtl="0">
+              <a:spcBef>
+                <a:spcPts val="0"/>
+              </a:spcBef>
+              <a:spcAft>
+                <a:spcPts val="0"/>
+              </a:spcAft>
+              <a:buNone/>
+            </a:pPr>
+            <a:r>
+              <a:rPr lang="ru"/>
+              <a:t>Запись линейной регрессии в матричном виде</a:t>
+            </a:r>
+            <a:endParaRPr/>
+          </a:p>
+        </p:txBody>
+      </p:sp>
+      <p:pic>
+        <p:nvPicPr>
+          <p:cNvPr id="277" name="Google Shape;277;p39"/>
+          <p:cNvPicPr preferRelativeResize="0"/>
+          <p:nvPr/>
+        </p:nvPicPr>
+        <p:blipFill>
+          <a:blip r:embed="rId3">
+            <a:alphaModFix/>
+          </a:blip>
+          <a:stretch>
+            <a:fillRect/>
+          </a:stretch>
+        </p:blipFill>
+        <p:spPr>
+          <a:xfrm>
+            <a:off x="2371125" y="1096075"/>
+            <a:ext cx="2200875" cy="1338500"/>
+          </a:xfrm>
+          <a:prstGeom prst="rect">
+            <a:avLst/>
+          </a:prstGeom>
+          <a:noFill/>
+          <a:ln>
+            <a:noFill/>
+          </a:ln>
+        </p:spPr>
+      </p:pic>
+      <p:pic>
+        <p:nvPicPr>
+          <p:cNvPr id="278" name="Google Shape;278;p39"/>
+          <p:cNvPicPr preferRelativeResize="0"/>
+          <p:nvPr/>
+        </p:nvPicPr>
+        <p:blipFill>
+          <a:blip r:embed="rId4">
+            <a:alphaModFix/>
+          </a:blip>
+          <a:stretch>
+            <a:fillRect/>
+          </a:stretch>
+        </p:blipFill>
+        <p:spPr>
+          <a:xfrm>
+            <a:off x="5084975" y="1096075"/>
+            <a:ext cx="1223124" cy="1338500"/>
+          </a:xfrm>
+          <a:prstGeom prst="rect">
+            <a:avLst/>
+          </a:prstGeom>
+          <a:noFill/>
+          <a:ln>
+            <a:noFill/>
+          </a:ln>
+        </p:spPr>
+      </p:pic>
+      <p:pic>
+        <p:nvPicPr>
+          <p:cNvPr id="279" name="Google Shape;279;p39"/>
+          <p:cNvPicPr preferRelativeResize="0"/>
+          <p:nvPr/>
+        </p:nvPicPr>
+        <p:blipFill>
+          <a:blip r:embed="rId5">
+            <a:alphaModFix/>
+          </a:blip>
+          <a:stretch>
+            <a:fillRect/>
+          </a:stretch>
+        </p:blipFill>
+        <p:spPr>
+          <a:xfrm>
+            <a:off x="1953225" y="2434569"/>
+            <a:ext cx="4909476" cy="1436932"/>
+          </a:xfrm>
+          <a:prstGeom prst="rect">
+            <a:avLst/>
+          </a:prstGeom>
+          <a:noFill/>
+          <a:ln>
+            <a:noFill/>
+          </a:ln>
+        </p:spPr>
+      </p:pic>
+      <p:pic>
+        <p:nvPicPr>
+          <p:cNvPr id="280" name="Google Shape;280;p39"/>
+          <p:cNvPicPr preferRelativeResize="0"/>
+          <p:nvPr/>
+        </p:nvPicPr>
+        <p:blipFill>
+          <a:blip r:embed="rId6">
+            <a:alphaModFix/>
+          </a:blip>
+          <a:stretch>
+            <a:fillRect/>
+          </a:stretch>
+        </p:blipFill>
+        <p:spPr>
+          <a:xfrm>
+            <a:off x="2135550" y="3955625"/>
+            <a:ext cx="4544825" cy="829125"/>
+          </a:xfrm>
+          <a:prstGeom prst="rect">
+            <a:avLst/>
+          </a:prstGeom>
+          <a:noFill/>
+          <a:ln>
+            <a:noFill/>
+          </a:ln>
+        </p:spPr>
+      </p:pic>
+    </p:spTree>
+  </p:cSld>
+  <p:clrMapOvr>
+    <a:masterClrMapping/>
+  </p:clrMapOvr>
+</p:sld>
+</file>
+
+<file path=ppt/slides/slide29.xml><?xml version="1.0" encoding="utf-8"?>
+<p:sld xmlns:a="http://schemas.openxmlformats.org/drawingml/2006/main" xmlns:r="http://schemas.openxmlformats.org/officeDocument/2006/relationships" xmlns:p="http://schemas.openxmlformats.org/presentationml/2006/main">
+  <p:cSld>
+    <p:spTree>
+      <p:nvGrpSpPr>
+        <p:cNvPr id="1" name="Shape 284"/>
+        <p:cNvGrpSpPr/>
+        <p:nvPr/>
+      </p:nvGrpSpPr>
+      <p:grpSpPr>
+        <a:xfrm>
+          <a:off x="0" y="0"/>
+          <a:ext cx="0" cy="0"/>
+          <a:chOff x="0" y="0"/>
+          <a:chExt cx="0" cy="0"/>
+        </a:xfrm>
+      </p:grpSpPr>
+      <p:sp>
+        <p:nvSpPr>
+          <p:cNvPr id="285" name="Google Shape;285;p40"/>
+          <p:cNvSpPr txBox="1">
+            <a:spLocks noGrp="1"/>
+          </p:cNvSpPr>
+          <p:nvPr>
+            <p:ph type="title"/>
+          </p:nvPr>
+        </p:nvSpPr>
+        <p:spPr>
+          <a:xfrm>
+            <a:off x="311700" y="445025"/>
+            <a:ext cx="8520600" cy="613200"/>
+          </a:xfrm>
+          <a:prstGeom prst="rect">
+            <a:avLst/>
+          </a:prstGeom>
+        </p:spPr>
+        <p:txBody>
+          <a:bodyPr spcFirstLastPara="1" wrap="square" lIns="91425" tIns="91425" rIns="91425" bIns="91425" anchor="t" anchorCtr="0">
+            <a:normAutofit fontScale="90000"/>
+          </a:bodyPr>
+          <a:lstStyle/>
+          <a:p>
+            <a:pPr marL="0" lvl="0" indent="0" algn="l" rtl="0">
+              <a:spcBef>
+                <a:spcPts val="0"/>
+              </a:spcBef>
+              <a:spcAft>
+                <a:spcPts val="0"/>
+              </a:spcAft>
+              <a:buNone/>
+            </a:pPr>
+            <a:r>
+              <a:rPr lang="ru"/>
+              <a:t>Матричная запись задачи оптимизации</a:t>
+            </a:r>
+            <a:endParaRPr/>
+          </a:p>
+        </p:txBody>
+      </p:sp>
+      <p:pic>
+        <p:nvPicPr>
+          <p:cNvPr id="286" name="Google Shape;286;p40"/>
+          <p:cNvPicPr preferRelativeResize="0"/>
+          <p:nvPr/>
+        </p:nvPicPr>
+        <p:blipFill>
+          <a:blip r:embed="rId3">
+            <a:alphaModFix/>
+          </a:blip>
+          <a:stretch>
+            <a:fillRect/>
+          </a:stretch>
+        </p:blipFill>
+        <p:spPr>
+          <a:xfrm>
+            <a:off x="2238325" y="1584750"/>
+            <a:ext cx="4667325" cy="1045050"/>
+          </a:xfrm>
+          <a:prstGeom prst="rect">
+            <a:avLst/>
+          </a:prstGeom>
+          <a:noFill/>
+          <a:ln>
+            <a:noFill/>
+          </a:ln>
+        </p:spPr>
+      </p:pic>
+    </p:spTree>
+  </p:cSld>
+  <p:clrMapOvr>
+    <a:masterClrMapping/>
+  </p:clrMapOvr>
+</p:sld>
+</file>
+
+<file path=ppt/slides/slide3.xml><?xml version="1.0" encoding="utf-8"?>
 <p:sld xmlns:a="http://schemas.openxmlformats.org/drawingml/2006/main" xmlns:r="http://schemas.openxmlformats.org/officeDocument/2006/relationships" xmlns:p="http://schemas.openxmlformats.org/presentationml/2006/main">
   <p:cSld>
     <p:spTree>
@@ -15206,1261 +16714,7 @@
 </p:sld>
 </file>
 
-<file path=ppt/slides/slide20.xml><?xml version="1.0" encoding="utf-8"?>
-<p:sld xmlns:a="http://schemas.openxmlformats.org/drawingml/2006/main" xmlns:r="http://schemas.openxmlformats.org/officeDocument/2006/relationships" xmlns:p="http://schemas.openxmlformats.org/presentationml/2006/main">
-  <p:cSld>
-    <p:spTree>
-      <p:nvGrpSpPr>
-        <p:cNvPr id="1" name="Shape 222"/>
-        <p:cNvGrpSpPr/>
-        <p:nvPr/>
-      </p:nvGrpSpPr>
-      <p:grpSpPr>
-        <a:xfrm>
-          <a:off x="0" y="0"/>
-          <a:ext cx="0" cy="0"/>
-          <a:chOff x="0" y="0"/>
-          <a:chExt cx="0" cy="0"/>
-        </a:xfrm>
-      </p:grpSpPr>
-      <p:sp>
-        <p:nvSpPr>
-          <p:cNvPr id="223" name="Google Shape;223;p32"/>
-          <p:cNvSpPr txBox="1">
-            <a:spLocks noGrp="1"/>
-          </p:cNvSpPr>
-          <p:nvPr>
-            <p:ph type="title"/>
-          </p:nvPr>
-        </p:nvSpPr>
-        <p:spPr>
-          <a:xfrm>
-            <a:off x="311700" y="445025"/>
-            <a:ext cx="8520600" cy="613200"/>
-          </a:xfrm>
-          <a:prstGeom prst="rect">
-            <a:avLst/>
-          </a:prstGeom>
-        </p:spPr>
-        <p:txBody>
-          <a:bodyPr spcFirstLastPara="1" wrap="square" lIns="91425" tIns="91425" rIns="91425" bIns="91425" anchor="t" anchorCtr="0">
-            <a:normAutofit fontScale="90000"/>
-          </a:bodyPr>
-          <a:lstStyle/>
-          <a:p>
-            <a:pPr marL="0" lvl="0" indent="0" algn="l" rtl="0">
-              <a:spcBef>
-                <a:spcPts val="0"/>
-              </a:spcBef>
-              <a:spcAft>
-                <a:spcPts val="0"/>
-              </a:spcAft>
-              <a:buNone/>
-            </a:pPr>
-            <a:r>
-              <a:rPr lang="ru"/>
-              <a:t>Выбор функции a(</a:t>
-            </a:r>
-            <a:r>
-              <a:rPr lang="ru" b="1"/>
-              <a:t>x</a:t>
-            </a:r>
-            <a:r>
-              <a:rPr lang="ru"/>
-              <a:t>)</a:t>
-            </a:r>
-            <a:endParaRPr/>
-          </a:p>
-        </p:txBody>
-      </p:sp>
-      <p:pic>
-        <p:nvPicPr>
-          <p:cNvPr id="224" name="Google Shape;224;p32"/>
-          <p:cNvPicPr preferRelativeResize="0"/>
-          <p:nvPr/>
-        </p:nvPicPr>
-        <p:blipFill>
-          <a:blip r:embed="rId3">
-            <a:alphaModFix/>
-          </a:blip>
-          <a:stretch>
-            <a:fillRect/>
-          </a:stretch>
-        </p:blipFill>
-        <p:spPr>
-          <a:xfrm>
-            <a:off x="3407939" y="1908825"/>
-            <a:ext cx="2328084" cy="410447"/>
-          </a:xfrm>
-          <a:prstGeom prst="rect">
-            <a:avLst/>
-          </a:prstGeom>
-          <a:noFill/>
-          <a:ln>
-            <a:noFill/>
-          </a:ln>
-        </p:spPr>
-      </p:pic>
-      <p:pic>
-        <p:nvPicPr>
-          <p:cNvPr id="225" name="Google Shape;225;p32"/>
-          <p:cNvPicPr preferRelativeResize="0"/>
-          <p:nvPr/>
-        </p:nvPicPr>
-        <p:blipFill>
-          <a:blip r:embed="rId4">
-            <a:alphaModFix/>
-          </a:blip>
-          <a:stretch>
-            <a:fillRect/>
-          </a:stretch>
-        </p:blipFill>
-        <p:spPr>
-          <a:xfrm>
-            <a:off x="2208826" y="2565053"/>
-            <a:ext cx="4726350" cy="410447"/>
-          </a:xfrm>
-          <a:prstGeom prst="rect">
-            <a:avLst/>
-          </a:prstGeom>
-          <a:noFill/>
-          <a:ln>
-            <a:noFill/>
-          </a:ln>
-        </p:spPr>
-      </p:pic>
-    </p:spTree>
-  </p:cSld>
-  <p:clrMapOvr>
-    <a:masterClrMapping/>
-  </p:clrMapOvr>
-</p:sld>
-</file>
-
-<file path=ppt/slides/slide21.xml><?xml version="1.0" encoding="utf-8"?>
-<p:sld xmlns:a="http://schemas.openxmlformats.org/drawingml/2006/main" xmlns:r="http://schemas.openxmlformats.org/officeDocument/2006/relationships" xmlns:p="http://schemas.openxmlformats.org/presentationml/2006/main">
-  <p:cSld>
-    <p:spTree>
-      <p:nvGrpSpPr>
-        <p:cNvPr id="1" name="Shape 229"/>
-        <p:cNvGrpSpPr/>
-        <p:nvPr/>
-      </p:nvGrpSpPr>
-      <p:grpSpPr>
-        <a:xfrm>
-          <a:off x="0" y="0"/>
-          <a:ext cx="0" cy="0"/>
-          <a:chOff x="0" y="0"/>
-          <a:chExt cx="0" cy="0"/>
-        </a:xfrm>
-      </p:grpSpPr>
-      <p:sp>
-        <p:nvSpPr>
-          <p:cNvPr id="230" name="Google Shape;230;p33"/>
-          <p:cNvSpPr txBox="1">
-            <a:spLocks noGrp="1"/>
-          </p:cNvSpPr>
-          <p:nvPr>
-            <p:ph type="title"/>
-          </p:nvPr>
-        </p:nvSpPr>
-        <p:spPr>
-          <a:xfrm>
-            <a:off x="311700" y="445025"/>
-            <a:ext cx="8520600" cy="613200"/>
-          </a:xfrm>
-          <a:prstGeom prst="rect">
-            <a:avLst/>
-          </a:prstGeom>
-        </p:spPr>
-        <p:txBody>
-          <a:bodyPr spcFirstLastPara="1" wrap="square" lIns="91425" tIns="91425" rIns="91425" bIns="91425" anchor="t" anchorCtr="0">
-            <a:normAutofit fontScale="90000"/>
-          </a:bodyPr>
-          <a:lstStyle/>
-          <a:p>
-            <a:pPr marL="0" lvl="0" indent="0" algn="l" rtl="0">
-              <a:spcBef>
-                <a:spcPts val="0"/>
-              </a:spcBef>
-              <a:spcAft>
-                <a:spcPts val="0"/>
-              </a:spcAft>
-              <a:buNone/>
-            </a:pPr>
-            <a:r>
-              <a:rPr lang="ru"/>
-              <a:t>Запись в кратком виде</a:t>
-            </a:r>
-            <a:endParaRPr/>
-          </a:p>
-        </p:txBody>
-      </p:sp>
-      <p:pic>
-        <p:nvPicPr>
-          <p:cNvPr id="231" name="Google Shape;231;p33"/>
-          <p:cNvPicPr preferRelativeResize="0"/>
-          <p:nvPr/>
-        </p:nvPicPr>
-        <p:blipFill>
-          <a:blip r:embed="rId3">
-            <a:alphaModFix/>
-          </a:blip>
-          <a:stretch>
-            <a:fillRect/>
-          </a:stretch>
-        </p:blipFill>
-        <p:spPr>
-          <a:xfrm>
-            <a:off x="2113438" y="1789675"/>
-            <a:ext cx="4917125" cy="432491"/>
-          </a:xfrm>
-          <a:prstGeom prst="rect">
-            <a:avLst/>
-          </a:prstGeom>
-          <a:noFill/>
-          <a:ln>
-            <a:noFill/>
-          </a:ln>
-        </p:spPr>
-      </p:pic>
-      <p:pic>
-        <p:nvPicPr>
-          <p:cNvPr id="232" name="Google Shape;232;p33"/>
-          <p:cNvPicPr preferRelativeResize="0"/>
-          <p:nvPr/>
-        </p:nvPicPr>
-        <p:blipFill>
-          <a:blip r:embed="rId4">
-            <a:alphaModFix/>
-          </a:blip>
-          <a:stretch>
-            <a:fillRect/>
-          </a:stretch>
-        </p:blipFill>
-        <p:spPr>
-          <a:xfrm>
-            <a:off x="3333801" y="2397480"/>
-            <a:ext cx="2476344" cy="432491"/>
-          </a:xfrm>
-          <a:prstGeom prst="rect">
-            <a:avLst/>
-          </a:prstGeom>
-          <a:noFill/>
-          <a:ln>
-            <a:noFill/>
-          </a:ln>
-        </p:spPr>
-      </p:pic>
-      <p:pic>
-        <p:nvPicPr>
-          <p:cNvPr id="233" name="Google Shape;233;p33"/>
-          <p:cNvPicPr preferRelativeResize="0"/>
-          <p:nvPr/>
-        </p:nvPicPr>
-        <p:blipFill>
-          <a:blip r:embed="rId5">
-            <a:alphaModFix/>
-          </a:blip>
-          <a:stretch>
-            <a:fillRect/>
-          </a:stretch>
-        </p:blipFill>
-        <p:spPr>
-          <a:xfrm>
-            <a:off x="3755156" y="3005284"/>
-            <a:ext cx="1633714" cy="432491"/>
-          </a:xfrm>
-          <a:prstGeom prst="rect">
-            <a:avLst/>
-          </a:prstGeom>
-          <a:noFill/>
-          <a:ln>
-            <a:noFill/>
-          </a:ln>
-        </p:spPr>
-      </p:pic>
-    </p:spTree>
-  </p:cSld>
-  <p:clrMapOvr>
-    <a:masterClrMapping/>
-  </p:clrMapOvr>
-</p:sld>
-</file>
-
-<file path=ppt/slides/slide22.xml><?xml version="1.0" encoding="utf-8"?>
-<p:sld xmlns:a="http://schemas.openxmlformats.org/drawingml/2006/main" xmlns:r="http://schemas.openxmlformats.org/officeDocument/2006/relationships" xmlns:p="http://schemas.openxmlformats.org/presentationml/2006/main">
-  <p:cSld>
-    <p:spTree>
-      <p:nvGrpSpPr>
-        <p:cNvPr id="1" name="Shape 237"/>
-        <p:cNvGrpSpPr/>
-        <p:nvPr/>
-      </p:nvGrpSpPr>
-      <p:grpSpPr>
-        <a:xfrm>
-          <a:off x="0" y="0"/>
-          <a:ext cx="0" cy="0"/>
-          <a:chOff x="0" y="0"/>
-          <a:chExt cx="0" cy="0"/>
-        </a:xfrm>
-      </p:grpSpPr>
-      <p:sp>
-        <p:nvSpPr>
-          <p:cNvPr id="238" name="Google Shape;238;p34"/>
-          <p:cNvSpPr txBox="1">
-            <a:spLocks noGrp="1"/>
-          </p:cNvSpPr>
-          <p:nvPr>
-            <p:ph type="title"/>
-          </p:nvPr>
-        </p:nvSpPr>
-        <p:spPr>
-          <a:xfrm>
-            <a:off x="311700" y="445025"/>
-            <a:ext cx="8520600" cy="613200"/>
-          </a:xfrm>
-          <a:prstGeom prst="rect">
-            <a:avLst/>
-          </a:prstGeom>
-        </p:spPr>
-        <p:txBody>
-          <a:bodyPr spcFirstLastPara="1" wrap="square" lIns="91425" tIns="91425" rIns="91425" bIns="91425" anchor="t" anchorCtr="0">
-            <a:normAutofit fontScale="90000"/>
-          </a:bodyPr>
-          <a:lstStyle/>
-          <a:p>
-            <a:pPr marL="0" lvl="0" indent="0" algn="l" rtl="0">
-              <a:spcBef>
-                <a:spcPts val="0"/>
-              </a:spcBef>
-              <a:spcAft>
-                <a:spcPts val="0"/>
-              </a:spcAft>
-              <a:buNone/>
-            </a:pPr>
-            <a:r>
-              <a:rPr lang="ru"/>
-              <a:t>Задача оптимизации</a:t>
-            </a:r>
-            <a:endParaRPr/>
-          </a:p>
-        </p:txBody>
-      </p:sp>
-      <p:pic>
-        <p:nvPicPr>
-          <p:cNvPr id="239" name="Google Shape;239;p34"/>
-          <p:cNvPicPr preferRelativeResize="0"/>
-          <p:nvPr/>
-        </p:nvPicPr>
-        <p:blipFill>
-          <a:blip r:embed="rId3">
-            <a:alphaModFix/>
-          </a:blip>
-          <a:stretch>
-            <a:fillRect/>
-          </a:stretch>
-        </p:blipFill>
-        <p:spPr>
-          <a:xfrm>
-            <a:off x="3823638" y="1597050"/>
-            <a:ext cx="1856725" cy="483350"/>
-          </a:xfrm>
-          <a:prstGeom prst="rect">
-            <a:avLst/>
-          </a:prstGeom>
-          <a:noFill/>
-          <a:ln>
-            <a:noFill/>
-          </a:ln>
-        </p:spPr>
-      </p:pic>
-      <p:pic>
-        <p:nvPicPr>
-          <p:cNvPr id="240" name="Google Shape;240;p34"/>
-          <p:cNvPicPr preferRelativeResize="0"/>
-          <p:nvPr/>
-        </p:nvPicPr>
-        <p:blipFill>
-          <a:blip r:embed="rId4">
-            <a:alphaModFix/>
-          </a:blip>
-          <a:stretch>
-            <a:fillRect/>
-          </a:stretch>
-        </p:blipFill>
-        <p:spPr>
-          <a:xfrm>
-            <a:off x="2802036" y="2175200"/>
-            <a:ext cx="3539925" cy="1329175"/>
-          </a:xfrm>
-          <a:prstGeom prst="rect">
-            <a:avLst/>
-          </a:prstGeom>
-          <a:noFill/>
-          <a:ln>
-            <a:noFill/>
-          </a:ln>
-        </p:spPr>
-      </p:pic>
-      <p:pic>
-        <p:nvPicPr>
-          <p:cNvPr id="241" name="Google Shape;241;p34"/>
-          <p:cNvPicPr preferRelativeResize="0"/>
-          <p:nvPr/>
-        </p:nvPicPr>
-        <p:blipFill>
-          <a:blip r:embed="rId5">
-            <a:alphaModFix/>
-          </a:blip>
-          <a:stretch>
-            <a:fillRect/>
-          </a:stretch>
-        </p:blipFill>
-        <p:spPr>
-          <a:xfrm>
-            <a:off x="3739888" y="3417075"/>
-            <a:ext cx="2024245" cy="613200"/>
-          </a:xfrm>
-          <a:prstGeom prst="rect">
-            <a:avLst/>
-          </a:prstGeom>
-          <a:noFill/>
-          <a:ln>
-            <a:noFill/>
-          </a:ln>
-        </p:spPr>
-      </p:pic>
-    </p:spTree>
-  </p:cSld>
-  <p:clrMapOvr>
-    <a:masterClrMapping/>
-  </p:clrMapOvr>
-</p:sld>
-</file>
-
-<file path=ppt/slides/slide23.xml><?xml version="1.0" encoding="utf-8"?>
-<p:sld xmlns:a="http://schemas.openxmlformats.org/drawingml/2006/main" xmlns:r="http://schemas.openxmlformats.org/officeDocument/2006/relationships" xmlns:p="http://schemas.openxmlformats.org/presentationml/2006/main">
-  <p:cSld>
-    <p:spTree>
-      <p:nvGrpSpPr>
-        <p:cNvPr id="1" name="Shape 245"/>
-        <p:cNvGrpSpPr/>
-        <p:nvPr/>
-      </p:nvGrpSpPr>
-      <p:grpSpPr>
-        <a:xfrm>
-          <a:off x="0" y="0"/>
-          <a:ext cx="0" cy="0"/>
-          <a:chOff x="0" y="0"/>
-          <a:chExt cx="0" cy="0"/>
-        </a:xfrm>
-      </p:grpSpPr>
-      <p:sp>
-        <p:nvSpPr>
-          <p:cNvPr id="246" name="Google Shape;246;p35"/>
-          <p:cNvSpPr txBox="1">
-            <a:spLocks noGrp="1"/>
-          </p:cNvSpPr>
-          <p:nvPr>
-            <p:ph type="title"/>
-          </p:nvPr>
-        </p:nvSpPr>
-        <p:spPr>
-          <a:xfrm>
-            <a:off x="311700" y="445025"/>
-            <a:ext cx="8520600" cy="613200"/>
-          </a:xfrm>
-          <a:prstGeom prst="rect">
-            <a:avLst/>
-          </a:prstGeom>
-        </p:spPr>
-        <p:txBody>
-          <a:bodyPr spcFirstLastPara="1" wrap="square" lIns="91425" tIns="91425" rIns="91425" bIns="91425" anchor="t" anchorCtr="0">
-            <a:normAutofit fontScale="90000"/>
-          </a:bodyPr>
-          <a:lstStyle/>
-          <a:p>
-            <a:pPr marL="0" lvl="0" indent="0" algn="l" rtl="0">
-              <a:spcBef>
-                <a:spcPts val="0"/>
-              </a:spcBef>
-              <a:spcAft>
-                <a:spcPts val="0"/>
-              </a:spcAft>
-              <a:buNone/>
-            </a:pPr>
-            <a:r>
-              <a:rPr lang="ru"/>
-              <a:t>Почему нет свободного члена</a:t>
-            </a:r>
-            <a:endParaRPr/>
-          </a:p>
-        </p:txBody>
-      </p:sp>
-      <p:pic>
-        <p:nvPicPr>
-          <p:cNvPr id="247" name="Google Shape;247;p35"/>
-          <p:cNvPicPr preferRelativeResize="0"/>
-          <p:nvPr/>
-        </p:nvPicPr>
-        <p:blipFill>
-          <a:blip r:embed="rId3">
-            <a:alphaModFix/>
-          </a:blip>
-          <a:stretch>
-            <a:fillRect/>
-          </a:stretch>
-        </p:blipFill>
-        <p:spPr>
-          <a:xfrm>
-            <a:off x="2246799" y="1751800"/>
-            <a:ext cx="4650400" cy="500350"/>
-          </a:xfrm>
-          <a:prstGeom prst="rect">
-            <a:avLst/>
-          </a:prstGeom>
-          <a:noFill/>
-          <a:ln>
-            <a:noFill/>
-          </a:ln>
-        </p:spPr>
-      </p:pic>
-      <p:pic>
-        <p:nvPicPr>
-          <p:cNvPr id="248" name="Google Shape;248;p35"/>
-          <p:cNvPicPr preferRelativeResize="0"/>
-          <p:nvPr/>
-        </p:nvPicPr>
-        <p:blipFill>
-          <a:blip r:embed="rId4">
-            <a:alphaModFix/>
-          </a:blip>
-          <a:stretch>
-            <a:fillRect/>
-          </a:stretch>
-        </p:blipFill>
-        <p:spPr>
-          <a:xfrm>
-            <a:off x="2077613" y="2571750"/>
-            <a:ext cx="4988777" cy="500350"/>
-          </a:xfrm>
-          <a:prstGeom prst="rect">
-            <a:avLst/>
-          </a:prstGeom>
-          <a:noFill/>
-          <a:ln>
-            <a:noFill/>
-          </a:ln>
-        </p:spPr>
-      </p:pic>
-    </p:spTree>
-  </p:cSld>
-  <p:clrMapOvr>
-    <a:masterClrMapping/>
-  </p:clrMapOvr>
-</p:sld>
-</file>
-
-<file path=ppt/slides/slide24.xml><?xml version="1.0" encoding="utf-8"?>
-<p:sld xmlns:a="http://schemas.openxmlformats.org/drawingml/2006/main" xmlns:r="http://schemas.openxmlformats.org/officeDocument/2006/relationships" xmlns:p="http://schemas.openxmlformats.org/presentationml/2006/main">
-  <p:cSld>
-    <p:spTree>
-      <p:nvGrpSpPr>
-        <p:cNvPr id="1" name="Shape 252"/>
-        <p:cNvGrpSpPr/>
-        <p:nvPr/>
-      </p:nvGrpSpPr>
-      <p:grpSpPr>
-        <a:xfrm>
-          <a:off x="0" y="0"/>
-          <a:ext cx="0" cy="0"/>
-          <a:chOff x="0" y="0"/>
-          <a:chExt cx="0" cy="0"/>
-        </a:xfrm>
-      </p:grpSpPr>
-      <p:sp>
-        <p:nvSpPr>
-          <p:cNvPr id="253" name="Google Shape;253;p36"/>
-          <p:cNvSpPr txBox="1">
-            <a:spLocks noGrp="1"/>
-          </p:cNvSpPr>
-          <p:nvPr>
-            <p:ph type="title"/>
-          </p:nvPr>
-        </p:nvSpPr>
-        <p:spPr>
-          <a:xfrm>
-            <a:off x="311700" y="445025"/>
-            <a:ext cx="8520600" cy="613200"/>
-          </a:xfrm>
-          <a:prstGeom prst="rect">
-            <a:avLst/>
-          </a:prstGeom>
-        </p:spPr>
-        <p:txBody>
-          <a:bodyPr spcFirstLastPara="1" wrap="square" lIns="91425" tIns="91425" rIns="91425" bIns="91425" anchor="t" anchorCtr="0">
-            <a:normAutofit fontScale="90000"/>
-          </a:bodyPr>
-          <a:lstStyle/>
-          <a:p>
-            <a:pPr marL="0" lvl="0" indent="0" algn="l" rtl="0">
-              <a:spcBef>
-                <a:spcPts val="0"/>
-              </a:spcBef>
-              <a:spcAft>
-                <a:spcPts val="0"/>
-              </a:spcAft>
-              <a:buNone/>
-            </a:pPr>
-            <a:r>
-              <a:rPr lang="ru"/>
-              <a:t>Запись линейной регрессии в матричном виде</a:t>
-            </a:r>
-            <a:endParaRPr/>
-          </a:p>
-        </p:txBody>
-      </p:sp>
-      <p:pic>
-        <p:nvPicPr>
-          <p:cNvPr id="254" name="Google Shape;254;p36"/>
-          <p:cNvPicPr preferRelativeResize="0"/>
-          <p:nvPr/>
-        </p:nvPicPr>
-        <p:blipFill>
-          <a:blip r:embed="rId3">
-            <a:alphaModFix/>
-          </a:blip>
-          <a:stretch>
-            <a:fillRect/>
-          </a:stretch>
-        </p:blipFill>
-        <p:spPr>
-          <a:xfrm>
-            <a:off x="2371125" y="1096075"/>
-            <a:ext cx="2200875" cy="1338500"/>
-          </a:xfrm>
-          <a:prstGeom prst="rect">
-            <a:avLst/>
-          </a:prstGeom>
-          <a:noFill/>
-          <a:ln>
-            <a:noFill/>
-          </a:ln>
-        </p:spPr>
-      </p:pic>
-      <p:pic>
-        <p:nvPicPr>
-          <p:cNvPr id="255" name="Google Shape;255;p36"/>
-          <p:cNvPicPr preferRelativeResize="0"/>
-          <p:nvPr/>
-        </p:nvPicPr>
-        <p:blipFill>
-          <a:blip r:embed="rId4">
-            <a:alphaModFix/>
-          </a:blip>
-          <a:stretch>
-            <a:fillRect/>
-          </a:stretch>
-        </p:blipFill>
-        <p:spPr>
-          <a:xfrm>
-            <a:off x="5084975" y="1096075"/>
-            <a:ext cx="1223124" cy="1338500"/>
-          </a:xfrm>
-          <a:prstGeom prst="rect">
-            <a:avLst/>
-          </a:prstGeom>
-          <a:noFill/>
-          <a:ln>
-            <a:noFill/>
-          </a:ln>
-        </p:spPr>
-      </p:pic>
-    </p:spTree>
-  </p:cSld>
-  <p:clrMapOvr>
-    <a:masterClrMapping/>
-  </p:clrMapOvr>
-</p:sld>
-</file>
-
-<file path=ppt/slides/slide25.xml><?xml version="1.0" encoding="utf-8"?>
-<p:sld xmlns:a="http://schemas.openxmlformats.org/drawingml/2006/main" xmlns:r="http://schemas.openxmlformats.org/officeDocument/2006/relationships" xmlns:p="http://schemas.openxmlformats.org/presentationml/2006/main">
-  <p:cSld>
-    <p:spTree>
-      <p:nvGrpSpPr>
-        <p:cNvPr id="1" name="Shape 259"/>
-        <p:cNvGrpSpPr/>
-        <p:nvPr/>
-      </p:nvGrpSpPr>
-      <p:grpSpPr>
-        <a:xfrm>
-          <a:off x="0" y="0"/>
-          <a:ext cx="0" cy="0"/>
-          <a:chOff x="0" y="0"/>
-          <a:chExt cx="0" cy="0"/>
-        </a:xfrm>
-      </p:grpSpPr>
-      <p:sp>
-        <p:nvSpPr>
-          <p:cNvPr id="260" name="Google Shape;260;p37"/>
-          <p:cNvSpPr txBox="1">
-            <a:spLocks noGrp="1"/>
-          </p:cNvSpPr>
-          <p:nvPr>
-            <p:ph type="title"/>
-          </p:nvPr>
-        </p:nvSpPr>
-        <p:spPr>
-          <a:xfrm>
-            <a:off x="311700" y="445025"/>
-            <a:ext cx="8520600" cy="613200"/>
-          </a:xfrm>
-          <a:prstGeom prst="rect">
-            <a:avLst/>
-          </a:prstGeom>
-        </p:spPr>
-        <p:txBody>
-          <a:bodyPr spcFirstLastPara="1" wrap="square" lIns="91425" tIns="91425" rIns="91425" bIns="91425" anchor="t" anchorCtr="0">
-            <a:normAutofit fontScale="90000"/>
-          </a:bodyPr>
-          <a:lstStyle/>
-          <a:p>
-            <a:pPr marL="0" lvl="0" indent="0" algn="l" rtl="0">
-              <a:spcBef>
-                <a:spcPts val="0"/>
-              </a:spcBef>
-              <a:spcAft>
-                <a:spcPts val="0"/>
-              </a:spcAft>
-              <a:buNone/>
-            </a:pPr>
-            <a:r>
-              <a:rPr lang="ru"/>
-              <a:t>Запись линейной регрессии в матричном виде</a:t>
-            </a:r>
-            <a:endParaRPr/>
-          </a:p>
-        </p:txBody>
-      </p:sp>
-      <p:pic>
-        <p:nvPicPr>
-          <p:cNvPr id="261" name="Google Shape;261;p37"/>
-          <p:cNvPicPr preferRelativeResize="0"/>
-          <p:nvPr/>
-        </p:nvPicPr>
-        <p:blipFill>
-          <a:blip r:embed="rId3">
-            <a:alphaModFix/>
-          </a:blip>
-          <a:stretch>
-            <a:fillRect/>
-          </a:stretch>
-        </p:blipFill>
-        <p:spPr>
-          <a:xfrm>
-            <a:off x="2371125" y="1096075"/>
-            <a:ext cx="2200875" cy="1338500"/>
-          </a:xfrm>
-          <a:prstGeom prst="rect">
-            <a:avLst/>
-          </a:prstGeom>
-          <a:noFill/>
-          <a:ln>
-            <a:noFill/>
-          </a:ln>
-        </p:spPr>
-      </p:pic>
-      <p:pic>
-        <p:nvPicPr>
-          <p:cNvPr id="262" name="Google Shape;262;p37"/>
-          <p:cNvPicPr preferRelativeResize="0"/>
-          <p:nvPr/>
-        </p:nvPicPr>
-        <p:blipFill>
-          <a:blip r:embed="rId4">
-            <a:alphaModFix/>
-          </a:blip>
-          <a:stretch>
-            <a:fillRect/>
-          </a:stretch>
-        </p:blipFill>
-        <p:spPr>
-          <a:xfrm>
-            <a:off x="5084975" y="1096075"/>
-            <a:ext cx="1223124" cy="1338500"/>
-          </a:xfrm>
-          <a:prstGeom prst="rect">
-            <a:avLst/>
-          </a:prstGeom>
-          <a:noFill/>
-          <a:ln>
-            <a:noFill/>
-          </a:ln>
-        </p:spPr>
-      </p:pic>
-      <p:pic>
-        <p:nvPicPr>
-          <p:cNvPr id="263" name="Google Shape;263;p37"/>
-          <p:cNvPicPr preferRelativeResize="0"/>
-          <p:nvPr/>
-        </p:nvPicPr>
-        <p:blipFill rotWithShape="1">
-          <a:blip r:embed="rId5">
-            <a:alphaModFix/>
-          </a:blip>
-          <a:srcRect r="21679"/>
-          <a:stretch/>
-        </p:blipFill>
-        <p:spPr>
-          <a:xfrm>
-            <a:off x="1953225" y="2434575"/>
-            <a:ext cx="3845026" cy="1436925"/>
-          </a:xfrm>
-          <a:prstGeom prst="rect">
-            <a:avLst/>
-          </a:prstGeom>
-          <a:noFill/>
-          <a:ln>
-            <a:noFill/>
-          </a:ln>
-        </p:spPr>
-      </p:pic>
-    </p:spTree>
-  </p:cSld>
-  <p:clrMapOvr>
-    <a:masterClrMapping/>
-  </p:clrMapOvr>
-</p:sld>
-</file>
-
-<file path=ppt/slides/slide26.xml><?xml version="1.0" encoding="utf-8"?>
-<p:sld xmlns:a="http://schemas.openxmlformats.org/drawingml/2006/main" xmlns:r="http://schemas.openxmlformats.org/officeDocument/2006/relationships" xmlns:p="http://schemas.openxmlformats.org/presentationml/2006/main">
-  <p:cSld>
-    <p:spTree>
-      <p:nvGrpSpPr>
-        <p:cNvPr id="1" name="Shape 267"/>
-        <p:cNvGrpSpPr/>
-        <p:nvPr/>
-      </p:nvGrpSpPr>
-      <p:grpSpPr>
-        <a:xfrm>
-          <a:off x="0" y="0"/>
-          <a:ext cx="0" cy="0"/>
-          <a:chOff x="0" y="0"/>
-          <a:chExt cx="0" cy="0"/>
-        </a:xfrm>
-      </p:grpSpPr>
-      <p:sp>
-        <p:nvSpPr>
-          <p:cNvPr id="268" name="Google Shape;268;p38"/>
-          <p:cNvSpPr txBox="1">
-            <a:spLocks noGrp="1"/>
-          </p:cNvSpPr>
-          <p:nvPr>
-            <p:ph type="title"/>
-          </p:nvPr>
-        </p:nvSpPr>
-        <p:spPr>
-          <a:xfrm>
-            <a:off x="311700" y="445025"/>
-            <a:ext cx="8520600" cy="613200"/>
-          </a:xfrm>
-          <a:prstGeom prst="rect">
-            <a:avLst/>
-          </a:prstGeom>
-        </p:spPr>
-        <p:txBody>
-          <a:bodyPr spcFirstLastPara="1" wrap="square" lIns="91425" tIns="91425" rIns="91425" bIns="91425" anchor="t" anchorCtr="0">
-            <a:normAutofit fontScale="90000"/>
-          </a:bodyPr>
-          <a:lstStyle/>
-          <a:p>
-            <a:pPr marL="0" lvl="0" indent="0" algn="l" rtl="0">
-              <a:spcBef>
-                <a:spcPts val="0"/>
-              </a:spcBef>
-              <a:spcAft>
-                <a:spcPts val="0"/>
-              </a:spcAft>
-              <a:buNone/>
-            </a:pPr>
-            <a:r>
-              <a:rPr lang="ru"/>
-              <a:t>Запись линейной регрессии в матричном виде</a:t>
-            </a:r>
-            <a:endParaRPr/>
-          </a:p>
-        </p:txBody>
-      </p:sp>
-      <p:pic>
-        <p:nvPicPr>
-          <p:cNvPr id="269" name="Google Shape;269;p38"/>
-          <p:cNvPicPr preferRelativeResize="0"/>
-          <p:nvPr/>
-        </p:nvPicPr>
-        <p:blipFill>
-          <a:blip r:embed="rId3">
-            <a:alphaModFix/>
-          </a:blip>
-          <a:stretch>
-            <a:fillRect/>
-          </a:stretch>
-        </p:blipFill>
-        <p:spPr>
-          <a:xfrm>
-            <a:off x="2371125" y="1096075"/>
-            <a:ext cx="2200875" cy="1338500"/>
-          </a:xfrm>
-          <a:prstGeom prst="rect">
-            <a:avLst/>
-          </a:prstGeom>
-          <a:noFill/>
-          <a:ln>
-            <a:noFill/>
-          </a:ln>
-        </p:spPr>
-      </p:pic>
-      <p:pic>
-        <p:nvPicPr>
-          <p:cNvPr id="270" name="Google Shape;270;p38"/>
-          <p:cNvPicPr preferRelativeResize="0"/>
-          <p:nvPr/>
-        </p:nvPicPr>
-        <p:blipFill>
-          <a:blip r:embed="rId4">
-            <a:alphaModFix/>
-          </a:blip>
-          <a:stretch>
-            <a:fillRect/>
-          </a:stretch>
-        </p:blipFill>
-        <p:spPr>
-          <a:xfrm>
-            <a:off x="5084975" y="1096075"/>
-            <a:ext cx="1223124" cy="1338500"/>
-          </a:xfrm>
-          <a:prstGeom prst="rect">
-            <a:avLst/>
-          </a:prstGeom>
-          <a:noFill/>
-          <a:ln>
-            <a:noFill/>
-          </a:ln>
-        </p:spPr>
-      </p:pic>
-      <p:pic>
-        <p:nvPicPr>
-          <p:cNvPr id="271" name="Google Shape;271;p38"/>
-          <p:cNvPicPr preferRelativeResize="0"/>
-          <p:nvPr/>
-        </p:nvPicPr>
-        <p:blipFill>
-          <a:blip r:embed="rId5">
-            <a:alphaModFix/>
-          </a:blip>
-          <a:stretch>
-            <a:fillRect/>
-          </a:stretch>
-        </p:blipFill>
-        <p:spPr>
-          <a:xfrm>
-            <a:off x="1953225" y="2434569"/>
-            <a:ext cx="4909476" cy="1436932"/>
-          </a:xfrm>
-          <a:prstGeom prst="rect">
-            <a:avLst/>
-          </a:prstGeom>
-          <a:noFill/>
-          <a:ln>
-            <a:noFill/>
-          </a:ln>
-        </p:spPr>
-      </p:pic>
-    </p:spTree>
-  </p:cSld>
-  <p:clrMapOvr>
-    <a:masterClrMapping/>
-  </p:clrMapOvr>
-</p:sld>
-</file>
-
-<file path=ppt/slides/slide27.xml><?xml version="1.0" encoding="utf-8"?>
-<p:sld xmlns:a="http://schemas.openxmlformats.org/drawingml/2006/main" xmlns:r="http://schemas.openxmlformats.org/officeDocument/2006/relationships" xmlns:p="http://schemas.openxmlformats.org/presentationml/2006/main">
-  <p:cSld>
-    <p:spTree>
-      <p:nvGrpSpPr>
-        <p:cNvPr id="1" name="Shape 275"/>
-        <p:cNvGrpSpPr/>
-        <p:nvPr/>
-      </p:nvGrpSpPr>
-      <p:grpSpPr>
-        <a:xfrm>
-          <a:off x="0" y="0"/>
-          <a:ext cx="0" cy="0"/>
-          <a:chOff x="0" y="0"/>
-          <a:chExt cx="0" cy="0"/>
-        </a:xfrm>
-      </p:grpSpPr>
-      <p:sp>
-        <p:nvSpPr>
-          <p:cNvPr id="276" name="Google Shape;276;p39"/>
-          <p:cNvSpPr txBox="1">
-            <a:spLocks noGrp="1"/>
-          </p:cNvSpPr>
-          <p:nvPr>
-            <p:ph type="title"/>
-          </p:nvPr>
-        </p:nvSpPr>
-        <p:spPr>
-          <a:xfrm>
-            <a:off x="311700" y="445025"/>
-            <a:ext cx="8520600" cy="613200"/>
-          </a:xfrm>
-          <a:prstGeom prst="rect">
-            <a:avLst/>
-          </a:prstGeom>
-        </p:spPr>
-        <p:txBody>
-          <a:bodyPr spcFirstLastPara="1" wrap="square" lIns="91425" tIns="91425" rIns="91425" bIns="91425" anchor="t" anchorCtr="0">
-            <a:normAutofit fontScale="90000"/>
-          </a:bodyPr>
-          <a:lstStyle/>
-          <a:p>
-            <a:pPr marL="0" lvl="0" indent="0" algn="l" rtl="0">
-              <a:spcBef>
-                <a:spcPts val="0"/>
-              </a:spcBef>
-              <a:spcAft>
-                <a:spcPts val="0"/>
-              </a:spcAft>
-              <a:buNone/>
-            </a:pPr>
-            <a:r>
-              <a:rPr lang="ru"/>
-              <a:t>Запись линейной регрессии в матричном виде</a:t>
-            </a:r>
-            <a:endParaRPr/>
-          </a:p>
-        </p:txBody>
-      </p:sp>
-      <p:pic>
-        <p:nvPicPr>
-          <p:cNvPr id="277" name="Google Shape;277;p39"/>
-          <p:cNvPicPr preferRelativeResize="0"/>
-          <p:nvPr/>
-        </p:nvPicPr>
-        <p:blipFill>
-          <a:blip r:embed="rId3">
-            <a:alphaModFix/>
-          </a:blip>
-          <a:stretch>
-            <a:fillRect/>
-          </a:stretch>
-        </p:blipFill>
-        <p:spPr>
-          <a:xfrm>
-            <a:off x="2371125" y="1096075"/>
-            <a:ext cx="2200875" cy="1338500"/>
-          </a:xfrm>
-          <a:prstGeom prst="rect">
-            <a:avLst/>
-          </a:prstGeom>
-          <a:noFill/>
-          <a:ln>
-            <a:noFill/>
-          </a:ln>
-        </p:spPr>
-      </p:pic>
-      <p:pic>
-        <p:nvPicPr>
-          <p:cNvPr id="278" name="Google Shape;278;p39"/>
-          <p:cNvPicPr preferRelativeResize="0"/>
-          <p:nvPr/>
-        </p:nvPicPr>
-        <p:blipFill>
-          <a:blip r:embed="rId4">
-            <a:alphaModFix/>
-          </a:blip>
-          <a:stretch>
-            <a:fillRect/>
-          </a:stretch>
-        </p:blipFill>
-        <p:spPr>
-          <a:xfrm>
-            <a:off x="5084975" y="1096075"/>
-            <a:ext cx="1223124" cy="1338500"/>
-          </a:xfrm>
-          <a:prstGeom prst="rect">
-            <a:avLst/>
-          </a:prstGeom>
-          <a:noFill/>
-          <a:ln>
-            <a:noFill/>
-          </a:ln>
-        </p:spPr>
-      </p:pic>
-      <p:pic>
-        <p:nvPicPr>
-          <p:cNvPr id="279" name="Google Shape;279;p39"/>
-          <p:cNvPicPr preferRelativeResize="0"/>
-          <p:nvPr/>
-        </p:nvPicPr>
-        <p:blipFill>
-          <a:blip r:embed="rId5">
-            <a:alphaModFix/>
-          </a:blip>
-          <a:stretch>
-            <a:fillRect/>
-          </a:stretch>
-        </p:blipFill>
-        <p:spPr>
-          <a:xfrm>
-            <a:off x="1953225" y="2434569"/>
-            <a:ext cx="4909476" cy="1436932"/>
-          </a:xfrm>
-          <a:prstGeom prst="rect">
-            <a:avLst/>
-          </a:prstGeom>
-          <a:noFill/>
-          <a:ln>
-            <a:noFill/>
-          </a:ln>
-        </p:spPr>
-      </p:pic>
-      <p:pic>
-        <p:nvPicPr>
-          <p:cNvPr id="280" name="Google Shape;280;p39"/>
-          <p:cNvPicPr preferRelativeResize="0"/>
-          <p:nvPr/>
-        </p:nvPicPr>
-        <p:blipFill>
-          <a:blip r:embed="rId6">
-            <a:alphaModFix/>
-          </a:blip>
-          <a:stretch>
-            <a:fillRect/>
-          </a:stretch>
-        </p:blipFill>
-        <p:spPr>
-          <a:xfrm>
-            <a:off x="2135550" y="3955625"/>
-            <a:ext cx="4544825" cy="829125"/>
-          </a:xfrm>
-          <a:prstGeom prst="rect">
-            <a:avLst/>
-          </a:prstGeom>
-          <a:noFill/>
-          <a:ln>
-            <a:noFill/>
-          </a:ln>
-        </p:spPr>
-      </p:pic>
-    </p:spTree>
-  </p:cSld>
-  <p:clrMapOvr>
-    <a:masterClrMapping/>
-  </p:clrMapOvr>
-</p:sld>
-</file>
-
-<file path=ppt/slides/slide28.xml><?xml version="1.0" encoding="utf-8"?>
-<p:sld xmlns:a="http://schemas.openxmlformats.org/drawingml/2006/main" xmlns:r="http://schemas.openxmlformats.org/officeDocument/2006/relationships" xmlns:p="http://schemas.openxmlformats.org/presentationml/2006/main">
-  <p:cSld>
-    <p:spTree>
-      <p:nvGrpSpPr>
-        <p:cNvPr id="1" name="Shape 284"/>
-        <p:cNvGrpSpPr/>
-        <p:nvPr/>
-      </p:nvGrpSpPr>
-      <p:grpSpPr>
-        <a:xfrm>
-          <a:off x="0" y="0"/>
-          <a:ext cx="0" cy="0"/>
-          <a:chOff x="0" y="0"/>
-          <a:chExt cx="0" cy="0"/>
-        </a:xfrm>
-      </p:grpSpPr>
-      <p:sp>
-        <p:nvSpPr>
-          <p:cNvPr id="285" name="Google Shape;285;p40"/>
-          <p:cNvSpPr txBox="1">
-            <a:spLocks noGrp="1"/>
-          </p:cNvSpPr>
-          <p:nvPr>
-            <p:ph type="title"/>
-          </p:nvPr>
-        </p:nvSpPr>
-        <p:spPr>
-          <a:xfrm>
-            <a:off x="311700" y="445025"/>
-            <a:ext cx="8520600" cy="613200"/>
-          </a:xfrm>
-          <a:prstGeom prst="rect">
-            <a:avLst/>
-          </a:prstGeom>
-        </p:spPr>
-        <p:txBody>
-          <a:bodyPr spcFirstLastPara="1" wrap="square" lIns="91425" tIns="91425" rIns="91425" bIns="91425" anchor="t" anchorCtr="0">
-            <a:normAutofit fontScale="90000"/>
-          </a:bodyPr>
-          <a:lstStyle/>
-          <a:p>
-            <a:pPr marL="0" lvl="0" indent="0" algn="l" rtl="0">
-              <a:spcBef>
-                <a:spcPts val="0"/>
-              </a:spcBef>
-              <a:spcAft>
-                <a:spcPts val="0"/>
-              </a:spcAft>
-              <a:buNone/>
-            </a:pPr>
-            <a:r>
-              <a:rPr lang="ru"/>
-              <a:t>Матричная запись задачи оптимизации</a:t>
-            </a:r>
-            <a:endParaRPr/>
-          </a:p>
-        </p:txBody>
-      </p:sp>
-      <p:pic>
-        <p:nvPicPr>
-          <p:cNvPr id="286" name="Google Shape;286;p40"/>
-          <p:cNvPicPr preferRelativeResize="0"/>
-          <p:nvPr/>
-        </p:nvPicPr>
-        <p:blipFill>
-          <a:blip r:embed="rId3">
-            <a:alphaModFix/>
-          </a:blip>
-          <a:stretch>
-            <a:fillRect/>
-          </a:stretch>
-        </p:blipFill>
-        <p:spPr>
-          <a:xfrm>
-            <a:off x="2238325" y="1584750"/>
-            <a:ext cx="4667325" cy="1045050"/>
-          </a:xfrm>
-          <a:prstGeom prst="rect">
-            <a:avLst/>
-          </a:prstGeom>
-          <a:noFill/>
-          <a:ln>
-            <a:noFill/>
-          </a:ln>
-        </p:spPr>
-      </p:pic>
-    </p:spTree>
-  </p:cSld>
-  <p:clrMapOvr>
-    <a:masterClrMapping/>
-  </p:clrMapOvr>
-</p:sld>
-</file>
-
-<file path=ppt/slides/slide29.xml><?xml version="1.0" encoding="utf-8"?>
+<file path=ppt/slides/slide30.xml><?xml version="1.0" encoding="utf-8"?>
 <p:sld xmlns:a="http://schemas.openxmlformats.org/drawingml/2006/main" xmlns:r="http://schemas.openxmlformats.org/officeDocument/2006/relationships" xmlns:p="http://schemas.openxmlformats.org/presentationml/2006/main">
   <p:cSld>
     <p:spTree>
@@ -16583,7 +16837,2251 @@
 </p:sld>
 </file>
 
-<file path=ppt/slides/slide3.xml><?xml version="1.0" encoding="utf-8"?>
+<file path=ppt/slides/slide31.xml><?xml version="1.0" encoding="utf-8"?>
+<p:sld xmlns:a="http://schemas.openxmlformats.org/drawingml/2006/main" xmlns:r="http://schemas.openxmlformats.org/officeDocument/2006/relationships" xmlns:p="http://schemas.openxmlformats.org/presentationml/2006/main">
+  <p:cSld>
+    <p:spTree>
+      <p:nvGrpSpPr>
+        <p:cNvPr id="1" name="Shape 297"/>
+        <p:cNvGrpSpPr/>
+        <p:nvPr/>
+      </p:nvGrpSpPr>
+      <p:grpSpPr>
+        <a:xfrm>
+          <a:off x="0" y="0"/>
+          <a:ext cx="0" cy="0"/>
+          <a:chOff x="0" y="0"/>
+          <a:chExt cx="0" cy="0"/>
+        </a:xfrm>
+      </p:grpSpPr>
+      <p:sp>
+        <p:nvSpPr>
+          <p:cNvPr id="298" name="Google Shape;298;p42"/>
+          <p:cNvSpPr txBox="1">
+            <a:spLocks noGrp="1"/>
+          </p:cNvSpPr>
+          <p:nvPr>
+            <p:ph type="title"/>
+          </p:nvPr>
+        </p:nvSpPr>
+        <p:spPr>
+          <a:xfrm>
+            <a:off x="512700" y="1893300"/>
+            <a:ext cx="8118600" cy="1522800"/>
+          </a:xfrm>
+          <a:prstGeom prst="rect">
+            <a:avLst/>
+          </a:prstGeom>
+        </p:spPr>
+        <p:txBody>
+          <a:bodyPr spcFirstLastPara="1" wrap="square" lIns="91425" tIns="91425" rIns="91425" bIns="91425" anchor="b" anchorCtr="0">
+            <a:normAutofit/>
+          </a:bodyPr>
+          <a:lstStyle/>
+          <a:p>
+            <a:pPr marL="0" lvl="0" indent="0" algn="l" rtl="0">
+              <a:spcBef>
+                <a:spcPts val="0"/>
+              </a:spcBef>
+              <a:spcAft>
+                <a:spcPts val="0"/>
+              </a:spcAft>
+              <a:buNone/>
+            </a:pPr>
+            <a:r>
+              <a:rPr lang="ru" sz="3600"/>
+              <a:t>Логистическая регрессия</a:t>
+            </a:r>
+            <a:endParaRPr sz="3600"/>
+          </a:p>
+        </p:txBody>
+      </p:sp>
+    </p:spTree>
+  </p:cSld>
+  <p:clrMapOvr>
+    <a:masterClrMapping/>
+  </p:clrMapOvr>
+</p:sld>
+</file>
+
+<file path=ppt/slides/slide32.xml><?xml version="1.0" encoding="utf-8"?>
+<p:sld xmlns:a="http://schemas.openxmlformats.org/drawingml/2006/main" xmlns:r="http://schemas.openxmlformats.org/officeDocument/2006/relationships" xmlns:p="http://schemas.openxmlformats.org/presentationml/2006/main">
+  <p:cSld>
+    <p:spTree>
+      <p:nvGrpSpPr>
+        <p:cNvPr id="1" name="Shape 302"/>
+        <p:cNvGrpSpPr/>
+        <p:nvPr/>
+      </p:nvGrpSpPr>
+      <p:grpSpPr>
+        <a:xfrm>
+          <a:off x="0" y="0"/>
+          <a:ext cx="0" cy="0"/>
+          <a:chOff x="0" y="0"/>
+          <a:chExt cx="0" cy="0"/>
+        </a:xfrm>
+      </p:grpSpPr>
+      <p:sp>
+        <p:nvSpPr>
+          <p:cNvPr id="303" name="Google Shape;303;p43"/>
+          <p:cNvSpPr txBox="1">
+            <a:spLocks noGrp="1"/>
+          </p:cNvSpPr>
+          <p:nvPr>
+            <p:ph type="title"/>
+          </p:nvPr>
+        </p:nvSpPr>
+        <p:spPr>
+          <a:xfrm>
+            <a:off x="311700" y="445025"/>
+            <a:ext cx="8520600" cy="613200"/>
+          </a:xfrm>
+          <a:prstGeom prst="rect">
+            <a:avLst/>
+          </a:prstGeom>
+        </p:spPr>
+        <p:txBody>
+          <a:bodyPr spcFirstLastPara="1" wrap="square" lIns="91425" tIns="91425" rIns="91425" bIns="91425" anchor="t" anchorCtr="0">
+            <a:normAutofit fontScale="90000"/>
+          </a:bodyPr>
+          <a:lstStyle/>
+          <a:p>
+            <a:pPr marL="0" lvl="0" indent="0" algn="l" rtl="0">
+              <a:spcBef>
+                <a:spcPts val="0"/>
+              </a:spcBef>
+              <a:spcAft>
+                <a:spcPts val="0"/>
+              </a:spcAft>
+              <a:buNone/>
+            </a:pPr>
+            <a:r>
+              <a:rPr lang="ru"/>
+              <a:t>Задача классификации</a:t>
+            </a:r>
+            <a:endParaRPr/>
+          </a:p>
+        </p:txBody>
+      </p:sp>
+      <p:sp>
+        <p:nvSpPr>
+          <p:cNvPr id="304" name="Google Shape;304;p43"/>
+          <p:cNvSpPr txBox="1">
+            <a:spLocks noGrp="1"/>
+          </p:cNvSpPr>
+          <p:nvPr>
+            <p:ph type="body" idx="1"/>
+          </p:nvPr>
+        </p:nvSpPr>
+        <p:spPr>
+          <a:xfrm>
+            <a:off x="311700" y="1152475"/>
+            <a:ext cx="8520600" cy="1242600"/>
+          </a:xfrm>
+          <a:prstGeom prst="rect">
+            <a:avLst/>
+          </a:prstGeom>
+        </p:spPr>
+        <p:txBody>
+          <a:bodyPr spcFirstLastPara="1" wrap="square" lIns="91425" tIns="91425" rIns="91425" bIns="91425" anchor="t" anchorCtr="0">
+            <a:normAutofit/>
+          </a:bodyPr>
+          <a:lstStyle/>
+          <a:p>
+            <a:pPr marL="457200" lvl="0" indent="-342900" algn="l" rtl="0">
+              <a:spcBef>
+                <a:spcPts val="0"/>
+              </a:spcBef>
+              <a:spcAft>
+                <a:spcPts val="0"/>
+              </a:spcAft>
+              <a:buSzPts val="1800"/>
+              <a:buChar char="●"/>
+            </a:pPr>
+            <a:r>
+              <a:rPr lang="ru"/>
+              <a:t>Предсказание выживших пассажиров Титаника</a:t>
+            </a:r>
+            <a:endParaRPr/>
+          </a:p>
+          <a:p>
+            <a:pPr marL="457200" lvl="0" indent="-342900" algn="l" rtl="0">
+              <a:spcBef>
+                <a:spcPts val="0"/>
+              </a:spcBef>
+              <a:spcAft>
+                <a:spcPts val="0"/>
+              </a:spcAft>
+              <a:buSzPts val="1800"/>
+              <a:buChar char="●"/>
+            </a:pPr>
+            <a:r>
+              <a:rPr lang="ru"/>
+              <a:t>Классы: 1 (выжил) и -1 (не выжил)</a:t>
+            </a:r>
+            <a:endParaRPr/>
+          </a:p>
+          <a:p>
+            <a:pPr marL="457200" lvl="0" indent="-342900" algn="l" rtl="0">
+              <a:spcBef>
+                <a:spcPts val="0"/>
+              </a:spcBef>
+              <a:spcAft>
+                <a:spcPts val="0"/>
+              </a:spcAft>
+              <a:buSzPts val="1800"/>
+              <a:buChar char="●"/>
+            </a:pPr>
+            <a:r>
+              <a:rPr lang="ru"/>
+              <a:t>Признаки объектов: возраст, пол</a:t>
+            </a:r>
+            <a:endParaRPr/>
+          </a:p>
+        </p:txBody>
+      </p:sp>
+      <p:pic>
+        <p:nvPicPr>
+          <p:cNvPr id="305" name="Google Shape;305;p43"/>
+          <p:cNvPicPr preferRelativeResize="0"/>
+          <p:nvPr/>
+        </p:nvPicPr>
+        <p:blipFill>
+          <a:blip r:embed="rId3">
+            <a:alphaModFix/>
+          </a:blip>
+          <a:stretch>
+            <a:fillRect/>
+          </a:stretch>
+        </p:blipFill>
+        <p:spPr>
+          <a:xfrm>
+            <a:off x="2264713" y="2395075"/>
+            <a:ext cx="4614570" cy="2443625"/>
+          </a:xfrm>
+          <a:prstGeom prst="rect">
+            <a:avLst/>
+          </a:prstGeom>
+          <a:noFill/>
+          <a:ln>
+            <a:noFill/>
+          </a:ln>
+        </p:spPr>
+      </p:pic>
+    </p:spTree>
+  </p:cSld>
+  <p:clrMapOvr>
+    <a:masterClrMapping/>
+  </p:clrMapOvr>
+</p:sld>
+</file>
+
+<file path=ppt/slides/slide33.xml><?xml version="1.0" encoding="utf-8"?>
+<p:sld xmlns:a="http://schemas.openxmlformats.org/drawingml/2006/main" xmlns:r="http://schemas.openxmlformats.org/officeDocument/2006/relationships" xmlns:p="http://schemas.openxmlformats.org/presentationml/2006/main">
+  <p:cSld>
+    <p:spTree>
+      <p:nvGrpSpPr>
+        <p:cNvPr id="1" name="Shape 309"/>
+        <p:cNvGrpSpPr/>
+        <p:nvPr/>
+      </p:nvGrpSpPr>
+      <p:grpSpPr>
+        <a:xfrm>
+          <a:off x="0" y="0"/>
+          <a:ext cx="0" cy="0"/>
+          <a:chOff x="0" y="0"/>
+          <a:chExt cx="0" cy="0"/>
+        </a:xfrm>
+      </p:grpSpPr>
+      <p:sp>
+        <p:nvSpPr>
+          <p:cNvPr id="310" name="Google Shape;310;p44"/>
+          <p:cNvSpPr txBox="1">
+            <a:spLocks noGrp="1"/>
+          </p:cNvSpPr>
+          <p:nvPr>
+            <p:ph type="title"/>
+          </p:nvPr>
+        </p:nvSpPr>
+        <p:spPr>
+          <a:xfrm>
+            <a:off x="311700" y="445025"/>
+            <a:ext cx="8520600" cy="613200"/>
+          </a:xfrm>
+          <a:prstGeom prst="rect">
+            <a:avLst/>
+          </a:prstGeom>
+        </p:spPr>
+        <p:txBody>
+          <a:bodyPr spcFirstLastPara="1" wrap="square" lIns="91425" tIns="91425" rIns="91425" bIns="91425" anchor="t" anchorCtr="0">
+            <a:normAutofit fontScale="90000"/>
+          </a:bodyPr>
+          <a:lstStyle/>
+          <a:p>
+            <a:pPr marL="0" lvl="0" indent="0" algn="l" rtl="0">
+              <a:spcBef>
+                <a:spcPts val="0"/>
+              </a:spcBef>
+              <a:spcAft>
+                <a:spcPts val="0"/>
+              </a:spcAft>
+              <a:buNone/>
+            </a:pPr>
+            <a:r>
+              <a:rPr lang="ru"/>
+              <a:t>Линейная классификация</a:t>
+            </a:r>
+            <a:endParaRPr/>
+          </a:p>
+        </p:txBody>
+      </p:sp>
+      <p:sp>
+        <p:nvSpPr>
+          <p:cNvPr id="311" name="Google Shape;311;p44"/>
+          <p:cNvSpPr txBox="1">
+            <a:spLocks noGrp="1"/>
+          </p:cNvSpPr>
+          <p:nvPr>
+            <p:ph type="body" idx="1"/>
+          </p:nvPr>
+        </p:nvSpPr>
+        <p:spPr>
+          <a:xfrm>
+            <a:off x="311700" y="1152475"/>
+            <a:ext cx="8520600" cy="1242600"/>
+          </a:xfrm>
+          <a:prstGeom prst="rect">
+            <a:avLst/>
+          </a:prstGeom>
+        </p:spPr>
+        <p:txBody>
+          <a:bodyPr spcFirstLastPara="1" wrap="square" lIns="91425" tIns="91425" rIns="91425" bIns="91425" anchor="t" anchorCtr="0">
+            <a:normAutofit/>
+          </a:bodyPr>
+          <a:lstStyle/>
+          <a:p>
+            <a:pPr marL="457200" lvl="0" indent="-342900" algn="l" rtl="0">
+              <a:spcBef>
+                <a:spcPts val="0"/>
+              </a:spcBef>
+              <a:spcAft>
+                <a:spcPts val="0"/>
+              </a:spcAft>
+              <a:buSzPts val="1800"/>
+              <a:buChar char="●"/>
+            </a:pPr>
+            <a:r>
+              <a:rPr lang="ru"/>
+              <a:t>Предсказание выживших пассажиров Титаника</a:t>
+            </a:r>
+            <a:endParaRPr/>
+          </a:p>
+          <a:p>
+            <a:pPr marL="457200" lvl="0" indent="-342900" algn="l" rtl="0">
+              <a:spcBef>
+                <a:spcPts val="0"/>
+              </a:spcBef>
+              <a:spcAft>
+                <a:spcPts val="0"/>
+              </a:spcAft>
+              <a:buSzPts val="1800"/>
+              <a:buChar char="●"/>
+            </a:pPr>
+            <a:r>
+              <a:rPr lang="ru"/>
+              <a:t>Классы: 1 (выжил) и -1 (не выжил)</a:t>
+            </a:r>
+            <a:endParaRPr/>
+          </a:p>
+          <a:p>
+            <a:pPr marL="457200" lvl="0" indent="-342900" algn="l" rtl="0">
+              <a:spcBef>
+                <a:spcPts val="0"/>
+              </a:spcBef>
+              <a:spcAft>
+                <a:spcPts val="0"/>
+              </a:spcAft>
+              <a:buSzPts val="1800"/>
+              <a:buChar char="●"/>
+            </a:pPr>
+            <a:r>
+              <a:rPr lang="ru"/>
+              <a:t>Признаки объектов: возраст, пол</a:t>
+            </a:r>
+            <a:endParaRPr/>
+          </a:p>
+        </p:txBody>
+      </p:sp>
+      <p:pic>
+        <p:nvPicPr>
+          <p:cNvPr id="312" name="Google Shape;312;p44"/>
+          <p:cNvPicPr preferRelativeResize="0"/>
+          <p:nvPr/>
+        </p:nvPicPr>
+        <p:blipFill>
+          <a:blip r:embed="rId3">
+            <a:alphaModFix/>
+          </a:blip>
+          <a:stretch>
+            <a:fillRect/>
+          </a:stretch>
+        </p:blipFill>
+        <p:spPr>
+          <a:xfrm>
+            <a:off x="2264713" y="2395075"/>
+            <a:ext cx="4614570" cy="2443625"/>
+          </a:xfrm>
+          <a:prstGeom prst="rect">
+            <a:avLst/>
+          </a:prstGeom>
+          <a:noFill/>
+          <a:ln>
+            <a:noFill/>
+          </a:ln>
+        </p:spPr>
+      </p:pic>
+      <p:cxnSp>
+        <p:nvCxnSpPr>
+          <p:cNvPr id="313" name="Google Shape;313;p44"/>
+          <p:cNvCxnSpPr/>
+          <p:nvPr/>
+        </p:nvCxnSpPr>
+        <p:spPr>
+          <a:xfrm flipH="1">
+            <a:off x="3327975" y="3072845"/>
+            <a:ext cx="4529100" cy="1853100"/>
+          </a:xfrm>
+          <a:prstGeom prst="straightConnector1">
+            <a:avLst/>
+          </a:prstGeom>
+          <a:noFill/>
+          <a:ln w="19050" cap="flat" cmpd="sng">
+            <a:solidFill>
+              <a:schemeClr val="dk2"/>
+            </a:solidFill>
+            <a:prstDash val="solid"/>
+            <a:round/>
+            <a:headEnd type="none" w="med" len="med"/>
+            <a:tailEnd type="none" w="med" len="med"/>
+          </a:ln>
+        </p:spPr>
+      </p:cxnSp>
+      <p:sp>
+        <p:nvSpPr>
+          <p:cNvPr id="7" name="TextBox 6">
+            <a:extLst>
+              <a:ext uri="{FF2B5EF4-FFF2-40B4-BE49-F238E27FC236}">
+                <a16:creationId xmlns:a16="http://schemas.microsoft.com/office/drawing/2014/main" id="{D2C46802-4663-4143-88C0-082FCD21129E}"/>
+              </a:ext>
+            </a:extLst>
+          </p:cNvPr>
+          <p:cNvSpPr txBox="1"/>
+          <p:nvPr/>
+        </p:nvSpPr>
+        <p:spPr>
+          <a:xfrm>
+            <a:off x="2286000" y="2418830"/>
+            <a:ext cx="4572000" cy="307777"/>
+          </a:xfrm>
+          <a:prstGeom prst="rect">
+            <a:avLst/>
+          </a:prstGeom>
+          <a:noFill/>
+        </p:spPr>
+        <p:txBody>
+          <a:bodyPr wrap="square">
+            <a:spAutoFit/>
+          </a:bodyPr>
+          <a:lstStyle/>
+          <a:p>
+            <a:r>
+              <a:rPr lang="en-RU" dirty="0"/>
+              <a:t>available at appropriate folders</a:t>
+            </a:r>
+          </a:p>
+        </p:txBody>
+      </p:sp>
+    </p:spTree>
+  </p:cSld>
+  <p:clrMapOvr>
+    <a:masterClrMapping/>
+  </p:clrMapOvr>
+</p:sld>
+</file>
+
+<file path=ppt/slides/slide34.xml><?xml version="1.0" encoding="utf-8"?>
+<p:sld xmlns:a="http://schemas.openxmlformats.org/drawingml/2006/main" xmlns:r="http://schemas.openxmlformats.org/officeDocument/2006/relationships" xmlns:p="http://schemas.openxmlformats.org/presentationml/2006/main">
+  <p:cSld>
+    <p:spTree>
+      <p:nvGrpSpPr>
+        <p:cNvPr id="1" name="Shape 317"/>
+        <p:cNvGrpSpPr/>
+        <p:nvPr/>
+      </p:nvGrpSpPr>
+      <p:grpSpPr>
+        <a:xfrm>
+          <a:off x="0" y="0"/>
+          <a:ext cx="0" cy="0"/>
+          <a:chOff x="0" y="0"/>
+          <a:chExt cx="0" cy="0"/>
+        </a:xfrm>
+      </p:grpSpPr>
+      <p:sp>
+        <p:nvSpPr>
+          <p:cNvPr id="318" name="Google Shape;318;p45"/>
+          <p:cNvSpPr txBox="1">
+            <a:spLocks noGrp="1"/>
+          </p:cNvSpPr>
+          <p:nvPr>
+            <p:ph type="title"/>
+          </p:nvPr>
+        </p:nvSpPr>
+        <p:spPr>
+          <a:xfrm>
+            <a:off x="311700" y="445025"/>
+            <a:ext cx="8520600" cy="613200"/>
+          </a:xfrm>
+          <a:prstGeom prst="rect">
+            <a:avLst/>
+          </a:prstGeom>
+        </p:spPr>
+        <p:txBody>
+          <a:bodyPr spcFirstLastPara="1" wrap="square" lIns="91425" tIns="91425" rIns="91425" bIns="91425" anchor="t" anchorCtr="0">
+            <a:normAutofit fontScale="90000"/>
+          </a:bodyPr>
+          <a:lstStyle/>
+          <a:p>
+            <a:pPr marL="0" lvl="0" indent="0" algn="l" rtl="0">
+              <a:spcBef>
+                <a:spcPts val="0"/>
+              </a:spcBef>
+              <a:spcAft>
+                <a:spcPts val="0"/>
+              </a:spcAft>
+              <a:buNone/>
+            </a:pPr>
+            <a:r>
+              <a:rPr lang="ru"/>
+              <a:t>Линейная классификация</a:t>
+            </a:r>
+            <a:endParaRPr/>
+          </a:p>
+        </p:txBody>
+      </p:sp>
+      <p:sp>
+        <p:nvSpPr>
+          <p:cNvPr id="319" name="Google Shape;319;p45"/>
+          <p:cNvSpPr txBox="1">
+            <a:spLocks noGrp="1"/>
+          </p:cNvSpPr>
+          <p:nvPr>
+            <p:ph type="body" idx="1"/>
+          </p:nvPr>
+        </p:nvSpPr>
+        <p:spPr>
+          <a:xfrm>
+            <a:off x="311700" y="1152475"/>
+            <a:ext cx="8520600" cy="1242600"/>
+          </a:xfrm>
+          <a:prstGeom prst="rect">
+            <a:avLst/>
+          </a:prstGeom>
+        </p:spPr>
+        <p:txBody>
+          <a:bodyPr spcFirstLastPara="1" wrap="square" lIns="91425" tIns="91425" rIns="91425" bIns="91425" anchor="t" anchorCtr="0">
+            <a:normAutofit/>
+          </a:bodyPr>
+          <a:lstStyle/>
+          <a:p>
+            <a:pPr marL="457200" lvl="0" indent="-342900" algn="l" rtl="0">
+              <a:spcBef>
+                <a:spcPts val="0"/>
+              </a:spcBef>
+              <a:spcAft>
+                <a:spcPts val="0"/>
+              </a:spcAft>
+              <a:buSzPts val="1800"/>
+              <a:buChar char="●"/>
+            </a:pPr>
+            <a:r>
+              <a:rPr lang="ru"/>
+              <a:t>Синяя полуплоскость: </a:t>
+            </a:r>
+            <a:endParaRPr/>
+          </a:p>
+          <a:p>
+            <a:pPr marL="457200" lvl="0" indent="-342900" algn="l" rtl="0">
+              <a:spcBef>
+                <a:spcPts val="0"/>
+              </a:spcBef>
+              <a:spcAft>
+                <a:spcPts val="0"/>
+              </a:spcAft>
+              <a:buSzPts val="1800"/>
+              <a:buChar char="●"/>
+            </a:pPr>
+            <a:r>
+              <a:rPr lang="ru"/>
+              <a:t>Красная полуплоскость: </a:t>
+            </a:r>
+            <a:endParaRPr/>
+          </a:p>
+          <a:p>
+            <a:pPr marL="457200" lvl="0" indent="-342900" algn="l" rtl="0">
+              <a:spcBef>
+                <a:spcPts val="0"/>
+              </a:spcBef>
+              <a:spcAft>
+                <a:spcPts val="0"/>
+              </a:spcAft>
+              <a:buSzPts val="1800"/>
+              <a:buChar char="●"/>
+            </a:pPr>
+            <a:r>
+              <a:rPr lang="ru"/>
+              <a:t>Алгоритм:</a:t>
+            </a:r>
+            <a:endParaRPr/>
+          </a:p>
+        </p:txBody>
+      </p:sp>
+      <p:pic>
+        <p:nvPicPr>
+          <p:cNvPr id="320" name="Google Shape;320;p45"/>
+          <p:cNvPicPr preferRelativeResize="0"/>
+          <p:nvPr/>
+        </p:nvPicPr>
+        <p:blipFill>
+          <a:blip r:embed="rId3">
+            <a:alphaModFix/>
+          </a:blip>
+          <a:stretch>
+            <a:fillRect/>
+          </a:stretch>
+        </p:blipFill>
+        <p:spPr>
+          <a:xfrm>
+            <a:off x="2264713" y="2395075"/>
+            <a:ext cx="4614570" cy="2443625"/>
+          </a:xfrm>
+          <a:prstGeom prst="rect">
+            <a:avLst/>
+          </a:prstGeom>
+          <a:noFill/>
+          <a:ln>
+            <a:noFill/>
+          </a:ln>
+        </p:spPr>
+      </p:pic>
+      <p:pic>
+        <p:nvPicPr>
+          <p:cNvPr id="321" name="Google Shape;321;p45" descr="Ax+By + C &gt; 0"/>
+          <p:cNvPicPr preferRelativeResize="0"/>
+          <p:nvPr/>
+        </p:nvPicPr>
+        <p:blipFill>
+          <a:blip r:embed="rId4">
+            <a:alphaModFix/>
+          </a:blip>
+          <a:stretch>
+            <a:fillRect/>
+          </a:stretch>
+        </p:blipFill>
+        <p:spPr>
+          <a:xfrm>
+            <a:off x="4085125" y="1254670"/>
+            <a:ext cx="2089525" cy="259150"/>
+          </a:xfrm>
+          <a:prstGeom prst="rect">
+            <a:avLst/>
+          </a:prstGeom>
+          <a:noFill/>
+          <a:ln>
+            <a:noFill/>
+          </a:ln>
+        </p:spPr>
+      </p:pic>
+      <p:pic>
+        <p:nvPicPr>
+          <p:cNvPr id="322" name="Google Shape;322;p45" descr="Ax+By + C &lt; 0"/>
+          <p:cNvPicPr preferRelativeResize="0"/>
+          <p:nvPr/>
+        </p:nvPicPr>
+        <p:blipFill>
+          <a:blip r:embed="rId5">
+            <a:alphaModFix/>
+          </a:blip>
+          <a:stretch>
+            <a:fillRect/>
+          </a:stretch>
+        </p:blipFill>
+        <p:spPr>
+          <a:xfrm>
+            <a:off x="4069458" y="1567370"/>
+            <a:ext cx="2089650" cy="259150"/>
+          </a:xfrm>
+          <a:prstGeom prst="rect">
+            <a:avLst/>
+          </a:prstGeom>
+          <a:noFill/>
+          <a:ln>
+            <a:noFill/>
+          </a:ln>
+        </p:spPr>
+      </p:pic>
+      <p:pic>
+        <p:nvPicPr>
+          <p:cNvPr id="323" name="Google Shape;323;p45" descr="a(x, y) = \mathrm{sign}(Ax + By + C)"/>
+          <p:cNvPicPr preferRelativeResize="0"/>
+          <p:nvPr/>
+        </p:nvPicPr>
+        <p:blipFill>
+          <a:blip r:embed="rId6">
+            <a:alphaModFix/>
+          </a:blip>
+          <a:stretch>
+            <a:fillRect/>
+          </a:stretch>
+        </p:blipFill>
+        <p:spPr>
+          <a:xfrm>
+            <a:off x="4069450" y="1880075"/>
+            <a:ext cx="3558024" cy="301800"/>
+          </a:xfrm>
+          <a:prstGeom prst="rect">
+            <a:avLst/>
+          </a:prstGeom>
+          <a:noFill/>
+          <a:ln>
+            <a:noFill/>
+          </a:ln>
+        </p:spPr>
+      </p:pic>
+      <p:cxnSp>
+        <p:nvCxnSpPr>
+          <p:cNvPr id="324" name="Google Shape;324;p45"/>
+          <p:cNvCxnSpPr/>
+          <p:nvPr/>
+        </p:nvCxnSpPr>
+        <p:spPr>
+          <a:xfrm flipH="1">
+            <a:off x="3327975" y="3072845"/>
+            <a:ext cx="4529100" cy="1853100"/>
+          </a:xfrm>
+          <a:prstGeom prst="straightConnector1">
+            <a:avLst/>
+          </a:prstGeom>
+          <a:noFill/>
+          <a:ln w="19050" cap="flat" cmpd="sng">
+            <a:solidFill>
+              <a:schemeClr val="dk2"/>
+            </a:solidFill>
+            <a:prstDash val="solid"/>
+            <a:round/>
+            <a:headEnd type="none" w="med" len="med"/>
+            <a:tailEnd type="none" w="med" len="med"/>
+          </a:ln>
+        </p:spPr>
+      </p:cxnSp>
+    </p:spTree>
+  </p:cSld>
+  <p:clrMapOvr>
+    <a:masterClrMapping/>
+  </p:clrMapOvr>
+</p:sld>
+</file>
+
+<file path=ppt/slides/slide35.xml><?xml version="1.0" encoding="utf-8"?>
+<p:sld xmlns:a="http://schemas.openxmlformats.org/drawingml/2006/main" xmlns:r="http://schemas.openxmlformats.org/officeDocument/2006/relationships" xmlns:p="http://schemas.openxmlformats.org/presentationml/2006/main">
+  <p:cSld>
+    <p:spTree>
+      <p:nvGrpSpPr>
+        <p:cNvPr id="1" name="Shape 328"/>
+        <p:cNvGrpSpPr/>
+        <p:nvPr/>
+      </p:nvGrpSpPr>
+      <p:grpSpPr>
+        <a:xfrm>
+          <a:off x="0" y="0"/>
+          <a:ext cx="0" cy="0"/>
+          <a:chOff x="0" y="0"/>
+          <a:chExt cx="0" cy="0"/>
+        </a:xfrm>
+      </p:grpSpPr>
+      <p:sp>
+        <p:nvSpPr>
+          <p:cNvPr id="329" name="Google Shape;329;p46"/>
+          <p:cNvSpPr txBox="1">
+            <a:spLocks noGrp="1"/>
+          </p:cNvSpPr>
+          <p:nvPr>
+            <p:ph type="title"/>
+          </p:nvPr>
+        </p:nvSpPr>
+        <p:spPr>
+          <a:xfrm>
+            <a:off x="311700" y="445025"/>
+            <a:ext cx="8520600" cy="613200"/>
+          </a:xfrm>
+          <a:prstGeom prst="rect">
+            <a:avLst/>
+          </a:prstGeom>
+        </p:spPr>
+        <p:txBody>
+          <a:bodyPr spcFirstLastPara="1" wrap="square" lIns="91425" tIns="91425" rIns="91425" bIns="91425" anchor="t" anchorCtr="0">
+            <a:normAutofit fontScale="90000"/>
+          </a:bodyPr>
+          <a:lstStyle/>
+          <a:p>
+            <a:pPr marL="0" lvl="0" indent="0" algn="l" rtl="0">
+              <a:spcBef>
+                <a:spcPts val="0"/>
+              </a:spcBef>
+              <a:spcAft>
+                <a:spcPts val="0"/>
+              </a:spcAft>
+              <a:buNone/>
+            </a:pPr>
+            <a:r>
+              <a:rPr lang="ru"/>
+              <a:t>Линейная классификация</a:t>
+            </a:r>
+            <a:endParaRPr/>
+          </a:p>
+        </p:txBody>
+      </p:sp>
+      <p:sp>
+        <p:nvSpPr>
+          <p:cNvPr id="330" name="Google Shape;330;p46"/>
+          <p:cNvSpPr txBox="1">
+            <a:spLocks noGrp="1"/>
+          </p:cNvSpPr>
+          <p:nvPr>
+            <p:ph type="body" idx="1"/>
+          </p:nvPr>
+        </p:nvSpPr>
+        <p:spPr>
+          <a:xfrm>
+            <a:off x="311700" y="1152475"/>
+            <a:ext cx="8520600" cy="1242600"/>
+          </a:xfrm>
+          <a:prstGeom prst="rect">
+            <a:avLst/>
+          </a:prstGeom>
+        </p:spPr>
+        <p:txBody>
+          <a:bodyPr spcFirstLastPara="1" wrap="square" lIns="91425" tIns="91425" rIns="91425" bIns="91425" anchor="t" anchorCtr="0">
+            <a:normAutofit/>
+          </a:bodyPr>
+          <a:lstStyle/>
+          <a:p>
+            <a:pPr marL="457200" lvl="0" indent="-342900" algn="l" rtl="0">
+              <a:lnSpc>
+                <a:spcPct val="100000"/>
+              </a:lnSpc>
+              <a:spcBef>
+                <a:spcPts val="0"/>
+              </a:spcBef>
+              <a:spcAft>
+                <a:spcPts val="0"/>
+              </a:spcAft>
+              <a:buSzPts val="1800"/>
+              <a:buChar char="●"/>
+            </a:pPr>
+            <a:r>
+              <a:rPr lang="ru" sz="1400">
+                <a:solidFill>
+                  <a:schemeClr val="dk1"/>
+                </a:solidFill>
+              </a:rPr>
+              <a:t>                                     — уверенность алгоритма при классификации точки </a:t>
+            </a:r>
+            <a:endParaRPr/>
+          </a:p>
+        </p:txBody>
+      </p:sp>
+      <p:pic>
+        <p:nvPicPr>
+          <p:cNvPr id="331" name="Google Shape;331;p46"/>
+          <p:cNvPicPr preferRelativeResize="0"/>
+          <p:nvPr/>
+        </p:nvPicPr>
+        <p:blipFill>
+          <a:blip r:embed="rId3">
+            <a:alphaModFix/>
+          </a:blip>
+          <a:stretch>
+            <a:fillRect/>
+          </a:stretch>
+        </p:blipFill>
+        <p:spPr>
+          <a:xfrm>
+            <a:off x="2264713" y="2395075"/>
+            <a:ext cx="4614570" cy="2443625"/>
+          </a:xfrm>
+          <a:prstGeom prst="rect">
+            <a:avLst/>
+          </a:prstGeom>
+          <a:noFill/>
+          <a:ln>
+            <a:noFill/>
+          </a:ln>
+        </p:spPr>
+      </p:pic>
+      <p:cxnSp>
+        <p:nvCxnSpPr>
+          <p:cNvPr id="332" name="Google Shape;332;p46"/>
+          <p:cNvCxnSpPr/>
+          <p:nvPr/>
+        </p:nvCxnSpPr>
+        <p:spPr>
+          <a:xfrm>
+            <a:off x="4613075" y="3576350"/>
+            <a:ext cx="289200" cy="699300"/>
+          </a:xfrm>
+          <a:prstGeom prst="straightConnector1">
+            <a:avLst/>
+          </a:prstGeom>
+          <a:noFill/>
+          <a:ln w="19050" cap="flat" cmpd="sng">
+            <a:solidFill>
+              <a:schemeClr val="dk2"/>
+            </a:solidFill>
+            <a:prstDash val="solid"/>
+            <a:round/>
+            <a:headEnd type="none" w="med" len="med"/>
+            <a:tailEnd type="none" w="med" len="med"/>
+          </a:ln>
+        </p:spPr>
+      </p:cxnSp>
+      <p:sp>
+        <p:nvSpPr>
+          <p:cNvPr id="333" name="Google Shape;333;p46"/>
+          <p:cNvSpPr/>
+          <p:nvPr/>
+        </p:nvSpPr>
+        <p:spPr>
+          <a:xfrm>
+            <a:off x="4555927" y="3552538"/>
+            <a:ext cx="137400" cy="128700"/>
+          </a:xfrm>
+          <a:prstGeom prst="ellipse">
+            <a:avLst/>
+          </a:prstGeom>
+          <a:solidFill>
+            <a:schemeClr val="lt2"/>
+          </a:solidFill>
+          <a:ln w="9525" cap="flat" cmpd="sng">
+            <a:solidFill>
+              <a:schemeClr val="dk2"/>
+            </a:solidFill>
+            <a:prstDash val="solid"/>
+            <a:round/>
+            <a:headEnd type="none" w="sm" len="sm"/>
+            <a:tailEnd type="none" w="sm" len="sm"/>
+          </a:ln>
+        </p:spPr>
+        <p:txBody>
+          <a:bodyPr spcFirstLastPara="1" wrap="square" lIns="91425" tIns="91425" rIns="91425" bIns="91425" anchor="ctr" anchorCtr="0">
+            <a:noAutofit/>
+          </a:bodyPr>
+          <a:lstStyle/>
+          <a:p>
+            <a:pPr marL="0" lvl="0" indent="0" algn="l" rtl="0">
+              <a:spcBef>
+                <a:spcPts val="0"/>
+              </a:spcBef>
+              <a:spcAft>
+                <a:spcPts val="0"/>
+              </a:spcAft>
+              <a:buNone/>
+            </a:pPr>
+            <a:endParaRPr/>
+          </a:p>
+        </p:txBody>
+      </p:sp>
+      <p:cxnSp>
+        <p:nvCxnSpPr>
+          <p:cNvPr id="334" name="Google Shape;334;p46"/>
+          <p:cNvCxnSpPr/>
+          <p:nvPr/>
+        </p:nvCxnSpPr>
+        <p:spPr>
+          <a:xfrm rot="10800000" flipH="1">
+            <a:off x="4870250" y="4111200"/>
+            <a:ext cx="96600" cy="48300"/>
+          </a:xfrm>
+          <a:prstGeom prst="straightConnector1">
+            <a:avLst/>
+          </a:prstGeom>
+          <a:noFill/>
+          <a:ln w="19050" cap="flat" cmpd="sng">
+            <a:solidFill>
+              <a:schemeClr val="dk2"/>
+            </a:solidFill>
+            <a:prstDash val="solid"/>
+            <a:round/>
+            <a:headEnd type="none" w="med" len="med"/>
+            <a:tailEnd type="none" w="med" len="med"/>
+          </a:ln>
+        </p:spPr>
+      </p:cxnSp>
+      <p:cxnSp>
+        <p:nvCxnSpPr>
+          <p:cNvPr id="335" name="Google Shape;335;p46"/>
+          <p:cNvCxnSpPr/>
+          <p:nvPr/>
+        </p:nvCxnSpPr>
+        <p:spPr>
+          <a:xfrm>
+            <a:off x="4966700" y="4127350"/>
+            <a:ext cx="48300" cy="112500"/>
+          </a:xfrm>
+          <a:prstGeom prst="straightConnector1">
+            <a:avLst/>
+          </a:prstGeom>
+          <a:noFill/>
+          <a:ln w="19050" cap="flat" cmpd="sng">
+            <a:solidFill>
+              <a:schemeClr val="dk2"/>
+            </a:solidFill>
+            <a:prstDash val="solid"/>
+            <a:round/>
+            <a:headEnd type="none" w="med" len="med"/>
+            <a:tailEnd type="none" w="med" len="med"/>
+          </a:ln>
+        </p:spPr>
+      </p:cxnSp>
+      <p:cxnSp>
+        <p:nvCxnSpPr>
+          <p:cNvPr id="336" name="Google Shape;336;p46"/>
+          <p:cNvCxnSpPr/>
+          <p:nvPr/>
+        </p:nvCxnSpPr>
+        <p:spPr>
+          <a:xfrm flipH="1">
+            <a:off x="3327975" y="3072845"/>
+            <a:ext cx="4529100" cy="1853100"/>
+          </a:xfrm>
+          <a:prstGeom prst="straightConnector1">
+            <a:avLst/>
+          </a:prstGeom>
+          <a:noFill/>
+          <a:ln w="19050" cap="flat" cmpd="sng">
+            <a:solidFill>
+              <a:schemeClr val="dk2"/>
+            </a:solidFill>
+            <a:prstDash val="solid"/>
+            <a:round/>
+            <a:headEnd type="none" w="med" len="med"/>
+            <a:tailEnd type="none" w="med" len="med"/>
+          </a:ln>
+        </p:spPr>
+      </p:cxnSp>
+      <p:pic>
+        <p:nvPicPr>
+          <p:cNvPr id="337" name="Google Shape;337;p46" descr="(x_0, y_0)"/>
+          <p:cNvPicPr preferRelativeResize="0"/>
+          <p:nvPr/>
+        </p:nvPicPr>
+        <p:blipFill>
+          <a:blip r:embed="rId4">
+            <a:alphaModFix/>
+          </a:blip>
+          <a:stretch>
+            <a:fillRect/>
+          </a:stretch>
+        </p:blipFill>
+        <p:spPr>
+          <a:xfrm>
+            <a:off x="4286888" y="3261475"/>
+            <a:ext cx="675471" cy="249000"/>
+          </a:xfrm>
+          <a:prstGeom prst="rect">
+            <a:avLst/>
+          </a:prstGeom>
+          <a:noFill/>
+          <a:ln>
+            <a:noFill/>
+          </a:ln>
+        </p:spPr>
+      </p:pic>
+      <p:pic>
+        <p:nvPicPr>
+          <p:cNvPr id="338" name="Google Shape;338;p46" descr="(x_0, y_0)"/>
+          <p:cNvPicPr preferRelativeResize="0"/>
+          <p:nvPr/>
+        </p:nvPicPr>
+        <p:blipFill>
+          <a:blip r:embed="rId4">
+            <a:alphaModFix/>
+          </a:blip>
+          <a:stretch>
+            <a:fillRect/>
+          </a:stretch>
+        </p:blipFill>
+        <p:spPr>
+          <a:xfrm>
+            <a:off x="6892665" y="1267292"/>
+            <a:ext cx="708238" cy="261080"/>
+          </a:xfrm>
+          <a:prstGeom prst="rect">
+            <a:avLst/>
+          </a:prstGeom>
+          <a:noFill/>
+          <a:ln>
+            <a:noFill/>
+          </a:ln>
+        </p:spPr>
+      </p:pic>
+      <p:pic>
+        <p:nvPicPr>
+          <p:cNvPr id="339" name="Google Shape;339;p46" descr="Ax_0 + By_0 + C"/>
+          <p:cNvPicPr preferRelativeResize="0"/>
+          <p:nvPr/>
+        </p:nvPicPr>
+        <p:blipFill>
+          <a:blip r:embed="rId5">
+            <a:alphaModFix/>
+          </a:blip>
+          <a:stretch>
+            <a:fillRect/>
+          </a:stretch>
+        </p:blipFill>
+        <p:spPr>
+          <a:xfrm>
+            <a:off x="898195" y="1302180"/>
+            <a:ext cx="1696321" cy="248026"/>
+          </a:xfrm>
+          <a:prstGeom prst="rect">
+            <a:avLst/>
+          </a:prstGeom>
+          <a:noFill/>
+          <a:ln>
+            <a:noFill/>
+          </a:ln>
+        </p:spPr>
+      </p:pic>
+      <p:pic>
+        <p:nvPicPr>
+          <p:cNvPr id="340" name="Google Shape;340;p46" descr="\frac{|Ax_0 + By_0 + C|}{\sqrt{A^2 + B^2}}"/>
+          <p:cNvPicPr preferRelativeResize="0"/>
+          <p:nvPr/>
+        </p:nvPicPr>
+        <p:blipFill>
+          <a:blip r:embed="rId6">
+            <a:alphaModFix/>
+          </a:blip>
+          <a:stretch>
+            <a:fillRect/>
+          </a:stretch>
+        </p:blipFill>
+        <p:spPr>
+          <a:xfrm>
+            <a:off x="3542350" y="3883489"/>
+            <a:ext cx="1070725" cy="356360"/>
+          </a:xfrm>
+          <a:prstGeom prst="rect">
+            <a:avLst/>
+          </a:prstGeom>
+          <a:noFill/>
+          <a:ln>
+            <a:noFill/>
+          </a:ln>
+        </p:spPr>
+      </p:pic>
+    </p:spTree>
+  </p:cSld>
+  <p:clrMapOvr>
+    <a:masterClrMapping/>
+  </p:clrMapOvr>
+</p:sld>
+</file>
+
+<file path=ppt/slides/slide36.xml><?xml version="1.0" encoding="utf-8"?>
+<p:sld xmlns:a="http://schemas.openxmlformats.org/drawingml/2006/main" xmlns:r="http://schemas.openxmlformats.org/officeDocument/2006/relationships" xmlns:p="http://schemas.openxmlformats.org/presentationml/2006/main">
+  <p:cSld>
+    <p:spTree>
+      <p:nvGrpSpPr>
+        <p:cNvPr id="1" name="Shape 344"/>
+        <p:cNvGrpSpPr/>
+        <p:nvPr/>
+      </p:nvGrpSpPr>
+      <p:grpSpPr>
+        <a:xfrm>
+          <a:off x="0" y="0"/>
+          <a:ext cx="0" cy="0"/>
+          <a:chOff x="0" y="0"/>
+          <a:chExt cx="0" cy="0"/>
+        </a:xfrm>
+      </p:grpSpPr>
+      <p:sp>
+        <p:nvSpPr>
+          <p:cNvPr id="345" name="Google Shape;345;p47"/>
+          <p:cNvSpPr txBox="1">
+            <a:spLocks noGrp="1"/>
+          </p:cNvSpPr>
+          <p:nvPr>
+            <p:ph type="title"/>
+          </p:nvPr>
+        </p:nvSpPr>
+        <p:spPr>
+          <a:xfrm>
+            <a:off x="311700" y="445025"/>
+            <a:ext cx="8520600" cy="613200"/>
+          </a:xfrm>
+          <a:prstGeom prst="rect">
+            <a:avLst/>
+          </a:prstGeom>
+        </p:spPr>
+        <p:txBody>
+          <a:bodyPr spcFirstLastPara="1" wrap="square" lIns="91425" tIns="91425" rIns="91425" bIns="91425" anchor="t" anchorCtr="0">
+            <a:normAutofit fontScale="90000"/>
+          </a:bodyPr>
+          <a:lstStyle/>
+          <a:p>
+            <a:pPr marL="0" lvl="0" indent="0" algn="l" rtl="0">
+              <a:spcBef>
+                <a:spcPts val="0"/>
+              </a:spcBef>
+              <a:spcAft>
+                <a:spcPts val="0"/>
+              </a:spcAft>
+              <a:buNone/>
+            </a:pPr>
+            <a:r>
+              <a:rPr lang="ru"/>
+              <a:t>Многомерный случай</a:t>
+            </a:r>
+            <a:endParaRPr/>
+          </a:p>
+        </p:txBody>
+      </p:sp>
+      <p:sp>
+        <p:nvSpPr>
+          <p:cNvPr id="346" name="Google Shape;346;p47"/>
+          <p:cNvSpPr txBox="1">
+            <a:spLocks noGrp="1"/>
+          </p:cNvSpPr>
+          <p:nvPr>
+            <p:ph type="body" idx="1"/>
+          </p:nvPr>
+        </p:nvSpPr>
+        <p:spPr>
+          <a:xfrm>
+            <a:off x="311700" y="1171600"/>
+            <a:ext cx="8520600" cy="3397200"/>
+          </a:xfrm>
+          <a:prstGeom prst="rect">
+            <a:avLst/>
+          </a:prstGeom>
+        </p:spPr>
+        <p:txBody>
+          <a:bodyPr spcFirstLastPara="1" wrap="square" lIns="91425" tIns="91425" rIns="91425" bIns="91425" anchor="t" anchorCtr="0">
+            <a:normAutofit/>
+          </a:bodyPr>
+          <a:lstStyle/>
+          <a:p>
+            <a:pPr marL="457200" lvl="0" indent="-342900" algn="l" rtl="0">
+              <a:lnSpc>
+                <a:spcPct val="150000"/>
+              </a:lnSpc>
+              <a:spcBef>
+                <a:spcPts val="0"/>
+              </a:spcBef>
+              <a:spcAft>
+                <a:spcPts val="0"/>
+              </a:spcAft>
+              <a:buSzPts val="1800"/>
+              <a:buChar char="●"/>
+            </a:pPr>
+            <a:r>
+              <a:rPr lang="ru"/>
+              <a:t>Объект: </a:t>
+            </a:r>
+            <a:endParaRPr/>
+          </a:p>
+          <a:p>
+            <a:pPr marL="457200" lvl="0" indent="-342900" algn="l" rtl="0">
+              <a:lnSpc>
+                <a:spcPct val="150000"/>
+              </a:lnSpc>
+              <a:spcBef>
+                <a:spcPts val="0"/>
+              </a:spcBef>
+              <a:spcAft>
+                <a:spcPts val="0"/>
+              </a:spcAft>
+              <a:buSzPts val="1800"/>
+              <a:buChar char="●"/>
+            </a:pPr>
+            <a:r>
+              <a:rPr lang="ru"/>
+              <a:t>Вектор весов: </a:t>
+            </a:r>
+            <a:endParaRPr/>
+          </a:p>
+          <a:p>
+            <a:pPr marL="457200" lvl="0" indent="-342900" algn="l" rtl="0">
+              <a:lnSpc>
+                <a:spcPct val="150000"/>
+              </a:lnSpc>
+              <a:spcBef>
+                <a:spcPts val="0"/>
+              </a:spcBef>
+              <a:spcAft>
+                <a:spcPts val="0"/>
+              </a:spcAft>
+              <a:buSzPts val="1800"/>
+              <a:buChar char="●"/>
+            </a:pPr>
+            <a:r>
+              <a:rPr lang="ru"/>
+              <a:t>Решающее правило: </a:t>
+            </a:r>
+            <a:endParaRPr sz="1100">
+              <a:solidFill>
+                <a:schemeClr val="dk1"/>
+              </a:solidFill>
+            </a:endParaRPr>
+          </a:p>
+        </p:txBody>
+      </p:sp>
+      <p:pic>
+        <p:nvPicPr>
+          <p:cNvPr id="347" name="Google Shape;347;p47" descr="x = (x_1, x_2, \ldots, x_n)"/>
+          <p:cNvPicPr preferRelativeResize="0"/>
+          <p:nvPr/>
+        </p:nvPicPr>
+        <p:blipFill>
+          <a:blip r:embed="rId3">
+            <a:alphaModFix/>
+          </a:blip>
+          <a:stretch>
+            <a:fillRect/>
+          </a:stretch>
+        </p:blipFill>
+        <p:spPr>
+          <a:xfrm>
+            <a:off x="3321325" y="1247025"/>
+            <a:ext cx="2501350" cy="312676"/>
+          </a:xfrm>
+          <a:prstGeom prst="rect">
+            <a:avLst/>
+          </a:prstGeom>
+          <a:noFill/>
+          <a:ln>
+            <a:noFill/>
+          </a:ln>
+        </p:spPr>
+      </p:pic>
+      <p:pic>
+        <p:nvPicPr>
+          <p:cNvPr id="348" name="Google Shape;348;p47" descr="w = (w_1, w_2, \ldots, w_n), b"/>
+          <p:cNvPicPr preferRelativeResize="0"/>
+          <p:nvPr/>
+        </p:nvPicPr>
+        <p:blipFill>
+          <a:blip r:embed="rId4">
+            <a:alphaModFix/>
+          </a:blip>
+          <a:stretch>
+            <a:fillRect/>
+          </a:stretch>
+        </p:blipFill>
+        <p:spPr>
+          <a:xfrm>
+            <a:off x="3300895" y="1651660"/>
+            <a:ext cx="2973369" cy="312675"/>
+          </a:xfrm>
+          <a:prstGeom prst="rect">
+            <a:avLst/>
+          </a:prstGeom>
+          <a:noFill/>
+          <a:ln>
+            <a:noFill/>
+          </a:ln>
+        </p:spPr>
+      </p:pic>
+      <p:pic>
+        <p:nvPicPr>
+          <p:cNvPr id="349" name="Google Shape;349;p47" descr="a(x) = \mathrm{sign}(\langle x, w\rangle + b)"/>
+          <p:cNvPicPr preferRelativeResize="0"/>
+          <p:nvPr/>
+        </p:nvPicPr>
+        <p:blipFill>
+          <a:blip r:embed="rId5">
+            <a:alphaModFix/>
+          </a:blip>
+          <a:stretch>
+            <a:fillRect/>
+          </a:stretch>
+        </p:blipFill>
+        <p:spPr>
+          <a:xfrm>
+            <a:off x="3300900" y="2031080"/>
+            <a:ext cx="2886206" cy="312675"/>
+          </a:xfrm>
+          <a:prstGeom prst="rect">
+            <a:avLst/>
+          </a:prstGeom>
+          <a:noFill/>
+          <a:ln>
+            <a:noFill/>
+          </a:ln>
+        </p:spPr>
+      </p:pic>
+    </p:spTree>
+  </p:cSld>
+  <p:clrMapOvr>
+    <a:masterClrMapping/>
+  </p:clrMapOvr>
+</p:sld>
+</file>
+
+<file path=ppt/slides/slide37.xml><?xml version="1.0" encoding="utf-8"?>
+<p:sld xmlns:a="http://schemas.openxmlformats.org/drawingml/2006/main" xmlns:r="http://schemas.openxmlformats.org/officeDocument/2006/relationships" xmlns:p="http://schemas.openxmlformats.org/presentationml/2006/main">
+  <p:cSld>
+    <p:spTree>
+      <p:nvGrpSpPr>
+        <p:cNvPr id="1" name="Shape 353"/>
+        <p:cNvGrpSpPr/>
+        <p:nvPr/>
+      </p:nvGrpSpPr>
+      <p:grpSpPr>
+        <a:xfrm>
+          <a:off x="0" y="0"/>
+          <a:ext cx="0" cy="0"/>
+          <a:chOff x="0" y="0"/>
+          <a:chExt cx="0" cy="0"/>
+        </a:xfrm>
+      </p:grpSpPr>
+      <p:sp>
+        <p:nvSpPr>
+          <p:cNvPr id="354" name="Google Shape;354;p48"/>
+          <p:cNvSpPr txBox="1">
+            <a:spLocks noGrp="1"/>
+          </p:cNvSpPr>
+          <p:nvPr>
+            <p:ph type="title"/>
+          </p:nvPr>
+        </p:nvSpPr>
+        <p:spPr>
+          <a:xfrm>
+            <a:off x="311700" y="445025"/>
+            <a:ext cx="8520600" cy="613200"/>
+          </a:xfrm>
+          <a:prstGeom prst="rect">
+            <a:avLst/>
+          </a:prstGeom>
+        </p:spPr>
+        <p:txBody>
+          <a:bodyPr spcFirstLastPara="1" wrap="square" lIns="91425" tIns="91425" rIns="91425" bIns="91425" anchor="t" anchorCtr="0">
+            <a:normAutofit fontScale="90000"/>
+          </a:bodyPr>
+          <a:lstStyle/>
+          <a:p>
+            <a:pPr marL="0" lvl="0" indent="0" algn="l" rtl="0">
+              <a:spcBef>
+                <a:spcPts val="0"/>
+              </a:spcBef>
+              <a:spcAft>
+                <a:spcPts val="0"/>
+              </a:spcAft>
+              <a:buNone/>
+            </a:pPr>
+            <a:r>
+              <a:rPr lang="ru"/>
+              <a:t>Получение вероятности классификации</a:t>
+            </a:r>
+            <a:endParaRPr/>
+          </a:p>
+        </p:txBody>
+      </p:sp>
+      <p:sp>
+        <p:nvSpPr>
+          <p:cNvPr id="355" name="Google Shape;355;p48"/>
+          <p:cNvSpPr txBox="1">
+            <a:spLocks noGrp="1"/>
+          </p:cNvSpPr>
+          <p:nvPr>
+            <p:ph type="body" idx="1"/>
+          </p:nvPr>
+        </p:nvSpPr>
+        <p:spPr>
+          <a:xfrm>
+            <a:off x="311700" y="1171600"/>
+            <a:ext cx="8520600" cy="3397200"/>
+          </a:xfrm>
+          <a:prstGeom prst="rect">
+            <a:avLst/>
+          </a:prstGeom>
+        </p:spPr>
+        <p:txBody>
+          <a:bodyPr spcFirstLastPara="1" wrap="square" lIns="91425" tIns="91425" rIns="91425" bIns="91425" anchor="t" anchorCtr="0">
+            <a:normAutofit/>
+          </a:bodyPr>
+          <a:lstStyle/>
+          <a:p>
+            <a:pPr marL="457200" lvl="0" indent="-342900" algn="l" rtl="0">
+              <a:lnSpc>
+                <a:spcPct val="150000"/>
+              </a:lnSpc>
+              <a:spcBef>
+                <a:spcPts val="0"/>
+              </a:spcBef>
+              <a:spcAft>
+                <a:spcPts val="0"/>
+              </a:spcAft>
+              <a:buSzPts val="1800"/>
+              <a:buChar char="●"/>
+            </a:pPr>
+            <a:r>
+              <a:rPr lang="ru"/>
+              <a:t>мера принадлежности классу:   </a:t>
+            </a:r>
+            <a:endParaRPr/>
+          </a:p>
+          <a:p>
+            <a:pPr marL="457200" lvl="0" indent="-342900" algn="l" rtl="0">
+              <a:lnSpc>
+                <a:spcPct val="100000"/>
+              </a:lnSpc>
+              <a:spcBef>
+                <a:spcPts val="0"/>
+              </a:spcBef>
+              <a:spcAft>
+                <a:spcPts val="0"/>
+              </a:spcAft>
+              <a:buSzPts val="1800"/>
+              <a:buChar char="●"/>
+            </a:pPr>
+            <a:r>
+              <a:rPr lang="ru"/>
+              <a:t>вероятность принадлежности </a:t>
+            </a:r>
+            <a:br>
+              <a:rPr lang="ru"/>
+            </a:br>
+            <a:r>
+              <a:rPr lang="ru"/>
+              <a:t>к классу 1 против класса 0:</a:t>
+            </a:r>
+            <a:endParaRPr/>
+          </a:p>
+          <a:p>
+            <a:pPr marL="457200" lvl="0" indent="0" algn="l" rtl="0">
+              <a:lnSpc>
+                <a:spcPct val="150000"/>
+              </a:lnSpc>
+              <a:spcBef>
+                <a:spcPts val="1200"/>
+              </a:spcBef>
+              <a:spcAft>
+                <a:spcPts val="0"/>
+              </a:spcAft>
+              <a:buNone/>
+            </a:pPr>
+            <a:r>
+              <a:rPr lang="ru"/>
+              <a:t>Свойства функции     :</a:t>
+            </a:r>
+            <a:endParaRPr/>
+          </a:p>
+          <a:p>
+            <a:pPr marL="457200" lvl="0" indent="-342900" algn="l" rtl="0">
+              <a:lnSpc>
+                <a:spcPct val="200000"/>
+              </a:lnSpc>
+              <a:spcBef>
+                <a:spcPts val="1200"/>
+              </a:spcBef>
+              <a:spcAft>
+                <a:spcPts val="0"/>
+              </a:spcAft>
+              <a:buSzPts val="1800"/>
+              <a:buChar char="●"/>
+            </a:pPr>
+            <a:r>
+              <a:rPr lang="ru"/>
+              <a:t>         монотонно возрастает;</a:t>
+            </a:r>
+            <a:endParaRPr/>
+          </a:p>
+          <a:p>
+            <a:pPr marL="457200" lvl="0" indent="-342900" algn="l" rtl="0">
+              <a:lnSpc>
+                <a:spcPct val="200000"/>
+              </a:lnSpc>
+              <a:spcBef>
+                <a:spcPts val="0"/>
+              </a:spcBef>
+              <a:spcAft>
+                <a:spcPts val="0"/>
+              </a:spcAft>
+              <a:buSzPts val="1800"/>
+              <a:buChar char="●"/>
+            </a:pPr>
+            <a:r>
+              <a:rPr lang="ru"/>
+              <a:t>                  ;</a:t>
+            </a:r>
+            <a:endParaRPr/>
+          </a:p>
+          <a:p>
+            <a:pPr marL="457200" lvl="0" indent="-342900" algn="l" rtl="0">
+              <a:lnSpc>
+                <a:spcPct val="150000"/>
+              </a:lnSpc>
+              <a:spcBef>
+                <a:spcPts val="0"/>
+              </a:spcBef>
+              <a:spcAft>
+                <a:spcPts val="0"/>
+              </a:spcAft>
+              <a:buSzPts val="1800"/>
+              <a:buChar char="●"/>
+            </a:pPr>
+            <a:r>
+              <a:rPr lang="ru"/>
+              <a:t>                                                                  .</a:t>
+            </a:r>
+            <a:endParaRPr/>
+          </a:p>
+        </p:txBody>
+      </p:sp>
+      <p:pic>
+        <p:nvPicPr>
+          <p:cNvPr id="356" name="Google Shape;356;p48" descr="\langle x, w\rangle + b"/>
+          <p:cNvPicPr preferRelativeResize="0"/>
+          <p:nvPr/>
+        </p:nvPicPr>
+        <p:blipFill>
+          <a:blip r:embed="rId3">
+            <a:alphaModFix/>
+          </a:blip>
+          <a:stretch>
+            <a:fillRect/>
+          </a:stretch>
+        </p:blipFill>
+        <p:spPr>
+          <a:xfrm>
+            <a:off x="4444590" y="1221285"/>
+            <a:ext cx="1323700" cy="336600"/>
+          </a:xfrm>
+          <a:prstGeom prst="rect">
+            <a:avLst/>
+          </a:prstGeom>
+          <a:noFill/>
+          <a:ln>
+            <a:noFill/>
+          </a:ln>
+        </p:spPr>
+      </p:pic>
+      <p:pic>
+        <p:nvPicPr>
+          <p:cNvPr id="357" name="Google Shape;357;p48" descr="f(\langle x, w\rangle + b)"/>
+          <p:cNvPicPr preferRelativeResize="0"/>
+          <p:nvPr/>
+        </p:nvPicPr>
+        <p:blipFill>
+          <a:blip r:embed="rId4">
+            <a:alphaModFix/>
+          </a:blip>
+          <a:stretch>
+            <a:fillRect/>
+          </a:stretch>
+        </p:blipFill>
+        <p:spPr>
+          <a:xfrm>
+            <a:off x="4444600" y="1837625"/>
+            <a:ext cx="1754249" cy="336600"/>
+          </a:xfrm>
+          <a:prstGeom prst="rect">
+            <a:avLst/>
+          </a:prstGeom>
+          <a:noFill/>
+          <a:ln>
+            <a:noFill/>
+          </a:ln>
+        </p:spPr>
+      </p:pic>
+      <p:pic>
+        <p:nvPicPr>
+          <p:cNvPr id="358" name="Google Shape;358;p48" descr="f"/>
+          <p:cNvPicPr preferRelativeResize="0"/>
+          <p:nvPr/>
+        </p:nvPicPr>
+        <p:blipFill>
+          <a:blip r:embed="rId5">
+            <a:alphaModFix/>
+          </a:blip>
+          <a:stretch>
+            <a:fillRect/>
+          </a:stretch>
+        </p:blipFill>
+        <p:spPr>
+          <a:xfrm>
+            <a:off x="2877239" y="2368359"/>
+            <a:ext cx="186198" cy="336600"/>
+          </a:xfrm>
+          <a:prstGeom prst="rect">
+            <a:avLst/>
+          </a:prstGeom>
+          <a:noFill/>
+          <a:ln>
+            <a:noFill/>
+          </a:ln>
+        </p:spPr>
+      </p:pic>
+      <p:pic>
+        <p:nvPicPr>
+          <p:cNvPr id="359" name="Google Shape;359;p48" descr="f(z)"/>
+          <p:cNvPicPr preferRelativeResize="0"/>
+          <p:nvPr/>
+        </p:nvPicPr>
+        <p:blipFill>
+          <a:blip r:embed="rId6">
+            <a:alphaModFix/>
+          </a:blip>
+          <a:stretch>
+            <a:fillRect/>
+          </a:stretch>
+        </p:blipFill>
+        <p:spPr>
+          <a:xfrm>
+            <a:off x="850920" y="2942814"/>
+            <a:ext cx="501018" cy="302940"/>
+          </a:xfrm>
+          <a:prstGeom prst="rect">
+            <a:avLst/>
+          </a:prstGeom>
+          <a:noFill/>
+          <a:ln>
+            <a:noFill/>
+          </a:ln>
+        </p:spPr>
+      </p:pic>
+      <p:pic>
+        <p:nvPicPr>
+          <p:cNvPr id="360" name="Google Shape;360;p48" descr="f(0) = \frac12"/>
+          <p:cNvPicPr preferRelativeResize="0"/>
+          <p:nvPr/>
+        </p:nvPicPr>
+        <p:blipFill>
+          <a:blip r:embed="rId7">
+            <a:alphaModFix/>
+          </a:blip>
+          <a:stretch>
+            <a:fillRect/>
+          </a:stretch>
+        </p:blipFill>
+        <p:spPr>
+          <a:xfrm>
+            <a:off x="841470" y="3325179"/>
+            <a:ext cx="1106250" cy="637375"/>
+          </a:xfrm>
+          <a:prstGeom prst="rect">
+            <a:avLst/>
+          </a:prstGeom>
+          <a:noFill/>
+          <a:ln>
+            <a:noFill/>
+          </a:ln>
+        </p:spPr>
+      </p:pic>
+      <p:pic>
+        <p:nvPicPr>
+          <p:cNvPr id="361" name="Google Shape;361;p48" descr="\lim\limits_{z \rightarrow -\infty} f(z) = 0, \lim\limits_{z \rightarrow +\infty} f(z) = 1"/>
+          <p:cNvPicPr preferRelativeResize="0"/>
+          <p:nvPr/>
+        </p:nvPicPr>
+        <p:blipFill>
+          <a:blip r:embed="rId8">
+            <a:alphaModFix/>
+          </a:blip>
+          <a:stretch>
+            <a:fillRect/>
+          </a:stretch>
+        </p:blipFill>
+        <p:spPr>
+          <a:xfrm>
+            <a:off x="823125" y="4107450"/>
+            <a:ext cx="4205499" cy="461425"/>
+          </a:xfrm>
+          <a:prstGeom prst="rect">
+            <a:avLst/>
+          </a:prstGeom>
+          <a:noFill/>
+          <a:ln>
+            <a:noFill/>
+          </a:ln>
+        </p:spPr>
+      </p:pic>
+    </p:spTree>
+  </p:cSld>
+  <p:clrMapOvr>
+    <a:masterClrMapping/>
+  </p:clrMapOvr>
+</p:sld>
+</file>
+
+<file path=ppt/slides/slide38.xml><?xml version="1.0" encoding="utf-8"?>
+<p:sld xmlns:a="http://schemas.openxmlformats.org/drawingml/2006/main" xmlns:r="http://schemas.openxmlformats.org/officeDocument/2006/relationships" xmlns:p="http://schemas.openxmlformats.org/presentationml/2006/main">
+  <p:cSld>
+    <p:spTree>
+      <p:nvGrpSpPr>
+        <p:cNvPr id="1" name="Shape 365"/>
+        <p:cNvGrpSpPr/>
+        <p:nvPr/>
+      </p:nvGrpSpPr>
+      <p:grpSpPr>
+        <a:xfrm>
+          <a:off x="0" y="0"/>
+          <a:ext cx="0" cy="0"/>
+          <a:chOff x="0" y="0"/>
+          <a:chExt cx="0" cy="0"/>
+        </a:xfrm>
+      </p:grpSpPr>
+      <p:sp>
+        <p:nvSpPr>
+          <p:cNvPr id="366" name="Google Shape;366;p49"/>
+          <p:cNvSpPr txBox="1">
+            <a:spLocks noGrp="1"/>
+          </p:cNvSpPr>
+          <p:nvPr>
+            <p:ph type="title"/>
+          </p:nvPr>
+        </p:nvSpPr>
+        <p:spPr>
+          <a:xfrm>
+            <a:off x="311700" y="445025"/>
+            <a:ext cx="8520600" cy="613200"/>
+          </a:xfrm>
+          <a:prstGeom prst="rect">
+            <a:avLst/>
+          </a:prstGeom>
+        </p:spPr>
+        <p:txBody>
+          <a:bodyPr spcFirstLastPara="1" wrap="square" lIns="91425" tIns="91425" rIns="91425" bIns="91425" anchor="t" anchorCtr="0">
+            <a:normAutofit fontScale="90000"/>
+          </a:bodyPr>
+          <a:lstStyle/>
+          <a:p>
+            <a:pPr marL="0" lvl="0" indent="0" algn="l" rtl="0">
+              <a:spcBef>
+                <a:spcPts val="0"/>
+              </a:spcBef>
+              <a:spcAft>
+                <a:spcPts val="0"/>
+              </a:spcAft>
+              <a:buNone/>
+            </a:pPr>
+            <a:r>
+              <a:rPr lang="ru"/>
+              <a:t>Сигмоида</a:t>
+            </a:r>
+            <a:endParaRPr/>
+          </a:p>
+        </p:txBody>
+      </p:sp>
+      <p:pic>
+        <p:nvPicPr>
+          <p:cNvPr id="367" name="Google Shape;367;p49"/>
+          <p:cNvPicPr preferRelativeResize="0"/>
+          <p:nvPr/>
+        </p:nvPicPr>
+        <p:blipFill>
+          <a:blip r:embed="rId3">
+            <a:alphaModFix/>
+          </a:blip>
+          <a:stretch>
+            <a:fillRect/>
+          </a:stretch>
+        </p:blipFill>
+        <p:spPr>
+          <a:xfrm>
+            <a:off x="3525395" y="1207198"/>
+            <a:ext cx="4589326" cy="2753625"/>
+          </a:xfrm>
+          <a:prstGeom prst="rect">
+            <a:avLst/>
+          </a:prstGeom>
+          <a:noFill/>
+          <a:ln>
+            <a:noFill/>
+          </a:ln>
+        </p:spPr>
+      </p:pic>
+      <p:pic>
+        <p:nvPicPr>
+          <p:cNvPr id="368" name="Google Shape;368;p49" descr="\sigma(z) = \frac{1}{1 + e^{-z}}"/>
+          <p:cNvPicPr preferRelativeResize="0"/>
+          <p:nvPr/>
+        </p:nvPicPr>
+        <p:blipFill>
+          <a:blip r:embed="rId4">
+            <a:alphaModFix/>
+          </a:blip>
+          <a:stretch>
+            <a:fillRect/>
+          </a:stretch>
+        </p:blipFill>
+        <p:spPr>
+          <a:xfrm>
+            <a:off x="737525" y="2317581"/>
+            <a:ext cx="2490950" cy="827775"/>
+          </a:xfrm>
+          <a:prstGeom prst="rect">
+            <a:avLst/>
+          </a:prstGeom>
+          <a:noFill/>
+          <a:ln>
+            <a:noFill/>
+          </a:ln>
+        </p:spPr>
+      </p:pic>
+    </p:spTree>
+  </p:cSld>
+  <p:clrMapOvr>
+    <a:masterClrMapping/>
+  </p:clrMapOvr>
+</p:sld>
+</file>
+
+<file path=ppt/slides/slide39.xml><?xml version="1.0" encoding="utf-8"?>
+<p:sld xmlns:a="http://schemas.openxmlformats.org/drawingml/2006/main" xmlns:r="http://schemas.openxmlformats.org/officeDocument/2006/relationships" xmlns:p="http://schemas.openxmlformats.org/presentationml/2006/main">
+  <p:cSld>
+    <p:spTree>
+      <p:nvGrpSpPr>
+        <p:cNvPr id="1" name="Shape 372"/>
+        <p:cNvGrpSpPr/>
+        <p:nvPr/>
+      </p:nvGrpSpPr>
+      <p:grpSpPr>
+        <a:xfrm>
+          <a:off x="0" y="0"/>
+          <a:ext cx="0" cy="0"/>
+          <a:chOff x="0" y="0"/>
+          <a:chExt cx="0" cy="0"/>
+        </a:xfrm>
+      </p:grpSpPr>
+      <p:sp>
+        <p:nvSpPr>
+          <p:cNvPr id="373" name="Google Shape;373;p50"/>
+          <p:cNvSpPr txBox="1">
+            <a:spLocks noGrp="1"/>
+          </p:cNvSpPr>
+          <p:nvPr>
+            <p:ph type="title"/>
+          </p:nvPr>
+        </p:nvSpPr>
+        <p:spPr>
+          <a:xfrm>
+            <a:off x="311700" y="445025"/>
+            <a:ext cx="8520600" cy="613200"/>
+          </a:xfrm>
+          <a:prstGeom prst="rect">
+            <a:avLst/>
+          </a:prstGeom>
+        </p:spPr>
+        <p:txBody>
+          <a:bodyPr spcFirstLastPara="1" wrap="square" lIns="91425" tIns="91425" rIns="91425" bIns="91425" anchor="t" anchorCtr="0">
+            <a:normAutofit fontScale="90000"/>
+          </a:bodyPr>
+          <a:lstStyle/>
+          <a:p>
+            <a:pPr marL="0" lvl="0" indent="0" algn="l" rtl="0">
+              <a:spcBef>
+                <a:spcPts val="0"/>
+              </a:spcBef>
+              <a:spcAft>
+                <a:spcPts val="0"/>
+              </a:spcAft>
+              <a:buNone/>
+            </a:pPr>
+            <a:r>
+              <a:rPr lang="ru"/>
+              <a:t>Оптимизация для логистической регрессии</a:t>
+            </a:r>
+            <a:endParaRPr/>
+          </a:p>
+        </p:txBody>
+      </p:sp>
+      <p:sp>
+        <p:nvSpPr>
+          <p:cNvPr id="374" name="Google Shape;374;p50"/>
+          <p:cNvSpPr txBox="1">
+            <a:spLocks noGrp="1"/>
+          </p:cNvSpPr>
+          <p:nvPr>
+            <p:ph type="body" idx="1"/>
+          </p:nvPr>
+        </p:nvSpPr>
+        <p:spPr>
+          <a:xfrm>
+            <a:off x="311700" y="1171600"/>
+            <a:ext cx="8520600" cy="3397200"/>
+          </a:xfrm>
+          <a:prstGeom prst="rect">
+            <a:avLst/>
+          </a:prstGeom>
+        </p:spPr>
+        <p:txBody>
+          <a:bodyPr spcFirstLastPara="1" wrap="square" lIns="91425" tIns="91425" rIns="91425" bIns="91425" anchor="t" anchorCtr="0">
+            <a:normAutofit/>
+          </a:bodyPr>
+          <a:lstStyle/>
+          <a:p>
+            <a:pPr marL="457200" lvl="0" indent="-342900" algn="l" rtl="0">
+              <a:lnSpc>
+                <a:spcPct val="150000"/>
+              </a:lnSpc>
+              <a:spcBef>
+                <a:spcPts val="0"/>
+              </a:spcBef>
+              <a:spcAft>
+                <a:spcPts val="0"/>
+              </a:spcAft>
+              <a:buSzPts val="1800"/>
+              <a:buChar char="●"/>
+            </a:pPr>
+            <a:r>
+              <a:rPr lang="ru"/>
+              <a:t>Вероятность принадлежности к классу 1: </a:t>
+            </a:r>
+            <a:endParaRPr/>
+          </a:p>
+          <a:p>
+            <a:pPr marL="457200" lvl="0" indent="-342900" algn="l" rtl="0">
+              <a:lnSpc>
+                <a:spcPct val="150000"/>
+              </a:lnSpc>
+              <a:spcBef>
+                <a:spcPts val="0"/>
+              </a:spcBef>
+              <a:spcAft>
+                <a:spcPts val="0"/>
+              </a:spcAft>
+              <a:buSzPts val="1800"/>
+              <a:buChar char="●"/>
+            </a:pPr>
+            <a:endParaRPr/>
+          </a:p>
+          <a:p>
+            <a:pPr marL="457200" lvl="0" indent="-342900" algn="l" rtl="0">
+              <a:lnSpc>
+                <a:spcPct val="150000"/>
+              </a:lnSpc>
+              <a:spcBef>
+                <a:spcPts val="0"/>
+              </a:spcBef>
+              <a:spcAft>
+                <a:spcPts val="0"/>
+              </a:spcAft>
+              <a:buSzPts val="1800"/>
+              <a:buChar char="●"/>
+            </a:pPr>
+            <a:endParaRPr/>
+          </a:p>
+          <a:p>
+            <a:pPr marL="457200" lvl="0" indent="-342900" algn="l" rtl="0">
+              <a:lnSpc>
+                <a:spcPct val="150000"/>
+              </a:lnSpc>
+              <a:spcBef>
+                <a:spcPts val="0"/>
+              </a:spcBef>
+              <a:spcAft>
+                <a:spcPts val="0"/>
+              </a:spcAft>
+              <a:buSzPts val="1800"/>
+              <a:buChar char="●"/>
+            </a:pPr>
+            <a:r>
+              <a:rPr lang="ru"/>
+              <a:t>Задача оптимизации:</a:t>
+            </a:r>
+            <a:br>
+              <a:rPr lang="ru"/>
+            </a:br>
+            <a:endParaRPr/>
+          </a:p>
+          <a:p>
+            <a:pPr marL="457200" lvl="0" indent="-342900" algn="l" rtl="0">
+              <a:lnSpc>
+                <a:spcPct val="150000"/>
+              </a:lnSpc>
+              <a:spcBef>
+                <a:spcPts val="0"/>
+              </a:spcBef>
+              <a:spcAft>
+                <a:spcPts val="0"/>
+              </a:spcAft>
+              <a:buSzPts val="1800"/>
+              <a:buChar char="●"/>
+            </a:pPr>
+            <a:r>
+              <a:rPr lang="ru"/>
+              <a:t>Логистическая функция потерь:</a:t>
+            </a:r>
+            <a:endParaRPr sz="1100">
+              <a:solidFill>
+                <a:schemeClr val="dk1"/>
+              </a:solidFill>
+            </a:endParaRPr>
+          </a:p>
+        </p:txBody>
+      </p:sp>
+      <p:pic>
+        <p:nvPicPr>
+          <p:cNvPr id="375" name="Google Shape;375;p50" descr="\mathrm{P}_{w,b}(x) = \sigma(\langle x,w \rangle + b)"/>
+          <p:cNvPicPr preferRelativeResize="0"/>
+          <p:nvPr/>
+        </p:nvPicPr>
+        <p:blipFill>
+          <a:blip r:embed="rId3">
+            <a:alphaModFix/>
+          </a:blip>
+          <a:stretch>
+            <a:fillRect/>
+          </a:stretch>
+        </p:blipFill>
+        <p:spPr>
+          <a:xfrm>
+            <a:off x="5455515" y="1228681"/>
+            <a:ext cx="2986807" cy="357930"/>
+          </a:xfrm>
+          <a:prstGeom prst="rect">
+            <a:avLst/>
+          </a:prstGeom>
+          <a:noFill/>
+          <a:ln>
+            <a:noFill/>
+          </a:ln>
+        </p:spPr>
+      </p:pic>
+      <p:pic>
+        <p:nvPicPr>
+          <p:cNvPr id="376" name="Google Shape;376;p50" descr="y^i = 1 \Rightarrow \mathrm{P}_{w,b}(x) \rightarrow 1"/>
+          <p:cNvPicPr preferRelativeResize="0"/>
+          <p:nvPr/>
+        </p:nvPicPr>
+        <p:blipFill>
+          <a:blip r:embed="rId4">
+            <a:alphaModFix/>
+          </a:blip>
+          <a:stretch>
+            <a:fillRect/>
+          </a:stretch>
+        </p:blipFill>
+        <p:spPr>
+          <a:xfrm>
+            <a:off x="850940" y="1550187"/>
+            <a:ext cx="2878950" cy="427882"/>
+          </a:xfrm>
+          <a:prstGeom prst="rect">
+            <a:avLst/>
+          </a:prstGeom>
+          <a:noFill/>
+          <a:ln>
+            <a:noFill/>
+          </a:ln>
+        </p:spPr>
+      </p:pic>
+      <p:pic>
+        <p:nvPicPr>
+          <p:cNvPr id="377" name="Google Shape;377;p50" descr="y^i = -1 \Rightarrow \mathrm{P}_{w,b}(x) \rightarrow 0"/>
+          <p:cNvPicPr preferRelativeResize="0"/>
+          <p:nvPr/>
+        </p:nvPicPr>
+        <p:blipFill>
+          <a:blip r:embed="rId5">
+            <a:alphaModFix/>
+          </a:blip>
+          <a:stretch>
+            <a:fillRect/>
+          </a:stretch>
+        </p:blipFill>
+        <p:spPr>
+          <a:xfrm>
+            <a:off x="850950" y="1949406"/>
+            <a:ext cx="3135754" cy="427882"/>
+          </a:xfrm>
+          <a:prstGeom prst="rect">
+            <a:avLst/>
+          </a:prstGeom>
+          <a:noFill/>
+          <a:ln>
+            <a:noFill/>
+          </a:ln>
+        </p:spPr>
+      </p:pic>
+      <p:pic>
+        <p:nvPicPr>
+          <p:cNvPr id="378" name="Google Shape;378;p50" descr="-\sum_{y^i = 1} \ln \mathrm{P}_{w,b}(x^i) - \sum_{y^i = -1} \ln (1 - \mathrm{P}_{w,b}(x^i)) \rightarrow \min\limits_{w,b} "/>
+          <p:cNvPicPr preferRelativeResize="0"/>
+          <p:nvPr/>
+        </p:nvPicPr>
+        <p:blipFill>
+          <a:blip r:embed="rId6">
+            <a:alphaModFix/>
+          </a:blip>
+          <a:stretch>
+            <a:fillRect/>
+          </a:stretch>
+        </p:blipFill>
+        <p:spPr>
+          <a:xfrm>
+            <a:off x="3054888" y="3725301"/>
+            <a:ext cx="4604574" cy="535584"/>
+          </a:xfrm>
+          <a:prstGeom prst="rect">
+            <a:avLst/>
+          </a:prstGeom>
+          <a:noFill/>
+          <a:ln>
+            <a:noFill/>
+          </a:ln>
+        </p:spPr>
+      </p:pic>
+      <p:pic>
+        <p:nvPicPr>
+          <p:cNvPr id="379" name="Google Shape;379;p50" descr="\prod\limits_{y^i = 1} \mathrm{P}_{w,b}(x^i) \cdot \prod\limits_{y^i = -1}(1-\mathrm{P}_{w,b}(x^i))\rightarrow \max\limits_{w,b} "/>
+          <p:cNvPicPr preferRelativeResize="0"/>
+          <p:nvPr/>
+        </p:nvPicPr>
+        <p:blipFill>
+          <a:blip r:embed="rId7">
+            <a:alphaModFix/>
+          </a:blip>
+          <a:stretch>
+            <a:fillRect/>
+          </a:stretch>
+        </p:blipFill>
+        <p:spPr>
+          <a:xfrm>
+            <a:off x="3388350" y="2721610"/>
+            <a:ext cx="3937647" cy="544065"/>
+          </a:xfrm>
+          <a:prstGeom prst="rect">
+            <a:avLst/>
+          </a:prstGeom>
+          <a:noFill/>
+          <a:ln>
+            <a:noFill/>
+          </a:ln>
+        </p:spPr>
+      </p:pic>
+    </p:spTree>
+  </p:cSld>
+  <p:clrMapOvr>
+    <a:masterClrMapping/>
+  </p:clrMapOvr>
+</p:sld>
+</file>
+
+<file path=ppt/slides/slide4.xml><?xml version="1.0" encoding="utf-8"?>
 <p:sld xmlns:a="http://schemas.openxmlformats.org/drawingml/2006/main" xmlns:r="http://schemas.openxmlformats.org/officeDocument/2006/relationships" xmlns:p="http://schemas.openxmlformats.org/presentationml/2006/main">
   <p:cSld>
     <p:spTree>
@@ -16651,2251 +19149,7 @@
 </p:sld>
 </file>
 
-<file path=ppt/slides/slide30.xml><?xml version="1.0" encoding="utf-8"?>
-<p:sld xmlns:a="http://schemas.openxmlformats.org/drawingml/2006/main" xmlns:r="http://schemas.openxmlformats.org/officeDocument/2006/relationships" xmlns:p="http://schemas.openxmlformats.org/presentationml/2006/main">
-  <p:cSld>
-    <p:spTree>
-      <p:nvGrpSpPr>
-        <p:cNvPr id="1" name="Shape 297"/>
-        <p:cNvGrpSpPr/>
-        <p:nvPr/>
-      </p:nvGrpSpPr>
-      <p:grpSpPr>
-        <a:xfrm>
-          <a:off x="0" y="0"/>
-          <a:ext cx="0" cy="0"/>
-          <a:chOff x="0" y="0"/>
-          <a:chExt cx="0" cy="0"/>
-        </a:xfrm>
-      </p:grpSpPr>
-      <p:sp>
-        <p:nvSpPr>
-          <p:cNvPr id="298" name="Google Shape;298;p42"/>
-          <p:cNvSpPr txBox="1">
-            <a:spLocks noGrp="1"/>
-          </p:cNvSpPr>
-          <p:nvPr>
-            <p:ph type="title"/>
-          </p:nvPr>
-        </p:nvSpPr>
-        <p:spPr>
-          <a:xfrm>
-            <a:off x="512700" y="1893300"/>
-            <a:ext cx="8118600" cy="1522800"/>
-          </a:xfrm>
-          <a:prstGeom prst="rect">
-            <a:avLst/>
-          </a:prstGeom>
-        </p:spPr>
-        <p:txBody>
-          <a:bodyPr spcFirstLastPara="1" wrap="square" lIns="91425" tIns="91425" rIns="91425" bIns="91425" anchor="b" anchorCtr="0">
-            <a:normAutofit/>
-          </a:bodyPr>
-          <a:lstStyle/>
-          <a:p>
-            <a:pPr marL="0" lvl="0" indent="0" algn="l" rtl="0">
-              <a:spcBef>
-                <a:spcPts val="0"/>
-              </a:spcBef>
-              <a:spcAft>
-                <a:spcPts val="0"/>
-              </a:spcAft>
-              <a:buNone/>
-            </a:pPr>
-            <a:r>
-              <a:rPr lang="ru" sz="3600"/>
-              <a:t>Логистическая регрессия</a:t>
-            </a:r>
-            <a:endParaRPr sz="3600"/>
-          </a:p>
-        </p:txBody>
-      </p:sp>
-    </p:spTree>
-  </p:cSld>
-  <p:clrMapOvr>
-    <a:masterClrMapping/>
-  </p:clrMapOvr>
-</p:sld>
-</file>
-
-<file path=ppt/slides/slide31.xml><?xml version="1.0" encoding="utf-8"?>
-<p:sld xmlns:a="http://schemas.openxmlformats.org/drawingml/2006/main" xmlns:r="http://schemas.openxmlformats.org/officeDocument/2006/relationships" xmlns:p="http://schemas.openxmlformats.org/presentationml/2006/main">
-  <p:cSld>
-    <p:spTree>
-      <p:nvGrpSpPr>
-        <p:cNvPr id="1" name="Shape 302"/>
-        <p:cNvGrpSpPr/>
-        <p:nvPr/>
-      </p:nvGrpSpPr>
-      <p:grpSpPr>
-        <a:xfrm>
-          <a:off x="0" y="0"/>
-          <a:ext cx="0" cy="0"/>
-          <a:chOff x="0" y="0"/>
-          <a:chExt cx="0" cy="0"/>
-        </a:xfrm>
-      </p:grpSpPr>
-      <p:sp>
-        <p:nvSpPr>
-          <p:cNvPr id="303" name="Google Shape;303;p43"/>
-          <p:cNvSpPr txBox="1">
-            <a:spLocks noGrp="1"/>
-          </p:cNvSpPr>
-          <p:nvPr>
-            <p:ph type="title"/>
-          </p:nvPr>
-        </p:nvSpPr>
-        <p:spPr>
-          <a:xfrm>
-            <a:off x="311700" y="445025"/>
-            <a:ext cx="8520600" cy="613200"/>
-          </a:xfrm>
-          <a:prstGeom prst="rect">
-            <a:avLst/>
-          </a:prstGeom>
-        </p:spPr>
-        <p:txBody>
-          <a:bodyPr spcFirstLastPara="1" wrap="square" lIns="91425" tIns="91425" rIns="91425" bIns="91425" anchor="t" anchorCtr="0">
-            <a:normAutofit fontScale="90000"/>
-          </a:bodyPr>
-          <a:lstStyle/>
-          <a:p>
-            <a:pPr marL="0" lvl="0" indent="0" algn="l" rtl="0">
-              <a:spcBef>
-                <a:spcPts val="0"/>
-              </a:spcBef>
-              <a:spcAft>
-                <a:spcPts val="0"/>
-              </a:spcAft>
-              <a:buNone/>
-            </a:pPr>
-            <a:r>
-              <a:rPr lang="ru"/>
-              <a:t>Задача классификации</a:t>
-            </a:r>
-            <a:endParaRPr/>
-          </a:p>
-        </p:txBody>
-      </p:sp>
-      <p:sp>
-        <p:nvSpPr>
-          <p:cNvPr id="304" name="Google Shape;304;p43"/>
-          <p:cNvSpPr txBox="1">
-            <a:spLocks noGrp="1"/>
-          </p:cNvSpPr>
-          <p:nvPr>
-            <p:ph type="body" idx="1"/>
-          </p:nvPr>
-        </p:nvSpPr>
-        <p:spPr>
-          <a:xfrm>
-            <a:off x="311700" y="1152475"/>
-            <a:ext cx="8520600" cy="1242600"/>
-          </a:xfrm>
-          <a:prstGeom prst="rect">
-            <a:avLst/>
-          </a:prstGeom>
-        </p:spPr>
-        <p:txBody>
-          <a:bodyPr spcFirstLastPara="1" wrap="square" lIns="91425" tIns="91425" rIns="91425" bIns="91425" anchor="t" anchorCtr="0">
-            <a:normAutofit/>
-          </a:bodyPr>
-          <a:lstStyle/>
-          <a:p>
-            <a:pPr marL="457200" lvl="0" indent="-342900" algn="l" rtl="0">
-              <a:spcBef>
-                <a:spcPts val="0"/>
-              </a:spcBef>
-              <a:spcAft>
-                <a:spcPts val="0"/>
-              </a:spcAft>
-              <a:buSzPts val="1800"/>
-              <a:buChar char="●"/>
-            </a:pPr>
-            <a:r>
-              <a:rPr lang="ru"/>
-              <a:t>Предсказание выживших пассажиров Титаника</a:t>
-            </a:r>
-            <a:endParaRPr/>
-          </a:p>
-          <a:p>
-            <a:pPr marL="457200" lvl="0" indent="-342900" algn="l" rtl="0">
-              <a:spcBef>
-                <a:spcPts val="0"/>
-              </a:spcBef>
-              <a:spcAft>
-                <a:spcPts val="0"/>
-              </a:spcAft>
-              <a:buSzPts val="1800"/>
-              <a:buChar char="●"/>
-            </a:pPr>
-            <a:r>
-              <a:rPr lang="ru"/>
-              <a:t>Классы: 1 (выжил) и -1 (не выжил)</a:t>
-            </a:r>
-            <a:endParaRPr/>
-          </a:p>
-          <a:p>
-            <a:pPr marL="457200" lvl="0" indent="-342900" algn="l" rtl="0">
-              <a:spcBef>
-                <a:spcPts val="0"/>
-              </a:spcBef>
-              <a:spcAft>
-                <a:spcPts val="0"/>
-              </a:spcAft>
-              <a:buSzPts val="1800"/>
-              <a:buChar char="●"/>
-            </a:pPr>
-            <a:r>
-              <a:rPr lang="ru"/>
-              <a:t>Признаки объектов: возраст, пол</a:t>
-            </a:r>
-            <a:endParaRPr/>
-          </a:p>
-        </p:txBody>
-      </p:sp>
-      <p:pic>
-        <p:nvPicPr>
-          <p:cNvPr id="305" name="Google Shape;305;p43"/>
-          <p:cNvPicPr preferRelativeResize="0"/>
-          <p:nvPr/>
-        </p:nvPicPr>
-        <p:blipFill>
-          <a:blip r:embed="rId3">
-            <a:alphaModFix/>
-          </a:blip>
-          <a:stretch>
-            <a:fillRect/>
-          </a:stretch>
-        </p:blipFill>
-        <p:spPr>
-          <a:xfrm>
-            <a:off x="2264713" y="2395075"/>
-            <a:ext cx="4614570" cy="2443625"/>
-          </a:xfrm>
-          <a:prstGeom prst="rect">
-            <a:avLst/>
-          </a:prstGeom>
-          <a:noFill/>
-          <a:ln>
-            <a:noFill/>
-          </a:ln>
-        </p:spPr>
-      </p:pic>
-    </p:spTree>
-  </p:cSld>
-  <p:clrMapOvr>
-    <a:masterClrMapping/>
-  </p:clrMapOvr>
-</p:sld>
-</file>
-
-<file path=ppt/slides/slide32.xml><?xml version="1.0" encoding="utf-8"?>
-<p:sld xmlns:a="http://schemas.openxmlformats.org/drawingml/2006/main" xmlns:r="http://schemas.openxmlformats.org/officeDocument/2006/relationships" xmlns:p="http://schemas.openxmlformats.org/presentationml/2006/main">
-  <p:cSld>
-    <p:spTree>
-      <p:nvGrpSpPr>
-        <p:cNvPr id="1" name="Shape 309"/>
-        <p:cNvGrpSpPr/>
-        <p:nvPr/>
-      </p:nvGrpSpPr>
-      <p:grpSpPr>
-        <a:xfrm>
-          <a:off x="0" y="0"/>
-          <a:ext cx="0" cy="0"/>
-          <a:chOff x="0" y="0"/>
-          <a:chExt cx="0" cy="0"/>
-        </a:xfrm>
-      </p:grpSpPr>
-      <p:sp>
-        <p:nvSpPr>
-          <p:cNvPr id="310" name="Google Shape;310;p44"/>
-          <p:cNvSpPr txBox="1">
-            <a:spLocks noGrp="1"/>
-          </p:cNvSpPr>
-          <p:nvPr>
-            <p:ph type="title"/>
-          </p:nvPr>
-        </p:nvSpPr>
-        <p:spPr>
-          <a:xfrm>
-            <a:off x="311700" y="445025"/>
-            <a:ext cx="8520600" cy="613200"/>
-          </a:xfrm>
-          <a:prstGeom prst="rect">
-            <a:avLst/>
-          </a:prstGeom>
-        </p:spPr>
-        <p:txBody>
-          <a:bodyPr spcFirstLastPara="1" wrap="square" lIns="91425" tIns="91425" rIns="91425" bIns="91425" anchor="t" anchorCtr="0">
-            <a:normAutofit fontScale="90000"/>
-          </a:bodyPr>
-          <a:lstStyle/>
-          <a:p>
-            <a:pPr marL="0" lvl="0" indent="0" algn="l" rtl="0">
-              <a:spcBef>
-                <a:spcPts val="0"/>
-              </a:spcBef>
-              <a:spcAft>
-                <a:spcPts val="0"/>
-              </a:spcAft>
-              <a:buNone/>
-            </a:pPr>
-            <a:r>
-              <a:rPr lang="ru"/>
-              <a:t>Линейная классификация</a:t>
-            </a:r>
-            <a:endParaRPr/>
-          </a:p>
-        </p:txBody>
-      </p:sp>
-      <p:sp>
-        <p:nvSpPr>
-          <p:cNvPr id="311" name="Google Shape;311;p44"/>
-          <p:cNvSpPr txBox="1">
-            <a:spLocks noGrp="1"/>
-          </p:cNvSpPr>
-          <p:nvPr>
-            <p:ph type="body" idx="1"/>
-          </p:nvPr>
-        </p:nvSpPr>
-        <p:spPr>
-          <a:xfrm>
-            <a:off x="311700" y="1152475"/>
-            <a:ext cx="8520600" cy="1242600"/>
-          </a:xfrm>
-          <a:prstGeom prst="rect">
-            <a:avLst/>
-          </a:prstGeom>
-        </p:spPr>
-        <p:txBody>
-          <a:bodyPr spcFirstLastPara="1" wrap="square" lIns="91425" tIns="91425" rIns="91425" bIns="91425" anchor="t" anchorCtr="0">
-            <a:normAutofit/>
-          </a:bodyPr>
-          <a:lstStyle/>
-          <a:p>
-            <a:pPr marL="457200" lvl="0" indent="-342900" algn="l" rtl="0">
-              <a:spcBef>
-                <a:spcPts val="0"/>
-              </a:spcBef>
-              <a:spcAft>
-                <a:spcPts val="0"/>
-              </a:spcAft>
-              <a:buSzPts val="1800"/>
-              <a:buChar char="●"/>
-            </a:pPr>
-            <a:r>
-              <a:rPr lang="ru"/>
-              <a:t>Предсказание выживших пассажиров Титаника</a:t>
-            </a:r>
-            <a:endParaRPr/>
-          </a:p>
-          <a:p>
-            <a:pPr marL="457200" lvl="0" indent="-342900" algn="l" rtl="0">
-              <a:spcBef>
-                <a:spcPts val="0"/>
-              </a:spcBef>
-              <a:spcAft>
-                <a:spcPts val="0"/>
-              </a:spcAft>
-              <a:buSzPts val="1800"/>
-              <a:buChar char="●"/>
-            </a:pPr>
-            <a:r>
-              <a:rPr lang="ru"/>
-              <a:t>Классы: 1 (выжил) и -1 (не выжил)</a:t>
-            </a:r>
-            <a:endParaRPr/>
-          </a:p>
-          <a:p>
-            <a:pPr marL="457200" lvl="0" indent="-342900" algn="l" rtl="0">
-              <a:spcBef>
-                <a:spcPts val="0"/>
-              </a:spcBef>
-              <a:spcAft>
-                <a:spcPts val="0"/>
-              </a:spcAft>
-              <a:buSzPts val="1800"/>
-              <a:buChar char="●"/>
-            </a:pPr>
-            <a:r>
-              <a:rPr lang="ru"/>
-              <a:t>Признаки объектов: возраст, пол</a:t>
-            </a:r>
-            <a:endParaRPr/>
-          </a:p>
-        </p:txBody>
-      </p:sp>
-      <p:pic>
-        <p:nvPicPr>
-          <p:cNvPr id="312" name="Google Shape;312;p44"/>
-          <p:cNvPicPr preferRelativeResize="0"/>
-          <p:nvPr/>
-        </p:nvPicPr>
-        <p:blipFill>
-          <a:blip r:embed="rId3">
-            <a:alphaModFix/>
-          </a:blip>
-          <a:stretch>
-            <a:fillRect/>
-          </a:stretch>
-        </p:blipFill>
-        <p:spPr>
-          <a:xfrm>
-            <a:off x="2264713" y="2395075"/>
-            <a:ext cx="4614570" cy="2443625"/>
-          </a:xfrm>
-          <a:prstGeom prst="rect">
-            <a:avLst/>
-          </a:prstGeom>
-          <a:noFill/>
-          <a:ln>
-            <a:noFill/>
-          </a:ln>
-        </p:spPr>
-      </p:pic>
-      <p:cxnSp>
-        <p:nvCxnSpPr>
-          <p:cNvPr id="313" name="Google Shape;313;p44"/>
-          <p:cNvCxnSpPr/>
-          <p:nvPr/>
-        </p:nvCxnSpPr>
-        <p:spPr>
-          <a:xfrm flipH="1">
-            <a:off x="3327975" y="3072845"/>
-            <a:ext cx="4529100" cy="1853100"/>
-          </a:xfrm>
-          <a:prstGeom prst="straightConnector1">
-            <a:avLst/>
-          </a:prstGeom>
-          <a:noFill/>
-          <a:ln w="19050" cap="flat" cmpd="sng">
-            <a:solidFill>
-              <a:schemeClr val="dk2"/>
-            </a:solidFill>
-            <a:prstDash val="solid"/>
-            <a:round/>
-            <a:headEnd type="none" w="med" len="med"/>
-            <a:tailEnd type="none" w="med" len="med"/>
-          </a:ln>
-        </p:spPr>
-      </p:cxnSp>
-      <p:sp>
-        <p:nvSpPr>
-          <p:cNvPr id="7" name="TextBox 6">
-            <a:extLst>
-              <a:ext uri="{FF2B5EF4-FFF2-40B4-BE49-F238E27FC236}">
-                <a16:creationId xmlns:a16="http://schemas.microsoft.com/office/drawing/2014/main" id="{D2C46802-4663-4143-88C0-082FCD21129E}"/>
-              </a:ext>
-            </a:extLst>
-          </p:cNvPr>
-          <p:cNvSpPr txBox="1"/>
-          <p:nvPr/>
-        </p:nvSpPr>
-        <p:spPr>
-          <a:xfrm>
-            <a:off x="2286000" y="2418830"/>
-            <a:ext cx="4572000" cy="307777"/>
-          </a:xfrm>
-          <a:prstGeom prst="rect">
-            <a:avLst/>
-          </a:prstGeom>
-          <a:noFill/>
-        </p:spPr>
-        <p:txBody>
-          <a:bodyPr wrap="square">
-            <a:spAutoFit/>
-          </a:bodyPr>
-          <a:lstStyle/>
-          <a:p>
-            <a:r>
-              <a:rPr lang="en-RU" dirty="0"/>
-              <a:t>available at appropriate folders</a:t>
-            </a:r>
-          </a:p>
-        </p:txBody>
-      </p:sp>
-    </p:spTree>
-  </p:cSld>
-  <p:clrMapOvr>
-    <a:masterClrMapping/>
-  </p:clrMapOvr>
-</p:sld>
-</file>
-
-<file path=ppt/slides/slide33.xml><?xml version="1.0" encoding="utf-8"?>
-<p:sld xmlns:a="http://schemas.openxmlformats.org/drawingml/2006/main" xmlns:r="http://schemas.openxmlformats.org/officeDocument/2006/relationships" xmlns:p="http://schemas.openxmlformats.org/presentationml/2006/main">
-  <p:cSld>
-    <p:spTree>
-      <p:nvGrpSpPr>
-        <p:cNvPr id="1" name="Shape 317"/>
-        <p:cNvGrpSpPr/>
-        <p:nvPr/>
-      </p:nvGrpSpPr>
-      <p:grpSpPr>
-        <a:xfrm>
-          <a:off x="0" y="0"/>
-          <a:ext cx="0" cy="0"/>
-          <a:chOff x="0" y="0"/>
-          <a:chExt cx="0" cy="0"/>
-        </a:xfrm>
-      </p:grpSpPr>
-      <p:sp>
-        <p:nvSpPr>
-          <p:cNvPr id="318" name="Google Shape;318;p45"/>
-          <p:cNvSpPr txBox="1">
-            <a:spLocks noGrp="1"/>
-          </p:cNvSpPr>
-          <p:nvPr>
-            <p:ph type="title"/>
-          </p:nvPr>
-        </p:nvSpPr>
-        <p:spPr>
-          <a:xfrm>
-            <a:off x="311700" y="445025"/>
-            <a:ext cx="8520600" cy="613200"/>
-          </a:xfrm>
-          <a:prstGeom prst="rect">
-            <a:avLst/>
-          </a:prstGeom>
-        </p:spPr>
-        <p:txBody>
-          <a:bodyPr spcFirstLastPara="1" wrap="square" lIns="91425" tIns="91425" rIns="91425" bIns="91425" anchor="t" anchorCtr="0">
-            <a:normAutofit fontScale="90000"/>
-          </a:bodyPr>
-          <a:lstStyle/>
-          <a:p>
-            <a:pPr marL="0" lvl="0" indent="0" algn="l" rtl="0">
-              <a:spcBef>
-                <a:spcPts val="0"/>
-              </a:spcBef>
-              <a:spcAft>
-                <a:spcPts val="0"/>
-              </a:spcAft>
-              <a:buNone/>
-            </a:pPr>
-            <a:r>
-              <a:rPr lang="ru"/>
-              <a:t>Линейная классификация</a:t>
-            </a:r>
-            <a:endParaRPr/>
-          </a:p>
-        </p:txBody>
-      </p:sp>
-      <p:sp>
-        <p:nvSpPr>
-          <p:cNvPr id="319" name="Google Shape;319;p45"/>
-          <p:cNvSpPr txBox="1">
-            <a:spLocks noGrp="1"/>
-          </p:cNvSpPr>
-          <p:nvPr>
-            <p:ph type="body" idx="1"/>
-          </p:nvPr>
-        </p:nvSpPr>
-        <p:spPr>
-          <a:xfrm>
-            <a:off x="311700" y="1152475"/>
-            <a:ext cx="8520600" cy="1242600"/>
-          </a:xfrm>
-          <a:prstGeom prst="rect">
-            <a:avLst/>
-          </a:prstGeom>
-        </p:spPr>
-        <p:txBody>
-          <a:bodyPr spcFirstLastPara="1" wrap="square" lIns="91425" tIns="91425" rIns="91425" bIns="91425" anchor="t" anchorCtr="0">
-            <a:normAutofit/>
-          </a:bodyPr>
-          <a:lstStyle/>
-          <a:p>
-            <a:pPr marL="457200" lvl="0" indent="-342900" algn="l" rtl="0">
-              <a:spcBef>
-                <a:spcPts val="0"/>
-              </a:spcBef>
-              <a:spcAft>
-                <a:spcPts val="0"/>
-              </a:spcAft>
-              <a:buSzPts val="1800"/>
-              <a:buChar char="●"/>
-            </a:pPr>
-            <a:r>
-              <a:rPr lang="ru"/>
-              <a:t>Синяя полуплоскость: </a:t>
-            </a:r>
-            <a:endParaRPr/>
-          </a:p>
-          <a:p>
-            <a:pPr marL="457200" lvl="0" indent="-342900" algn="l" rtl="0">
-              <a:spcBef>
-                <a:spcPts val="0"/>
-              </a:spcBef>
-              <a:spcAft>
-                <a:spcPts val="0"/>
-              </a:spcAft>
-              <a:buSzPts val="1800"/>
-              <a:buChar char="●"/>
-            </a:pPr>
-            <a:r>
-              <a:rPr lang="ru"/>
-              <a:t>Красная полуплоскость: </a:t>
-            </a:r>
-            <a:endParaRPr/>
-          </a:p>
-          <a:p>
-            <a:pPr marL="457200" lvl="0" indent="-342900" algn="l" rtl="0">
-              <a:spcBef>
-                <a:spcPts val="0"/>
-              </a:spcBef>
-              <a:spcAft>
-                <a:spcPts val="0"/>
-              </a:spcAft>
-              <a:buSzPts val="1800"/>
-              <a:buChar char="●"/>
-            </a:pPr>
-            <a:r>
-              <a:rPr lang="ru"/>
-              <a:t>Алгоритм:</a:t>
-            </a:r>
-            <a:endParaRPr/>
-          </a:p>
-        </p:txBody>
-      </p:sp>
-      <p:pic>
-        <p:nvPicPr>
-          <p:cNvPr id="320" name="Google Shape;320;p45"/>
-          <p:cNvPicPr preferRelativeResize="0"/>
-          <p:nvPr/>
-        </p:nvPicPr>
-        <p:blipFill>
-          <a:blip r:embed="rId3">
-            <a:alphaModFix/>
-          </a:blip>
-          <a:stretch>
-            <a:fillRect/>
-          </a:stretch>
-        </p:blipFill>
-        <p:spPr>
-          <a:xfrm>
-            <a:off x="2264713" y="2395075"/>
-            <a:ext cx="4614570" cy="2443625"/>
-          </a:xfrm>
-          <a:prstGeom prst="rect">
-            <a:avLst/>
-          </a:prstGeom>
-          <a:noFill/>
-          <a:ln>
-            <a:noFill/>
-          </a:ln>
-        </p:spPr>
-      </p:pic>
-      <p:pic>
-        <p:nvPicPr>
-          <p:cNvPr id="321" name="Google Shape;321;p45" descr="Ax+By + C &gt; 0"/>
-          <p:cNvPicPr preferRelativeResize="0"/>
-          <p:nvPr/>
-        </p:nvPicPr>
-        <p:blipFill>
-          <a:blip r:embed="rId4">
-            <a:alphaModFix/>
-          </a:blip>
-          <a:stretch>
-            <a:fillRect/>
-          </a:stretch>
-        </p:blipFill>
-        <p:spPr>
-          <a:xfrm>
-            <a:off x="4085125" y="1254670"/>
-            <a:ext cx="2089525" cy="259150"/>
-          </a:xfrm>
-          <a:prstGeom prst="rect">
-            <a:avLst/>
-          </a:prstGeom>
-          <a:noFill/>
-          <a:ln>
-            <a:noFill/>
-          </a:ln>
-        </p:spPr>
-      </p:pic>
-      <p:pic>
-        <p:nvPicPr>
-          <p:cNvPr id="322" name="Google Shape;322;p45" descr="Ax+By + C &lt; 0"/>
-          <p:cNvPicPr preferRelativeResize="0"/>
-          <p:nvPr/>
-        </p:nvPicPr>
-        <p:blipFill>
-          <a:blip r:embed="rId5">
-            <a:alphaModFix/>
-          </a:blip>
-          <a:stretch>
-            <a:fillRect/>
-          </a:stretch>
-        </p:blipFill>
-        <p:spPr>
-          <a:xfrm>
-            <a:off x="4069458" y="1567370"/>
-            <a:ext cx="2089650" cy="259150"/>
-          </a:xfrm>
-          <a:prstGeom prst="rect">
-            <a:avLst/>
-          </a:prstGeom>
-          <a:noFill/>
-          <a:ln>
-            <a:noFill/>
-          </a:ln>
-        </p:spPr>
-      </p:pic>
-      <p:pic>
-        <p:nvPicPr>
-          <p:cNvPr id="323" name="Google Shape;323;p45" descr="a(x, y) = \mathrm{sign}(Ax + By + C)"/>
-          <p:cNvPicPr preferRelativeResize="0"/>
-          <p:nvPr/>
-        </p:nvPicPr>
-        <p:blipFill>
-          <a:blip r:embed="rId6">
-            <a:alphaModFix/>
-          </a:blip>
-          <a:stretch>
-            <a:fillRect/>
-          </a:stretch>
-        </p:blipFill>
-        <p:spPr>
-          <a:xfrm>
-            <a:off x="4069450" y="1880075"/>
-            <a:ext cx="3558024" cy="301800"/>
-          </a:xfrm>
-          <a:prstGeom prst="rect">
-            <a:avLst/>
-          </a:prstGeom>
-          <a:noFill/>
-          <a:ln>
-            <a:noFill/>
-          </a:ln>
-        </p:spPr>
-      </p:pic>
-      <p:cxnSp>
-        <p:nvCxnSpPr>
-          <p:cNvPr id="324" name="Google Shape;324;p45"/>
-          <p:cNvCxnSpPr/>
-          <p:nvPr/>
-        </p:nvCxnSpPr>
-        <p:spPr>
-          <a:xfrm flipH="1">
-            <a:off x="3327975" y="3072845"/>
-            <a:ext cx="4529100" cy="1853100"/>
-          </a:xfrm>
-          <a:prstGeom prst="straightConnector1">
-            <a:avLst/>
-          </a:prstGeom>
-          <a:noFill/>
-          <a:ln w="19050" cap="flat" cmpd="sng">
-            <a:solidFill>
-              <a:schemeClr val="dk2"/>
-            </a:solidFill>
-            <a:prstDash val="solid"/>
-            <a:round/>
-            <a:headEnd type="none" w="med" len="med"/>
-            <a:tailEnd type="none" w="med" len="med"/>
-          </a:ln>
-        </p:spPr>
-      </p:cxnSp>
-    </p:spTree>
-  </p:cSld>
-  <p:clrMapOvr>
-    <a:masterClrMapping/>
-  </p:clrMapOvr>
-</p:sld>
-</file>
-
-<file path=ppt/slides/slide34.xml><?xml version="1.0" encoding="utf-8"?>
-<p:sld xmlns:a="http://schemas.openxmlformats.org/drawingml/2006/main" xmlns:r="http://schemas.openxmlformats.org/officeDocument/2006/relationships" xmlns:p="http://schemas.openxmlformats.org/presentationml/2006/main">
-  <p:cSld>
-    <p:spTree>
-      <p:nvGrpSpPr>
-        <p:cNvPr id="1" name="Shape 328"/>
-        <p:cNvGrpSpPr/>
-        <p:nvPr/>
-      </p:nvGrpSpPr>
-      <p:grpSpPr>
-        <a:xfrm>
-          <a:off x="0" y="0"/>
-          <a:ext cx="0" cy="0"/>
-          <a:chOff x="0" y="0"/>
-          <a:chExt cx="0" cy="0"/>
-        </a:xfrm>
-      </p:grpSpPr>
-      <p:sp>
-        <p:nvSpPr>
-          <p:cNvPr id="329" name="Google Shape;329;p46"/>
-          <p:cNvSpPr txBox="1">
-            <a:spLocks noGrp="1"/>
-          </p:cNvSpPr>
-          <p:nvPr>
-            <p:ph type="title"/>
-          </p:nvPr>
-        </p:nvSpPr>
-        <p:spPr>
-          <a:xfrm>
-            <a:off x="311700" y="445025"/>
-            <a:ext cx="8520600" cy="613200"/>
-          </a:xfrm>
-          <a:prstGeom prst="rect">
-            <a:avLst/>
-          </a:prstGeom>
-        </p:spPr>
-        <p:txBody>
-          <a:bodyPr spcFirstLastPara="1" wrap="square" lIns="91425" tIns="91425" rIns="91425" bIns="91425" anchor="t" anchorCtr="0">
-            <a:normAutofit fontScale="90000"/>
-          </a:bodyPr>
-          <a:lstStyle/>
-          <a:p>
-            <a:pPr marL="0" lvl="0" indent="0" algn="l" rtl="0">
-              <a:spcBef>
-                <a:spcPts val="0"/>
-              </a:spcBef>
-              <a:spcAft>
-                <a:spcPts val="0"/>
-              </a:spcAft>
-              <a:buNone/>
-            </a:pPr>
-            <a:r>
-              <a:rPr lang="ru"/>
-              <a:t>Линейная классификация</a:t>
-            </a:r>
-            <a:endParaRPr/>
-          </a:p>
-        </p:txBody>
-      </p:sp>
-      <p:sp>
-        <p:nvSpPr>
-          <p:cNvPr id="330" name="Google Shape;330;p46"/>
-          <p:cNvSpPr txBox="1">
-            <a:spLocks noGrp="1"/>
-          </p:cNvSpPr>
-          <p:nvPr>
-            <p:ph type="body" idx="1"/>
-          </p:nvPr>
-        </p:nvSpPr>
-        <p:spPr>
-          <a:xfrm>
-            <a:off x="311700" y="1152475"/>
-            <a:ext cx="8520600" cy="1242600"/>
-          </a:xfrm>
-          <a:prstGeom prst="rect">
-            <a:avLst/>
-          </a:prstGeom>
-        </p:spPr>
-        <p:txBody>
-          <a:bodyPr spcFirstLastPara="1" wrap="square" lIns="91425" tIns="91425" rIns="91425" bIns="91425" anchor="t" anchorCtr="0">
-            <a:normAutofit/>
-          </a:bodyPr>
-          <a:lstStyle/>
-          <a:p>
-            <a:pPr marL="457200" lvl="0" indent="-342900" algn="l" rtl="0">
-              <a:lnSpc>
-                <a:spcPct val="100000"/>
-              </a:lnSpc>
-              <a:spcBef>
-                <a:spcPts val="0"/>
-              </a:spcBef>
-              <a:spcAft>
-                <a:spcPts val="0"/>
-              </a:spcAft>
-              <a:buSzPts val="1800"/>
-              <a:buChar char="●"/>
-            </a:pPr>
-            <a:r>
-              <a:rPr lang="ru" sz="1400">
-                <a:solidFill>
-                  <a:schemeClr val="dk1"/>
-                </a:solidFill>
-              </a:rPr>
-              <a:t>                                     — уверенность алгоритма при классификации точки </a:t>
-            </a:r>
-            <a:endParaRPr/>
-          </a:p>
-        </p:txBody>
-      </p:sp>
-      <p:pic>
-        <p:nvPicPr>
-          <p:cNvPr id="331" name="Google Shape;331;p46"/>
-          <p:cNvPicPr preferRelativeResize="0"/>
-          <p:nvPr/>
-        </p:nvPicPr>
-        <p:blipFill>
-          <a:blip r:embed="rId3">
-            <a:alphaModFix/>
-          </a:blip>
-          <a:stretch>
-            <a:fillRect/>
-          </a:stretch>
-        </p:blipFill>
-        <p:spPr>
-          <a:xfrm>
-            <a:off x="2264713" y="2395075"/>
-            <a:ext cx="4614570" cy="2443625"/>
-          </a:xfrm>
-          <a:prstGeom prst="rect">
-            <a:avLst/>
-          </a:prstGeom>
-          <a:noFill/>
-          <a:ln>
-            <a:noFill/>
-          </a:ln>
-        </p:spPr>
-      </p:pic>
-      <p:cxnSp>
-        <p:nvCxnSpPr>
-          <p:cNvPr id="332" name="Google Shape;332;p46"/>
-          <p:cNvCxnSpPr/>
-          <p:nvPr/>
-        </p:nvCxnSpPr>
-        <p:spPr>
-          <a:xfrm>
-            <a:off x="4613075" y="3576350"/>
-            <a:ext cx="289200" cy="699300"/>
-          </a:xfrm>
-          <a:prstGeom prst="straightConnector1">
-            <a:avLst/>
-          </a:prstGeom>
-          <a:noFill/>
-          <a:ln w="19050" cap="flat" cmpd="sng">
-            <a:solidFill>
-              <a:schemeClr val="dk2"/>
-            </a:solidFill>
-            <a:prstDash val="solid"/>
-            <a:round/>
-            <a:headEnd type="none" w="med" len="med"/>
-            <a:tailEnd type="none" w="med" len="med"/>
-          </a:ln>
-        </p:spPr>
-      </p:cxnSp>
-      <p:sp>
-        <p:nvSpPr>
-          <p:cNvPr id="333" name="Google Shape;333;p46"/>
-          <p:cNvSpPr/>
-          <p:nvPr/>
-        </p:nvSpPr>
-        <p:spPr>
-          <a:xfrm>
-            <a:off x="4555927" y="3552538"/>
-            <a:ext cx="137400" cy="128700"/>
-          </a:xfrm>
-          <a:prstGeom prst="ellipse">
-            <a:avLst/>
-          </a:prstGeom>
-          <a:solidFill>
-            <a:schemeClr val="lt2"/>
-          </a:solidFill>
-          <a:ln w="9525" cap="flat" cmpd="sng">
-            <a:solidFill>
-              <a:schemeClr val="dk2"/>
-            </a:solidFill>
-            <a:prstDash val="solid"/>
-            <a:round/>
-            <a:headEnd type="none" w="sm" len="sm"/>
-            <a:tailEnd type="none" w="sm" len="sm"/>
-          </a:ln>
-        </p:spPr>
-        <p:txBody>
-          <a:bodyPr spcFirstLastPara="1" wrap="square" lIns="91425" tIns="91425" rIns="91425" bIns="91425" anchor="ctr" anchorCtr="0">
-            <a:noAutofit/>
-          </a:bodyPr>
-          <a:lstStyle/>
-          <a:p>
-            <a:pPr marL="0" lvl="0" indent="0" algn="l" rtl="0">
-              <a:spcBef>
-                <a:spcPts val="0"/>
-              </a:spcBef>
-              <a:spcAft>
-                <a:spcPts val="0"/>
-              </a:spcAft>
-              <a:buNone/>
-            </a:pPr>
-            <a:endParaRPr/>
-          </a:p>
-        </p:txBody>
-      </p:sp>
-      <p:cxnSp>
-        <p:nvCxnSpPr>
-          <p:cNvPr id="334" name="Google Shape;334;p46"/>
-          <p:cNvCxnSpPr/>
-          <p:nvPr/>
-        </p:nvCxnSpPr>
-        <p:spPr>
-          <a:xfrm rot="10800000" flipH="1">
-            <a:off x="4870250" y="4111200"/>
-            <a:ext cx="96600" cy="48300"/>
-          </a:xfrm>
-          <a:prstGeom prst="straightConnector1">
-            <a:avLst/>
-          </a:prstGeom>
-          <a:noFill/>
-          <a:ln w="19050" cap="flat" cmpd="sng">
-            <a:solidFill>
-              <a:schemeClr val="dk2"/>
-            </a:solidFill>
-            <a:prstDash val="solid"/>
-            <a:round/>
-            <a:headEnd type="none" w="med" len="med"/>
-            <a:tailEnd type="none" w="med" len="med"/>
-          </a:ln>
-        </p:spPr>
-      </p:cxnSp>
-      <p:cxnSp>
-        <p:nvCxnSpPr>
-          <p:cNvPr id="335" name="Google Shape;335;p46"/>
-          <p:cNvCxnSpPr/>
-          <p:nvPr/>
-        </p:nvCxnSpPr>
-        <p:spPr>
-          <a:xfrm>
-            <a:off x="4966700" y="4127350"/>
-            <a:ext cx="48300" cy="112500"/>
-          </a:xfrm>
-          <a:prstGeom prst="straightConnector1">
-            <a:avLst/>
-          </a:prstGeom>
-          <a:noFill/>
-          <a:ln w="19050" cap="flat" cmpd="sng">
-            <a:solidFill>
-              <a:schemeClr val="dk2"/>
-            </a:solidFill>
-            <a:prstDash val="solid"/>
-            <a:round/>
-            <a:headEnd type="none" w="med" len="med"/>
-            <a:tailEnd type="none" w="med" len="med"/>
-          </a:ln>
-        </p:spPr>
-      </p:cxnSp>
-      <p:cxnSp>
-        <p:nvCxnSpPr>
-          <p:cNvPr id="336" name="Google Shape;336;p46"/>
-          <p:cNvCxnSpPr/>
-          <p:nvPr/>
-        </p:nvCxnSpPr>
-        <p:spPr>
-          <a:xfrm flipH="1">
-            <a:off x="3327975" y="3072845"/>
-            <a:ext cx="4529100" cy="1853100"/>
-          </a:xfrm>
-          <a:prstGeom prst="straightConnector1">
-            <a:avLst/>
-          </a:prstGeom>
-          <a:noFill/>
-          <a:ln w="19050" cap="flat" cmpd="sng">
-            <a:solidFill>
-              <a:schemeClr val="dk2"/>
-            </a:solidFill>
-            <a:prstDash val="solid"/>
-            <a:round/>
-            <a:headEnd type="none" w="med" len="med"/>
-            <a:tailEnd type="none" w="med" len="med"/>
-          </a:ln>
-        </p:spPr>
-      </p:cxnSp>
-      <p:pic>
-        <p:nvPicPr>
-          <p:cNvPr id="337" name="Google Shape;337;p46" descr="(x_0, y_0)"/>
-          <p:cNvPicPr preferRelativeResize="0"/>
-          <p:nvPr/>
-        </p:nvPicPr>
-        <p:blipFill>
-          <a:blip r:embed="rId4">
-            <a:alphaModFix/>
-          </a:blip>
-          <a:stretch>
-            <a:fillRect/>
-          </a:stretch>
-        </p:blipFill>
-        <p:spPr>
-          <a:xfrm>
-            <a:off x="4286888" y="3261475"/>
-            <a:ext cx="675471" cy="249000"/>
-          </a:xfrm>
-          <a:prstGeom prst="rect">
-            <a:avLst/>
-          </a:prstGeom>
-          <a:noFill/>
-          <a:ln>
-            <a:noFill/>
-          </a:ln>
-        </p:spPr>
-      </p:pic>
-      <p:pic>
-        <p:nvPicPr>
-          <p:cNvPr id="338" name="Google Shape;338;p46" descr="(x_0, y_0)"/>
-          <p:cNvPicPr preferRelativeResize="0"/>
-          <p:nvPr/>
-        </p:nvPicPr>
-        <p:blipFill>
-          <a:blip r:embed="rId4">
-            <a:alphaModFix/>
-          </a:blip>
-          <a:stretch>
-            <a:fillRect/>
-          </a:stretch>
-        </p:blipFill>
-        <p:spPr>
-          <a:xfrm>
-            <a:off x="6892665" y="1267292"/>
-            <a:ext cx="708238" cy="261080"/>
-          </a:xfrm>
-          <a:prstGeom prst="rect">
-            <a:avLst/>
-          </a:prstGeom>
-          <a:noFill/>
-          <a:ln>
-            <a:noFill/>
-          </a:ln>
-        </p:spPr>
-      </p:pic>
-      <p:pic>
-        <p:nvPicPr>
-          <p:cNvPr id="339" name="Google Shape;339;p46" descr="Ax_0 + By_0 + C"/>
-          <p:cNvPicPr preferRelativeResize="0"/>
-          <p:nvPr/>
-        </p:nvPicPr>
-        <p:blipFill>
-          <a:blip r:embed="rId5">
-            <a:alphaModFix/>
-          </a:blip>
-          <a:stretch>
-            <a:fillRect/>
-          </a:stretch>
-        </p:blipFill>
-        <p:spPr>
-          <a:xfrm>
-            <a:off x="898195" y="1302180"/>
-            <a:ext cx="1696321" cy="248026"/>
-          </a:xfrm>
-          <a:prstGeom prst="rect">
-            <a:avLst/>
-          </a:prstGeom>
-          <a:noFill/>
-          <a:ln>
-            <a:noFill/>
-          </a:ln>
-        </p:spPr>
-      </p:pic>
-      <p:pic>
-        <p:nvPicPr>
-          <p:cNvPr id="340" name="Google Shape;340;p46" descr="\frac{|Ax_0 + By_0 + C|}{\sqrt{A^2 + B^2}}"/>
-          <p:cNvPicPr preferRelativeResize="0"/>
-          <p:nvPr/>
-        </p:nvPicPr>
-        <p:blipFill>
-          <a:blip r:embed="rId6">
-            <a:alphaModFix/>
-          </a:blip>
-          <a:stretch>
-            <a:fillRect/>
-          </a:stretch>
-        </p:blipFill>
-        <p:spPr>
-          <a:xfrm>
-            <a:off x="3542350" y="3883489"/>
-            <a:ext cx="1070725" cy="356360"/>
-          </a:xfrm>
-          <a:prstGeom prst="rect">
-            <a:avLst/>
-          </a:prstGeom>
-          <a:noFill/>
-          <a:ln>
-            <a:noFill/>
-          </a:ln>
-        </p:spPr>
-      </p:pic>
-    </p:spTree>
-  </p:cSld>
-  <p:clrMapOvr>
-    <a:masterClrMapping/>
-  </p:clrMapOvr>
-</p:sld>
-</file>
-
-<file path=ppt/slides/slide35.xml><?xml version="1.0" encoding="utf-8"?>
-<p:sld xmlns:a="http://schemas.openxmlformats.org/drawingml/2006/main" xmlns:r="http://schemas.openxmlformats.org/officeDocument/2006/relationships" xmlns:p="http://schemas.openxmlformats.org/presentationml/2006/main">
-  <p:cSld>
-    <p:spTree>
-      <p:nvGrpSpPr>
-        <p:cNvPr id="1" name="Shape 344"/>
-        <p:cNvGrpSpPr/>
-        <p:nvPr/>
-      </p:nvGrpSpPr>
-      <p:grpSpPr>
-        <a:xfrm>
-          <a:off x="0" y="0"/>
-          <a:ext cx="0" cy="0"/>
-          <a:chOff x="0" y="0"/>
-          <a:chExt cx="0" cy="0"/>
-        </a:xfrm>
-      </p:grpSpPr>
-      <p:sp>
-        <p:nvSpPr>
-          <p:cNvPr id="345" name="Google Shape;345;p47"/>
-          <p:cNvSpPr txBox="1">
-            <a:spLocks noGrp="1"/>
-          </p:cNvSpPr>
-          <p:nvPr>
-            <p:ph type="title"/>
-          </p:nvPr>
-        </p:nvSpPr>
-        <p:spPr>
-          <a:xfrm>
-            <a:off x="311700" y="445025"/>
-            <a:ext cx="8520600" cy="613200"/>
-          </a:xfrm>
-          <a:prstGeom prst="rect">
-            <a:avLst/>
-          </a:prstGeom>
-        </p:spPr>
-        <p:txBody>
-          <a:bodyPr spcFirstLastPara="1" wrap="square" lIns="91425" tIns="91425" rIns="91425" bIns="91425" anchor="t" anchorCtr="0">
-            <a:normAutofit fontScale="90000"/>
-          </a:bodyPr>
-          <a:lstStyle/>
-          <a:p>
-            <a:pPr marL="0" lvl="0" indent="0" algn="l" rtl="0">
-              <a:spcBef>
-                <a:spcPts val="0"/>
-              </a:spcBef>
-              <a:spcAft>
-                <a:spcPts val="0"/>
-              </a:spcAft>
-              <a:buNone/>
-            </a:pPr>
-            <a:r>
-              <a:rPr lang="ru"/>
-              <a:t>Многомерный случай</a:t>
-            </a:r>
-            <a:endParaRPr/>
-          </a:p>
-        </p:txBody>
-      </p:sp>
-      <p:sp>
-        <p:nvSpPr>
-          <p:cNvPr id="346" name="Google Shape;346;p47"/>
-          <p:cNvSpPr txBox="1">
-            <a:spLocks noGrp="1"/>
-          </p:cNvSpPr>
-          <p:nvPr>
-            <p:ph type="body" idx="1"/>
-          </p:nvPr>
-        </p:nvSpPr>
-        <p:spPr>
-          <a:xfrm>
-            <a:off x="311700" y="1171600"/>
-            <a:ext cx="8520600" cy="3397200"/>
-          </a:xfrm>
-          <a:prstGeom prst="rect">
-            <a:avLst/>
-          </a:prstGeom>
-        </p:spPr>
-        <p:txBody>
-          <a:bodyPr spcFirstLastPara="1" wrap="square" lIns="91425" tIns="91425" rIns="91425" bIns="91425" anchor="t" anchorCtr="0">
-            <a:normAutofit/>
-          </a:bodyPr>
-          <a:lstStyle/>
-          <a:p>
-            <a:pPr marL="457200" lvl="0" indent="-342900" algn="l" rtl="0">
-              <a:lnSpc>
-                <a:spcPct val="150000"/>
-              </a:lnSpc>
-              <a:spcBef>
-                <a:spcPts val="0"/>
-              </a:spcBef>
-              <a:spcAft>
-                <a:spcPts val="0"/>
-              </a:spcAft>
-              <a:buSzPts val="1800"/>
-              <a:buChar char="●"/>
-            </a:pPr>
-            <a:r>
-              <a:rPr lang="ru"/>
-              <a:t>Объект: </a:t>
-            </a:r>
-            <a:endParaRPr/>
-          </a:p>
-          <a:p>
-            <a:pPr marL="457200" lvl="0" indent="-342900" algn="l" rtl="0">
-              <a:lnSpc>
-                <a:spcPct val="150000"/>
-              </a:lnSpc>
-              <a:spcBef>
-                <a:spcPts val="0"/>
-              </a:spcBef>
-              <a:spcAft>
-                <a:spcPts val="0"/>
-              </a:spcAft>
-              <a:buSzPts val="1800"/>
-              <a:buChar char="●"/>
-            </a:pPr>
-            <a:r>
-              <a:rPr lang="ru"/>
-              <a:t>Вектор весов: </a:t>
-            </a:r>
-            <a:endParaRPr/>
-          </a:p>
-          <a:p>
-            <a:pPr marL="457200" lvl="0" indent="-342900" algn="l" rtl="0">
-              <a:lnSpc>
-                <a:spcPct val="150000"/>
-              </a:lnSpc>
-              <a:spcBef>
-                <a:spcPts val="0"/>
-              </a:spcBef>
-              <a:spcAft>
-                <a:spcPts val="0"/>
-              </a:spcAft>
-              <a:buSzPts val="1800"/>
-              <a:buChar char="●"/>
-            </a:pPr>
-            <a:r>
-              <a:rPr lang="ru"/>
-              <a:t>Решающее правило: </a:t>
-            </a:r>
-            <a:endParaRPr sz="1100">
-              <a:solidFill>
-                <a:schemeClr val="dk1"/>
-              </a:solidFill>
-            </a:endParaRPr>
-          </a:p>
-        </p:txBody>
-      </p:sp>
-      <p:pic>
-        <p:nvPicPr>
-          <p:cNvPr id="347" name="Google Shape;347;p47" descr="x = (x_1, x_2, \ldots, x_n)"/>
-          <p:cNvPicPr preferRelativeResize="0"/>
-          <p:nvPr/>
-        </p:nvPicPr>
-        <p:blipFill>
-          <a:blip r:embed="rId3">
-            <a:alphaModFix/>
-          </a:blip>
-          <a:stretch>
-            <a:fillRect/>
-          </a:stretch>
-        </p:blipFill>
-        <p:spPr>
-          <a:xfrm>
-            <a:off x="3321325" y="1247025"/>
-            <a:ext cx="2501350" cy="312676"/>
-          </a:xfrm>
-          <a:prstGeom prst="rect">
-            <a:avLst/>
-          </a:prstGeom>
-          <a:noFill/>
-          <a:ln>
-            <a:noFill/>
-          </a:ln>
-        </p:spPr>
-      </p:pic>
-      <p:pic>
-        <p:nvPicPr>
-          <p:cNvPr id="348" name="Google Shape;348;p47" descr="w = (w_1, w_2, \ldots, w_n), b"/>
-          <p:cNvPicPr preferRelativeResize="0"/>
-          <p:nvPr/>
-        </p:nvPicPr>
-        <p:blipFill>
-          <a:blip r:embed="rId4">
-            <a:alphaModFix/>
-          </a:blip>
-          <a:stretch>
-            <a:fillRect/>
-          </a:stretch>
-        </p:blipFill>
-        <p:spPr>
-          <a:xfrm>
-            <a:off x="3300895" y="1651660"/>
-            <a:ext cx="2973369" cy="312675"/>
-          </a:xfrm>
-          <a:prstGeom prst="rect">
-            <a:avLst/>
-          </a:prstGeom>
-          <a:noFill/>
-          <a:ln>
-            <a:noFill/>
-          </a:ln>
-        </p:spPr>
-      </p:pic>
-      <p:pic>
-        <p:nvPicPr>
-          <p:cNvPr id="349" name="Google Shape;349;p47" descr="a(x) = \mathrm{sign}(\langle x, w\rangle + b)"/>
-          <p:cNvPicPr preferRelativeResize="0"/>
-          <p:nvPr/>
-        </p:nvPicPr>
-        <p:blipFill>
-          <a:blip r:embed="rId5">
-            <a:alphaModFix/>
-          </a:blip>
-          <a:stretch>
-            <a:fillRect/>
-          </a:stretch>
-        </p:blipFill>
-        <p:spPr>
-          <a:xfrm>
-            <a:off x="3300900" y="2031080"/>
-            <a:ext cx="2886206" cy="312675"/>
-          </a:xfrm>
-          <a:prstGeom prst="rect">
-            <a:avLst/>
-          </a:prstGeom>
-          <a:noFill/>
-          <a:ln>
-            <a:noFill/>
-          </a:ln>
-        </p:spPr>
-      </p:pic>
-    </p:spTree>
-  </p:cSld>
-  <p:clrMapOvr>
-    <a:masterClrMapping/>
-  </p:clrMapOvr>
-</p:sld>
-</file>
-
-<file path=ppt/slides/slide36.xml><?xml version="1.0" encoding="utf-8"?>
-<p:sld xmlns:a="http://schemas.openxmlformats.org/drawingml/2006/main" xmlns:r="http://schemas.openxmlformats.org/officeDocument/2006/relationships" xmlns:p="http://schemas.openxmlformats.org/presentationml/2006/main">
-  <p:cSld>
-    <p:spTree>
-      <p:nvGrpSpPr>
-        <p:cNvPr id="1" name="Shape 353"/>
-        <p:cNvGrpSpPr/>
-        <p:nvPr/>
-      </p:nvGrpSpPr>
-      <p:grpSpPr>
-        <a:xfrm>
-          <a:off x="0" y="0"/>
-          <a:ext cx="0" cy="0"/>
-          <a:chOff x="0" y="0"/>
-          <a:chExt cx="0" cy="0"/>
-        </a:xfrm>
-      </p:grpSpPr>
-      <p:sp>
-        <p:nvSpPr>
-          <p:cNvPr id="354" name="Google Shape;354;p48"/>
-          <p:cNvSpPr txBox="1">
-            <a:spLocks noGrp="1"/>
-          </p:cNvSpPr>
-          <p:nvPr>
-            <p:ph type="title"/>
-          </p:nvPr>
-        </p:nvSpPr>
-        <p:spPr>
-          <a:xfrm>
-            <a:off x="311700" y="445025"/>
-            <a:ext cx="8520600" cy="613200"/>
-          </a:xfrm>
-          <a:prstGeom prst="rect">
-            <a:avLst/>
-          </a:prstGeom>
-        </p:spPr>
-        <p:txBody>
-          <a:bodyPr spcFirstLastPara="1" wrap="square" lIns="91425" tIns="91425" rIns="91425" bIns="91425" anchor="t" anchorCtr="0">
-            <a:normAutofit fontScale="90000"/>
-          </a:bodyPr>
-          <a:lstStyle/>
-          <a:p>
-            <a:pPr marL="0" lvl="0" indent="0" algn="l" rtl="0">
-              <a:spcBef>
-                <a:spcPts val="0"/>
-              </a:spcBef>
-              <a:spcAft>
-                <a:spcPts val="0"/>
-              </a:spcAft>
-              <a:buNone/>
-            </a:pPr>
-            <a:r>
-              <a:rPr lang="ru"/>
-              <a:t>Получение вероятности классификации</a:t>
-            </a:r>
-            <a:endParaRPr/>
-          </a:p>
-        </p:txBody>
-      </p:sp>
-      <p:sp>
-        <p:nvSpPr>
-          <p:cNvPr id="355" name="Google Shape;355;p48"/>
-          <p:cNvSpPr txBox="1">
-            <a:spLocks noGrp="1"/>
-          </p:cNvSpPr>
-          <p:nvPr>
-            <p:ph type="body" idx="1"/>
-          </p:nvPr>
-        </p:nvSpPr>
-        <p:spPr>
-          <a:xfrm>
-            <a:off x="311700" y="1171600"/>
-            <a:ext cx="8520600" cy="3397200"/>
-          </a:xfrm>
-          <a:prstGeom prst="rect">
-            <a:avLst/>
-          </a:prstGeom>
-        </p:spPr>
-        <p:txBody>
-          <a:bodyPr spcFirstLastPara="1" wrap="square" lIns="91425" tIns="91425" rIns="91425" bIns="91425" anchor="t" anchorCtr="0">
-            <a:normAutofit/>
-          </a:bodyPr>
-          <a:lstStyle/>
-          <a:p>
-            <a:pPr marL="457200" lvl="0" indent="-342900" algn="l" rtl="0">
-              <a:lnSpc>
-                <a:spcPct val="150000"/>
-              </a:lnSpc>
-              <a:spcBef>
-                <a:spcPts val="0"/>
-              </a:spcBef>
-              <a:spcAft>
-                <a:spcPts val="0"/>
-              </a:spcAft>
-              <a:buSzPts val="1800"/>
-              <a:buChar char="●"/>
-            </a:pPr>
-            <a:r>
-              <a:rPr lang="ru"/>
-              <a:t>мера принадлежности классу:   </a:t>
-            </a:r>
-            <a:endParaRPr/>
-          </a:p>
-          <a:p>
-            <a:pPr marL="457200" lvl="0" indent="-342900" algn="l" rtl="0">
-              <a:lnSpc>
-                <a:spcPct val="100000"/>
-              </a:lnSpc>
-              <a:spcBef>
-                <a:spcPts val="0"/>
-              </a:spcBef>
-              <a:spcAft>
-                <a:spcPts val="0"/>
-              </a:spcAft>
-              <a:buSzPts val="1800"/>
-              <a:buChar char="●"/>
-            </a:pPr>
-            <a:r>
-              <a:rPr lang="ru"/>
-              <a:t>вероятность принадлежности </a:t>
-            </a:r>
-            <a:br>
-              <a:rPr lang="ru"/>
-            </a:br>
-            <a:r>
-              <a:rPr lang="ru"/>
-              <a:t>к классу 1 против класса 0:</a:t>
-            </a:r>
-            <a:endParaRPr/>
-          </a:p>
-          <a:p>
-            <a:pPr marL="457200" lvl="0" indent="0" algn="l" rtl="0">
-              <a:lnSpc>
-                <a:spcPct val="150000"/>
-              </a:lnSpc>
-              <a:spcBef>
-                <a:spcPts val="1200"/>
-              </a:spcBef>
-              <a:spcAft>
-                <a:spcPts val="0"/>
-              </a:spcAft>
-              <a:buNone/>
-            </a:pPr>
-            <a:r>
-              <a:rPr lang="ru"/>
-              <a:t>Свойства функции     :</a:t>
-            </a:r>
-            <a:endParaRPr/>
-          </a:p>
-          <a:p>
-            <a:pPr marL="457200" lvl="0" indent="-342900" algn="l" rtl="0">
-              <a:lnSpc>
-                <a:spcPct val="200000"/>
-              </a:lnSpc>
-              <a:spcBef>
-                <a:spcPts val="1200"/>
-              </a:spcBef>
-              <a:spcAft>
-                <a:spcPts val="0"/>
-              </a:spcAft>
-              <a:buSzPts val="1800"/>
-              <a:buChar char="●"/>
-            </a:pPr>
-            <a:r>
-              <a:rPr lang="ru"/>
-              <a:t>         монотонно возрастает;</a:t>
-            </a:r>
-            <a:endParaRPr/>
-          </a:p>
-          <a:p>
-            <a:pPr marL="457200" lvl="0" indent="-342900" algn="l" rtl="0">
-              <a:lnSpc>
-                <a:spcPct val="200000"/>
-              </a:lnSpc>
-              <a:spcBef>
-                <a:spcPts val="0"/>
-              </a:spcBef>
-              <a:spcAft>
-                <a:spcPts val="0"/>
-              </a:spcAft>
-              <a:buSzPts val="1800"/>
-              <a:buChar char="●"/>
-            </a:pPr>
-            <a:r>
-              <a:rPr lang="ru"/>
-              <a:t>                  ;</a:t>
-            </a:r>
-            <a:endParaRPr/>
-          </a:p>
-          <a:p>
-            <a:pPr marL="457200" lvl="0" indent="-342900" algn="l" rtl="0">
-              <a:lnSpc>
-                <a:spcPct val="150000"/>
-              </a:lnSpc>
-              <a:spcBef>
-                <a:spcPts val="0"/>
-              </a:spcBef>
-              <a:spcAft>
-                <a:spcPts val="0"/>
-              </a:spcAft>
-              <a:buSzPts val="1800"/>
-              <a:buChar char="●"/>
-            </a:pPr>
-            <a:r>
-              <a:rPr lang="ru"/>
-              <a:t>                                                                  .</a:t>
-            </a:r>
-            <a:endParaRPr/>
-          </a:p>
-        </p:txBody>
-      </p:sp>
-      <p:pic>
-        <p:nvPicPr>
-          <p:cNvPr id="356" name="Google Shape;356;p48" descr="\langle x, w\rangle + b"/>
-          <p:cNvPicPr preferRelativeResize="0"/>
-          <p:nvPr/>
-        </p:nvPicPr>
-        <p:blipFill>
-          <a:blip r:embed="rId3">
-            <a:alphaModFix/>
-          </a:blip>
-          <a:stretch>
-            <a:fillRect/>
-          </a:stretch>
-        </p:blipFill>
-        <p:spPr>
-          <a:xfrm>
-            <a:off x="4444590" y="1221285"/>
-            <a:ext cx="1323700" cy="336600"/>
-          </a:xfrm>
-          <a:prstGeom prst="rect">
-            <a:avLst/>
-          </a:prstGeom>
-          <a:noFill/>
-          <a:ln>
-            <a:noFill/>
-          </a:ln>
-        </p:spPr>
-      </p:pic>
-      <p:pic>
-        <p:nvPicPr>
-          <p:cNvPr id="357" name="Google Shape;357;p48" descr="f(\langle x, w\rangle + b)"/>
-          <p:cNvPicPr preferRelativeResize="0"/>
-          <p:nvPr/>
-        </p:nvPicPr>
-        <p:blipFill>
-          <a:blip r:embed="rId4">
-            <a:alphaModFix/>
-          </a:blip>
-          <a:stretch>
-            <a:fillRect/>
-          </a:stretch>
-        </p:blipFill>
-        <p:spPr>
-          <a:xfrm>
-            <a:off x="4444600" y="1837625"/>
-            <a:ext cx="1754249" cy="336600"/>
-          </a:xfrm>
-          <a:prstGeom prst="rect">
-            <a:avLst/>
-          </a:prstGeom>
-          <a:noFill/>
-          <a:ln>
-            <a:noFill/>
-          </a:ln>
-        </p:spPr>
-      </p:pic>
-      <p:pic>
-        <p:nvPicPr>
-          <p:cNvPr id="358" name="Google Shape;358;p48" descr="f"/>
-          <p:cNvPicPr preferRelativeResize="0"/>
-          <p:nvPr/>
-        </p:nvPicPr>
-        <p:blipFill>
-          <a:blip r:embed="rId5">
-            <a:alphaModFix/>
-          </a:blip>
-          <a:stretch>
-            <a:fillRect/>
-          </a:stretch>
-        </p:blipFill>
-        <p:spPr>
-          <a:xfrm>
-            <a:off x="2877239" y="2368359"/>
-            <a:ext cx="186198" cy="336600"/>
-          </a:xfrm>
-          <a:prstGeom prst="rect">
-            <a:avLst/>
-          </a:prstGeom>
-          <a:noFill/>
-          <a:ln>
-            <a:noFill/>
-          </a:ln>
-        </p:spPr>
-      </p:pic>
-      <p:pic>
-        <p:nvPicPr>
-          <p:cNvPr id="359" name="Google Shape;359;p48" descr="f(z)"/>
-          <p:cNvPicPr preferRelativeResize="0"/>
-          <p:nvPr/>
-        </p:nvPicPr>
-        <p:blipFill>
-          <a:blip r:embed="rId6">
-            <a:alphaModFix/>
-          </a:blip>
-          <a:stretch>
-            <a:fillRect/>
-          </a:stretch>
-        </p:blipFill>
-        <p:spPr>
-          <a:xfrm>
-            <a:off x="850920" y="2942814"/>
-            <a:ext cx="501018" cy="302940"/>
-          </a:xfrm>
-          <a:prstGeom prst="rect">
-            <a:avLst/>
-          </a:prstGeom>
-          <a:noFill/>
-          <a:ln>
-            <a:noFill/>
-          </a:ln>
-        </p:spPr>
-      </p:pic>
-      <p:pic>
-        <p:nvPicPr>
-          <p:cNvPr id="360" name="Google Shape;360;p48" descr="f(0) = \frac12"/>
-          <p:cNvPicPr preferRelativeResize="0"/>
-          <p:nvPr/>
-        </p:nvPicPr>
-        <p:blipFill>
-          <a:blip r:embed="rId7">
-            <a:alphaModFix/>
-          </a:blip>
-          <a:stretch>
-            <a:fillRect/>
-          </a:stretch>
-        </p:blipFill>
-        <p:spPr>
-          <a:xfrm>
-            <a:off x="841470" y="3325179"/>
-            <a:ext cx="1106250" cy="637375"/>
-          </a:xfrm>
-          <a:prstGeom prst="rect">
-            <a:avLst/>
-          </a:prstGeom>
-          <a:noFill/>
-          <a:ln>
-            <a:noFill/>
-          </a:ln>
-        </p:spPr>
-      </p:pic>
-      <p:pic>
-        <p:nvPicPr>
-          <p:cNvPr id="361" name="Google Shape;361;p48" descr="\lim\limits_{z \rightarrow -\infty} f(z) = 0, \lim\limits_{z \rightarrow +\infty} f(z) = 1"/>
-          <p:cNvPicPr preferRelativeResize="0"/>
-          <p:nvPr/>
-        </p:nvPicPr>
-        <p:blipFill>
-          <a:blip r:embed="rId8">
-            <a:alphaModFix/>
-          </a:blip>
-          <a:stretch>
-            <a:fillRect/>
-          </a:stretch>
-        </p:blipFill>
-        <p:spPr>
-          <a:xfrm>
-            <a:off x="823125" y="4107450"/>
-            <a:ext cx="4205499" cy="461425"/>
-          </a:xfrm>
-          <a:prstGeom prst="rect">
-            <a:avLst/>
-          </a:prstGeom>
-          <a:noFill/>
-          <a:ln>
-            <a:noFill/>
-          </a:ln>
-        </p:spPr>
-      </p:pic>
-    </p:spTree>
-  </p:cSld>
-  <p:clrMapOvr>
-    <a:masterClrMapping/>
-  </p:clrMapOvr>
-</p:sld>
-</file>
-
-<file path=ppt/slides/slide37.xml><?xml version="1.0" encoding="utf-8"?>
-<p:sld xmlns:a="http://schemas.openxmlformats.org/drawingml/2006/main" xmlns:r="http://schemas.openxmlformats.org/officeDocument/2006/relationships" xmlns:p="http://schemas.openxmlformats.org/presentationml/2006/main">
-  <p:cSld>
-    <p:spTree>
-      <p:nvGrpSpPr>
-        <p:cNvPr id="1" name="Shape 365"/>
-        <p:cNvGrpSpPr/>
-        <p:nvPr/>
-      </p:nvGrpSpPr>
-      <p:grpSpPr>
-        <a:xfrm>
-          <a:off x="0" y="0"/>
-          <a:ext cx="0" cy="0"/>
-          <a:chOff x="0" y="0"/>
-          <a:chExt cx="0" cy="0"/>
-        </a:xfrm>
-      </p:grpSpPr>
-      <p:sp>
-        <p:nvSpPr>
-          <p:cNvPr id="366" name="Google Shape;366;p49"/>
-          <p:cNvSpPr txBox="1">
-            <a:spLocks noGrp="1"/>
-          </p:cNvSpPr>
-          <p:nvPr>
-            <p:ph type="title"/>
-          </p:nvPr>
-        </p:nvSpPr>
-        <p:spPr>
-          <a:xfrm>
-            <a:off x="311700" y="445025"/>
-            <a:ext cx="8520600" cy="613200"/>
-          </a:xfrm>
-          <a:prstGeom prst="rect">
-            <a:avLst/>
-          </a:prstGeom>
-        </p:spPr>
-        <p:txBody>
-          <a:bodyPr spcFirstLastPara="1" wrap="square" lIns="91425" tIns="91425" rIns="91425" bIns="91425" anchor="t" anchorCtr="0">
-            <a:normAutofit fontScale="90000"/>
-          </a:bodyPr>
-          <a:lstStyle/>
-          <a:p>
-            <a:pPr marL="0" lvl="0" indent="0" algn="l" rtl="0">
-              <a:spcBef>
-                <a:spcPts val="0"/>
-              </a:spcBef>
-              <a:spcAft>
-                <a:spcPts val="0"/>
-              </a:spcAft>
-              <a:buNone/>
-            </a:pPr>
-            <a:r>
-              <a:rPr lang="ru"/>
-              <a:t>Сигмоида</a:t>
-            </a:r>
-            <a:endParaRPr/>
-          </a:p>
-        </p:txBody>
-      </p:sp>
-      <p:pic>
-        <p:nvPicPr>
-          <p:cNvPr id="367" name="Google Shape;367;p49"/>
-          <p:cNvPicPr preferRelativeResize="0"/>
-          <p:nvPr/>
-        </p:nvPicPr>
-        <p:blipFill>
-          <a:blip r:embed="rId3">
-            <a:alphaModFix/>
-          </a:blip>
-          <a:stretch>
-            <a:fillRect/>
-          </a:stretch>
-        </p:blipFill>
-        <p:spPr>
-          <a:xfrm>
-            <a:off x="3525395" y="1207198"/>
-            <a:ext cx="4589326" cy="2753625"/>
-          </a:xfrm>
-          <a:prstGeom prst="rect">
-            <a:avLst/>
-          </a:prstGeom>
-          <a:noFill/>
-          <a:ln>
-            <a:noFill/>
-          </a:ln>
-        </p:spPr>
-      </p:pic>
-      <p:pic>
-        <p:nvPicPr>
-          <p:cNvPr id="368" name="Google Shape;368;p49" descr="\sigma(z) = \frac{1}{1 + e^{-z}}"/>
-          <p:cNvPicPr preferRelativeResize="0"/>
-          <p:nvPr/>
-        </p:nvPicPr>
-        <p:blipFill>
-          <a:blip r:embed="rId4">
-            <a:alphaModFix/>
-          </a:blip>
-          <a:stretch>
-            <a:fillRect/>
-          </a:stretch>
-        </p:blipFill>
-        <p:spPr>
-          <a:xfrm>
-            <a:off x="737525" y="2317581"/>
-            <a:ext cx="2490950" cy="827775"/>
-          </a:xfrm>
-          <a:prstGeom prst="rect">
-            <a:avLst/>
-          </a:prstGeom>
-          <a:noFill/>
-          <a:ln>
-            <a:noFill/>
-          </a:ln>
-        </p:spPr>
-      </p:pic>
-    </p:spTree>
-  </p:cSld>
-  <p:clrMapOvr>
-    <a:masterClrMapping/>
-  </p:clrMapOvr>
-</p:sld>
-</file>
-
-<file path=ppt/slides/slide38.xml><?xml version="1.0" encoding="utf-8"?>
-<p:sld xmlns:a="http://schemas.openxmlformats.org/drawingml/2006/main" xmlns:r="http://schemas.openxmlformats.org/officeDocument/2006/relationships" xmlns:p="http://schemas.openxmlformats.org/presentationml/2006/main">
-  <p:cSld>
-    <p:spTree>
-      <p:nvGrpSpPr>
-        <p:cNvPr id="1" name="Shape 372"/>
-        <p:cNvGrpSpPr/>
-        <p:nvPr/>
-      </p:nvGrpSpPr>
-      <p:grpSpPr>
-        <a:xfrm>
-          <a:off x="0" y="0"/>
-          <a:ext cx="0" cy="0"/>
-          <a:chOff x="0" y="0"/>
-          <a:chExt cx="0" cy="0"/>
-        </a:xfrm>
-      </p:grpSpPr>
-      <p:sp>
-        <p:nvSpPr>
-          <p:cNvPr id="373" name="Google Shape;373;p50"/>
-          <p:cNvSpPr txBox="1">
-            <a:spLocks noGrp="1"/>
-          </p:cNvSpPr>
-          <p:nvPr>
-            <p:ph type="title"/>
-          </p:nvPr>
-        </p:nvSpPr>
-        <p:spPr>
-          <a:xfrm>
-            <a:off x="311700" y="445025"/>
-            <a:ext cx="8520600" cy="613200"/>
-          </a:xfrm>
-          <a:prstGeom prst="rect">
-            <a:avLst/>
-          </a:prstGeom>
-        </p:spPr>
-        <p:txBody>
-          <a:bodyPr spcFirstLastPara="1" wrap="square" lIns="91425" tIns="91425" rIns="91425" bIns="91425" anchor="t" anchorCtr="0">
-            <a:normAutofit fontScale="90000"/>
-          </a:bodyPr>
-          <a:lstStyle/>
-          <a:p>
-            <a:pPr marL="0" lvl="0" indent="0" algn="l" rtl="0">
-              <a:spcBef>
-                <a:spcPts val="0"/>
-              </a:spcBef>
-              <a:spcAft>
-                <a:spcPts val="0"/>
-              </a:spcAft>
-              <a:buNone/>
-            </a:pPr>
-            <a:r>
-              <a:rPr lang="ru"/>
-              <a:t>Оптимизация для логистической регрессии</a:t>
-            </a:r>
-            <a:endParaRPr/>
-          </a:p>
-        </p:txBody>
-      </p:sp>
-      <p:sp>
-        <p:nvSpPr>
-          <p:cNvPr id="374" name="Google Shape;374;p50"/>
-          <p:cNvSpPr txBox="1">
-            <a:spLocks noGrp="1"/>
-          </p:cNvSpPr>
-          <p:nvPr>
-            <p:ph type="body" idx="1"/>
-          </p:nvPr>
-        </p:nvSpPr>
-        <p:spPr>
-          <a:xfrm>
-            <a:off x="311700" y="1171600"/>
-            <a:ext cx="8520600" cy="3397200"/>
-          </a:xfrm>
-          <a:prstGeom prst="rect">
-            <a:avLst/>
-          </a:prstGeom>
-        </p:spPr>
-        <p:txBody>
-          <a:bodyPr spcFirstLastPara="1" wrap="square" lIns="91425" tIns="91425" rIns="91425" bIns="91425" anchor="t" anchorCtr="0">
-            <a:normAutofit/>
-          </a:bodyPr>
-          <a:lstStyle/>
-          <a:p>
-            <a:pPr marL="457200" lvl="0" indent="-342900" algn="l" rtl="0">
-              <a:lnSpc>
-                <a:spcPct val="150000"/>
-              </a:lnSpc>
-              <a:spcBef>
-                <a:spcPts val="0"/>
-              </a:spcBef>
-              <a:spcAft>
-                <a:spcPts val="0"/>
-              </a:spcAft>
-              <a:buSzPts val="1800"/>
-              <a:buChar char="●"/>
-            </a:pPr>
-            <a:r>
-              <a:rPr lang="ru"/>
-              <a:t>Вероятность принадлежности к классу 1: </a:t>
-            </a:r>
-            <a:endParaRPr/>
-          </a:p>
-          <a:p>
-            <a:pPr marL="457200" lvl="0" indent="-342900" algn="l" rtl="0">
-              <a:lnSpc>
-                <a:spcPct val="150000"/>
-              </a:lnSpc>
-              <a:spcBef>
-                <a:spcPts val="0"/>
-              </a:spcBef>
-              <a:spcAft>
-                <a:spcPts val="0"/>
-              </a:spcAft>
-              <a:buSzPts val="1800"/>
-              <a:buChar char="●"/>
-            </a:pPr>
-            <a:endParaRPr/>
-          </a:p>
-          <a:p>
-            <a:pPr marL="457200" lvl="0" indent="-342900" algn="l" rtl="0">
-              <a:lnSpc>
-                <a:spcPct val="150000"/>
-              </a:lnSpc>
-              <a:spcBef>
-                <a:spcPts val="0"/>
-              </a:spcBef>
-              <a:spcAft>
-                <a:spcPts val="0"/>
-              </a:spcAft>
-              <a:buSzPts val="1800"/>
-              <a:buChar char="●"/>
-            </a:pPr>
-            <a:endParaRPr/>
-          </a:p>
-          <a:p>
-            <a:pPr marL="457200" lvl="0" indent="-342900" algn="l" rtl="0">
-              <a:lnSpc>
-                <a:spcPct val="150000"/>
-              </a:lnSpc>
-              <a:spcBef>
-                <a:spcPts val="0"/>
-              </a:spcBef>
-              <a:spcAft>
-                <a:spcPts val="0"/>
-              </a:spcAft>
-              <a:buSzPts val="1800"/>
-              <a:buChar char="●"/>
-            </a:pPr>
-            <a:r>
-              <a:rPr lang="ru"/>
-              <a:t>Задача оптимизации:</a:t>
-            </a:r>
-            <a:br>
-              <a:rPr lang="ru"/>
-            </a:br>
-            <a:endParaRPr/>
-          </a:p>
-          <a:p>
-            <a:pPr marL="457200" lvl="0" indent="-342900" algn="l" rtl="0">
-              <a:lnSpc>
-                <a:spcPct val="150000"/>
-              </a:lnSpc>
-              <a:spcBef>
-                <a:spcPts val="0"/>
-              </a:spcBef>
-              <a:spcAft>
-                <a:spcPts val="0"/>
-              </a:spcAft>
-              <a:buSzPts val="1800"/>
-              <a:buChar char="●"/>
-            </a:pPr>
-            <a:r>
-              <a:rPr lang="ru"/>
-              <a:t>Логистическая функция потерь:</a:t>
-            </a:r>
-            <a:endParaRPr sz="1100">
-              <a:solidFill>
-                <a:schemeClr val="dk1"/>
-              </a:solidFill>
-            </a:endParaRPr>
-          </a:p>
-        </p:txBody>
-      </p:sp>
-      <p:pic>
-        <p:nvPicPr>
-          <p:cNvPr id="375" name="Google Shape;375;p50" descr="\mathrm{P}_{w,b}(x) = \sigma(\langle x,w \rangle + b)"/>
-          <p:cNvPicPr preferRelativeResize="0"/>
-          <p:nvPr/>
-        </p:nvPicPr>
-        <p:blipFill>
-          <a:blip r:embed="rId3">
-            <a:alphaModFix/>
-          </a:blip>
-          <a:stretch>
-            <a:fillRect/>
-          </a:stretch>
-        </p:blipFill>
-        <p:spPr>
-          <a:xfrm>
-            <a:off x="5455515" y="1228681"/>
-            <a:ext cx="2986807" cy="357930"/>
-          </a:xfrm>
-          <a:prstGeom prst="rect">
-            <a:avLst/>
-          </a:prstGeom>
-          <a:noFill/>
-          <a:ln>
-            <a:noFill/>
-          </a:ln>
-        </p:spPr>
-      </p:pic>
-      <p:pic>
-        <p:nvPicPr>
-          <p:cNvPr id="376" name="Google Shape;376;p50" descr="y^i = 1 \Rightarrow \mathrm{P}_{w,b}(x) \rightarrow 1"/>
-          <p:cNvPicPr preferRelativeResize="0"/>
-          <p:nvPr/>
-        </p:nvPicPr>
-        <p:blipFill>
-          <a:blip r:embed="rId4">
-            <a:alphaModFix/>
-          </a:blip>
-          <a:stretch>
-            <a:fillRect/>
-          </a:stretch>
-        </p:blipFill>
-        <p:spPr>
-          <a:xfrm>
-            <a:off x="850940" y="1550187"/>
-            <a:ext cx="2878950" cy="427882"/>
-          </a:xfrm>
-          <a:prstGeom prst="rect">
-            <a:avLst/>
-          </a:prstGeom>
-          <a:noFill/>
-          <a:ln>
-            <a:noFill/>
-          </a:ln>
-        </p:spPr>
-      </p:pic>
-      <p:pic>
-        <p:nvPicPr>
-          <p:cNvPr id="377" name="Google Shape;377;p50" descr="y^i = -1 \Rightarrow \mathrm{P}_{w,b}(x) \rightarrow 0"/>
-          <p:cNvPicPr preferRelativeResize="0"/>
-          <p:nvPr/>
-        </p:nvPicPr>
-        <p:blipFill>
-          <a:blip r:embed="rId5">
-            <a:alphaModFix/>
-          </a:blip>
-          <a:stretch>
-            <a:fillRect/>
-          </a:stretch>
-        </p:blipFill>
-        <p:spPr>
-          <a:xfrm>
-            <a:off x="850950" y="1949406"/>
-            <a:ext cx="3135754" cy="427882"/>
-          </a:xfrm>
-          <a:prstGeom prst="rect">
-            <a:avLst/>
-          </a:prstGeom>
-          <a:noFill/>
-          <a:ln>
-            <a:noFill/>
-          </a:ln>
-        </p:spPr>
-      </p:pic>
-      <p:pic>
-        <p:nvPicPr>
-          <p:cNvPr id="378" name="Google Shape;378;p50" descr="-\sum_{y^i = 1} \ln \mathrm{P}_{w,b}(x^i) - \sum_{y^i = -1} \ln (1 - \mathrm{P}_{w,b}(x^i)) \rightarrow \min\limits_{w,b} "/>
-          <p:cNvPicPr preferRelativeResize="0"/>
-          <p:nvPr/>
-        </p:nvPicPr>
-        <p:blipFill>
-          <a:blip r:embed="rId6">
-            <a:alphaModFix/>
-          </a:blip>
-          <a:stretch>
-            <a:fillRect/>
-          </a:stretch>
-        </p:blipFill>
-        <p:spPr>
-          <a:xfrm>
-            <a:off x="3054888" y="3725301"/>
-            <a:ext cx="4604574" cy="535584"/>
-          </a:xfrm>
-          <a:prstGeom prst="rect">
-            <a:avLst/>
-          </a:prstGeom>
-          <a:noFill/>
-          <a:ln>
-            <a:noFill/>
-          </a:ln>
-        </p:spPr>
-      </p:pic>
-      <p:pic>
-        <p:nvPicPr>
-          <p:cNvPr id="379" name="Google Shape;379;p50" descr="\prod\limits_{y^i = 1} \mathrm{P}_{w,b}(x^i) \cdot \prod\limits_{y^i = -1}(1-\mathrm{P}_{w,b}(x^i))\rightarrow \max\limits_{w,b} "/>
-          <p:cNvPicPr preferRelativeResize="0"/>
-          <p:nvPr/>
-        </p:nvPicPr>
-        <p:blipFill>
-          <a:blip r:embed="rId7">
-            <a:alphaModFix/>
-          </a:blip>
-          <a:stretch>
-            <a:fillRect/>
-          </a:stretch>
-        </p:blipFill>
-        <p:spPr>
-          <a:xfrm>
-            <a:off x="3388350" y="2721610"/>
-            <a:ext cx="3937647" cy="544065"/>
-          </a:xfrm>
-          <a:prstGeom prst="rect">
-            <a:avLst/>
-          </a:prstGeom>
-          <a:noFill/>
-          <a:ln>
-            <a:noFill/>
-          </a:ln>
-        </p:spPr>
-      </p:pic>
-    </p:spTree>
-  </p:cSld>
-  <p:clrMapOvr>
-    <a:masterClrMapping/>
-  </p:clrMapOvr>
-</p:sld>
-</file>
-
-<file path=ppt/slides/slide39.xml><?xml version="1.0" encoding="utf-8"?>
+<file path=ppt/slides/slide40.xml><?xml version="1.0" encoding="utf-8"?>
 <p:sld xmlns:a="http://schemas.openxmlformats.org/drawingml/2006/main" xmlns:r="http://schemas.openxmlformats.org/officeDocument/2006/relationships" xmlns:p="http://schemas.openxmlformats.org/presentationml/2006/main">
   <p:cSld>
     <p:spTree>
@@ -19196,102 +19450,7 @@
 </p:sld>
 </file>
 
-<file path=ppt/slides/slide4.xml><?xml version="1.0" encoding="utf-8"?>
-<p:sld xmlns:a="http://schemas.openxmlformats.org/drawingml/2006/main" xmlns:r="http://schemas.openxmlformats.org/officeDocument/2006/relationships" xmlns:p="http://schemas.openxmlformats.org/presentationml/2006/main">
-  <p:cSld>
-    <p:spTree>
-      <p:nvGrpSpPr>
-        <p:cNvPr id="1" name="Shape 75"/>
-        <p:cNvGrpSpPr/>
-        <p:nvPr/>
-      </p:nvGrpSpPr>
-      <p:grpSpPr>
-        <a:xfrm>
-          <a:off x="0" y="0"/>
-          <a:ext cx="0" cy="0"/>
-          <a:chOff x="0" y="0"/>
-          <a:chExt cx="0" cy="0"/>
-        </a:xfrm>
-      </p:grpSpPr>
-      <p:sp>
-        <p:nvSpPr>
-          <p:cNvPr id="76" name="Google Shape;76;p16"/>
-          <p:cNvSpPr txBox="1">
-            <a:spLocks noGrp="1"/>
-          </p:cNvSpPr>
-          <p:nvPr>
-            <p:ph type="title"/>
-          </p:nvPr>
-        </p:nvSpPr>
-        <p:spPr>
-          <a:xfrm>
-            <a:off x="311700" y="445025"/>
-            <a:ext cx="8520600" cy="613200"/>
-          </a:xfrm>
-          <a:prstGeom prst="rect">
-            <a:avLst/>
-          </a:prstGeom>
-        </p:spPr>
-        <p:txBody>
-          <a:bodyPr spcFirstLastPara="1" wrap="square" lIns="91425" tIns="91425" rIns="91425" bIns="91425" anchor="t" anchorCtr="0">
-            <a:normAutofit fontScale="90000"/>
-          </a:bodyPr>
-          <a:lstStyle/>
-          <a:p>
-            <a:pPr marL="0" lvl="0" indent="0" algn="l" rtl="0">
-              <a:spcBef>
-                <a:spcPts val="0"/>
-              </a:spcBef>
-              <a:spcAft>
-                <a:spcPts val="0"/>
-              </a:spcAft>
-              <a:buNone/>
-            </a:pPr>
-            <a:r>
-              <a:rPr lang="ru"/>
-              <a:t>Линейные алгоритмы</a:t>
-            </a:r>
-            <a:endParaRPr/>
-          </a:p>
-        </p:txBody>
-      </p:sp>
-      <p:pic>
-        <p:nvPicPr>
-          <p:cNvPr id="77" name="Google Shape;77;p16"/>
-          <p:cNvPicPr preferRelativeResize="0"/>
-          <p:nvPr/>
-        </p:nvPicPr>
-        <p:blipFill>
-          <a:blip r:embed="rId3">
-            <a:alphaModFix/>
-          </a:blip>
-          <a:stretch>
-            <a:fillRect/>
-          </a:stretch>
-        </p:blipFill>
-        <p:spPr>
-          <a:xfrm>
-            <a:off x="1268913" y="1339153"/>
-            <a:ext cx="6606176" cy="3209576"/>
-          </a:xfrm>
-          <a:prstGeom prst="rect">
-            <a:avLst/>
-          </a:prstGeom>
-          <a:noFill/>
-          <a:ln>
-            <a:noFill/>
-          </a:ln>
-        </p:spPr>
-      </p:pic>
-    </p:spTree>
-  </p:cSld>
-  <p:clrMapOvr>
-    <a:masterClrMapping/>
-  </p:clrMapOvr>
-</p:sld>
-</file>
-
-<file path=ppt/slides/slide40.xml><?xml version="1.0" encoding="utf-8"?>
+<file path=ppt/slides/slide41.xml><?xml version="1.0" encoding="utf-8"?>
 <p:sld xmlns:a="http://schemas.openxmlformats.org/drawingml/2006/main" xmlns:r="http://schemas.openxmlformats.org/officeDocument/2006/relationships" xmlns:p="http://schemas.openxmlformats.org/presentationml/2006/main">
   <p:cSld>
     <p:spTree>
@@ -19418,7 +19577,7 @@
 </p:sld>
 </file>
 
-<file path=ppt/slides/slide41.xml><?xml version="1.0" encoding="utf-8"?>
+<file path=ppt/slides/slide42.xml><?xml version="1.0" encoding="utf-8"?>
 <p:sld xmlns:a="http://schemas.openxmlformats.org/drawingml/2006/main" xmlns:r="http://schemas.openxmlformats.org/officeDocument/2006/relationships" xmlns:p="http://schemas.openxmlformats.org/presentationml/2006/main">
   <p:cSld>
     <p:spTree>
@@ -19485,7 +19644,7 @@
 </p:sld>
 </file>
 
-<file path=ppt/slides/slide42.xml><?xml version="1.0" encoding="utf-8"?>
+<file path=ppt/slides/slide43.xml><?xml version="1.0" encoding="utf-8"?>
 <p:sld xmlns:a="http://schemas.openxmlformats.org/drawingml/2006/main" xmlns:r="http://schemas.openxmlformats.org/officeDocument/2006/relationships" xmlns:p="http://schemas.openxmlformats.org/presentationml/2006/main">
   <p:cSld>
     <p:spTree>
@@ -19684,7 +19843,7 @@
 </p:sld>
 </file>
 
-<file path=ppt/slides/slide43.xml><?xml version="1.0" encoding="utf-8"?>
+<file path=ppt/slides/slide44.xml><?xml version="1.0" encoding="utf-8"?>
 <p:sld xmlns:a="http://schemas.openxmlformats.org/drawingml/2006/main" xmlns:r="http://schemas.openxmlformats.org/officeDocument/2006/relationships" xmlns:p="http://schemas.openxmlformats.org/presentationml/2006/main">
   <p:cSld>
     <p:spTree>
@@ -19737,7 +19896,7 @@
 </p:sld>
 </file>
 
-<file path=ppt/slides/slide44.xml><?xml version="1.0" encoding="utf-8"?>
+<file path=ppt/slides/slide45.xml><?xml version="1.0" encoding="utf-8"?>
 <p:sld xmlns:a="http://schemas.openxmlformats.org/drawingml/2006/main" xmlns:r="http://schemas.openxmlformats.org/officeDocument/2006/relationships" xmlns:p="http://schemas.openxmlformats.org/presentationml/2006/main">
   <p:cSld>
     <p:bg>
@@ -20360,7 +20519,7 @@
 </p:sld>
 </file>
 
-<file path=ppt/slides/slide45.xml><?xml version="1.0" encoding="utf-8"?>
+<file path=ppt/slides/slide46.xml><?xml version="1.0" encoding="utf-8"?>
 <p:sld xmlns:a="http://schemas.openxmlformats.org/drawingml/2006/main" xmlns:r="http://schemas.openxmlformats.org/officeDocument/2006/relationships" xmlns:p="http://schemas.openxmlformats.org/presentationml/2006/main">
   <p:cSld>
     <p:spTree>
@@ -20543,6 +20702,101 @@
   <p:cSld>
     <p:spTree>
       <p:nvGrpSpPr>
+        <p:cNvPr id="1" name="Shape 75"/>
+        <p:cNvGrpSpPr/>
+        <p:nvPr/>
+      </p:nvGrpSpPr>
+      <p:grpSpPr>
+        <a:xfrm>
+          <a:off x="0" y="0"/>
+          <a:ext cx="0" cy="0"/>
+          <a:chOff x="0" y="0"/>
+          <a:chExt cx="0" cy="0"/>
+        </a:xfrm>
+      </p:grpSpPr>
+      <p:sp>
+        <p:nvSpPr>
+          <p:cNvPr id="76" name="Google Shape;76;p16"/>
+          <p:cNvSpPr txBox="1">
+            <a:spLocks noGrp="1"/>
+          </p:cNvSpPr>
+          <p:nvPr>
+            <p:ph type="title"/>
+          </p:nvPr>
+        </p:nvSpPr>
+        <p:spPr>
+          <a:xfrm>
+            <a:off x="311700" y="445025"/>
+            <a:ext cx="8520600" cy="613200"/>
+          </a:xfrm>
+          <a:prstGeom prst="rect">
+            <a:avLst/>
+          </a:prstGeom>
+        </p:spPr>
+        <p:txBody>
+          <a:bodyPr spcFirstLastPara="1" wrap="square" lIns="91425" tIns="91425" rIns="91425" bIns="91425" anchor="t" anchorCtr="0">
+            <a:normAutofit fontScale="90000"/>
+          </a:bodyPr>
+          <a:lstStyle/>
+          <a:p>
+            <a:pPr marL="0" lvl="0" indent="0" algn="l" rtl="0">
+              <a:spcBef>
+                <a:spcPts val="0"/>
+              </a:spcBef>
+              <a:spcAft>
+                <a:spcPts val="0"/>
+              </a:spcAft>
+              <a:buNone/>
+            </a:pPr>
+            <a:r>
+              <a:rPr lang="ru"/>
+              <a:t>Линейные алгоритмы</a:t>
+            </a:r>
+            <a:endParaRPr/>
+          </a:p>
+        </p:txBody>
+      </p:sp>
+      <p:pic>
+        <p:nvPicPr>
+          <p:cNvPr id="77" name="Google Shape;77;p16"/>
+          <p:cNvPicPr preferRelativeResize="0"/>
+          <p:nvPr/>
+        </p:nvPicPr>
+        <p:blipFill>
+          <a:blip r:embed="rId3">
+            <a:alphaModFix/>
+          </a:blip>
+          <a:stretch>
+            <a:fillRect/>
+          </a:stretch>
+        </p:blipFill>
+        <p:spPr>
+          <a:xfrm>
+            <a:off x="1268913" y="1339153"/>
+            <a:ext cx="6606176" cy="3209576"/>
+          </a:xfrm>
+          <a:prstGeom prst="rect">
+            <a:avLst/>
+          </a:prstGeom>
+          <a:noFill/>
+          <a:ln>
+            <a:noFill/>
+          </a:ln>
+        </p:spPr>
+      </p:pic>
+    </p:spTree>
+  </p:cSld>
+  <p:clrMapOvr>
+    <a:masterClrMapping/>
+  </p:clrMapOvr>
+</p:sld>
+</file>
+
+<file path=ppt/slides/slide6.xml><?xml version="1.0" encoding="utf-8"?>
+<p:sld xmlns:a="http://schemas.openxmlformats.org/drawingml/2006/main" xmlns:r="http://schemas.openxmlformats.org/officeDocument/2006/relationships" xmlns:p="http://schemas.openxmlformats.org/presentationml/2006/main">
+  <p:cSld>
+    <p:spTree>
+      <p:nvGrpSpPr>
         <p:cNvPr id="1" name="Shape 81"/>
         <p:cNvGrpSpPr/>
         <p:nvPr/>
@@ -21624,7 +21878,7 @@
 </p:sld>
 </file>
 
-<file path=ppt/slides/slide6.xml><?xml version="1.0" encoding="utf-8"?>
+<file path=ppt/slides/slide7.xml><?xml version="1.0" encoding="utf-8"?>
 <p:sld xmlns:a="http://schemas.openxmlformats.org/drawingml/2006/main" xmlns:r="http://schemas.openxmlformats.org/officeDocument/2006/relationships" xmlns:p="http://schemas.openxmlformats.org/presentationml/2006/main">
   <p:cSld>
     <p:spTree>
@@ -21907,7 +22161,7 @@
 </p:sld>
 </file>
 
-<file path=ppt/slides/slide7.xml><?xml version="1.0" encoding="utf-8"?>
+<file path=ppt/slides/slide8.xml><?xml version="1.0" encoding="utf-8"?>
 <p:sld xmlns:a="http://schemas.openxmlformats.org/drawingml/2006/main" xmlns:r="http://schemas.openxmlformats.org/officeDocument/2006/relationships" xmlns:p="http://schemas.openxmlformats.org/presentationml/2006/main">
   <p:cSld>
     <p:spTree>
@@ -22190,7 +22444,7 @@
 </p:sld>
 </file>
 
-<file path=ppt/slides/slide8.xml><?xml version="1.0" encoding="utf-8"?>
+<file path=ppt/slides/slide9.xml><?xml version="1.0" encoding="utf-8"?>
 <p:sld xmlns:a="http://schemas.openxmlformats.org/drawingml/2006/main" xmlns:r="http://schemas.openxmlformats.org/officeDocument/2006/relationships" xmlns:p="http://schemas.openxmlformats.org/presentationml/2006/main">
   <p:cSld>
     <p:spTree>
@@ -22522,116 +22776,6 @@
           </p:txBody>
         </p:sp>
       </p:grpSp>
-    </p:spTree>
-  </p:cSld>
-  <p:clrMapOvr>
-    <a:masterClrMapping/>
-  </p:clrMapOvr>
-</p:sld>
-</file>
-
-<file path=ppt/slides/slide9.xml><?xml version="1.0" encoding="utf-8"?>
-<p:sld xmlns:a="http://schemas.openxmlformats.org/drawingml/2006/main" xmlns:r="http://schemas.openxmlformats.org/officeDocument/2006/relationships" xmlns:p="http://schemas.openxmlformats.org/presentationml/2006/main">
-  <p:cSld>
-    <p:spTree>
-      <p:nvGrpSpPr>
-        <p:cNvPr id="1" name="Shape 128"/>
-        <p:cNvGrpSpPr/>
-        <p:nvPr/>
-      </p:nvGrpSpPr>
-      <p:grpSpPr>
-        <a:xfrm>
-          <a:off x="0" y="0"/>
-          <a:ext cx="0" cy="0"/>
-          <a:chOff x="0" y="0"/>
-          <a:chExt cx="0" cy="0"/>
-        </a:xfrm>
-      </p:grpSpPr>
-      <p:sp>
-        <p:nvSpPr>
-          <p:cNvPr id="129" name="Google Shape;129;p21"/>
-          <p:cNvSpPr txBox="1">
-            <a:spLocks noGrp="1"/>
-          </p:cNvSpPr>
-          <p:nvPr>
-            <p:ph type="title"/>
-          </p:nvPr>
-        </p:nvSpPr>
-        <p:spPr>
-          <a:xfrm>
-            <a:off x="311700" y="445025"/>
-            <a:ext cx="8520600" cy="613200"/>
-          </a:xfrm>
-          <a:prstGeom prst="rect">
-            <a:avLst/>
-          </a:prstGeom>
-        </p:spPr>
-        <p:txBody>
-          <a:bodyPr spcFirstLastPara="1" wrap="square" lIns="91425" tIns="91425" rIns="91425" bIns="91425" anchor="t" anchorCtr="0">
-            <a:normAutofit fontScale="90000"/>
-          </a:bodyPr>
-          <a:lstStyle/>
-          <a:p>
-            <a:pPr marL="0" lvl="0" indent="0" algn="l" rtl="0">
-              <a:spcBef>
-                <a:spcPts val="0"/>
-              </a:spcBef>
-              <a:spcAft>
-                <a:spcPts val="0"/>
-              </a:spcAft>
-              <a:buNone/>
-            </a:pPr>
-            <a:r>
-              <a:rPr lang="ru"/>
-              <a:t>Линейная регрессия</a:t>
-            </a:r>
-            <a:endParaRPr/>
-          </a:p>
-        </p:txBody>
-      </p:sp>
-      <p:sp>
-        <p:nvSpPr>
-          <p:cNvPr id="130" name="Google Shape;130;p21"/>
-          <p:cNvSpPr txBox="1">
-            <a:spLocks noGrp="1"/>
-          </p:cNvSpPr>
-          <p:nvPr>
-            <p:ph type="body" idx="1"/>
-          </p:nvPr>
-        </p:nvSpPr>
-        <p:spPr>
-          <a:xfrm>
-            <a:off x="311700" y="1171600"/>
-            <a:ext cx="8520600" cy="3397200"/>
-          </a:xfrm>
-          <a:prstGeom prst="rect">
-            <a:avLst/>
-          </a:prstGeom>
-        </p:spPr>
-        <p:txBody>
-          <a:bodyPr spcFirstLastPara="1" wrap="square" lIns="91425" tIns="91425" rIns="91425" bIns="91425" anchor="t" anchorCtr="0">
-            <a:normAutofit/>
-          </a:bodyPr>
-          <a:lstStyle/>
-          <a:p>
-            <a:pPr marL="457200" lvl="0" indent="-342900" algn="l" rtl="0">
-              <a:spcBef>
-                <a:spcPts val="0"/>
-              </a:spcBef>
-              <a:spcAft>
-                <a:spcPts val="0"/>
-              </a:spcAft>
-              <a:buSzPts val="1800"/>
-              <a:buChar char="●"/>
-            </a:pPr>
-            <a:r>
-              <a:rPr lang="ru"/>
-              <a:t>Линейная регрессия — один из алгоритмов построения регрессии, строящий линейную зависимость в данных</a:t>
-            </a:r>
-            <a:endParaRPr/>
-          </a:p>
-        </p:txBody>
-      </p:sp>
     </p:spTree>
   </p:cSld>
   <p:clrMapOvr>
